--- a/DBS_Assessment_Final.pptx
+++ b/DBS_Assessment_Final.pptx
@@ -594,7 +594,7 @@
             </a:ln>
             <a:extLst>
               <a:ext uri="{91240B29-F687-4f45-9708-019B960494DF}">
-                <a14:hiddenLine xmlns="" xmlns:a14="http://schemas.microsoft.com/office/drawing/2010/main" w="9525">
+                <a14:hiddenLine xmlns:a14="http://schemas.microsoft.com/office/drawing/2010/main" xmlns="" w="9525">
                   <a:solidFill>
                     <a:srgbClr val="000000"/>
                   </a:solidFill>
@@ -791,7 +791,7 @@
           <a:p>
             <a:fld id="{5BCAD085-E8A6-8845-BD4E-CB4CCA059FC4}" type="datetimeFigureOut">
               <a:rPr lang="en-US" smtClean="0"/>
-              <a:t>4/8/2025</a:t>
+              <a:t>4/9/2025</a:t>
             </a:fld>
             <a:endParaRPr lang="en-US"/>
           </a:p>
@@ -1675,7 +1675,7 @@
             </a:ln>
             <a:extLst>
               <a:ext uri="{91240B29-F687-4f45-9708-019B960494DF}">
-                <a14:hiddenLine xmlns="" xmlns:a14="http://schemas.microsoft.com/office/drawing/2010/main" w="9525">
+                <a14:hiddenLine xmlns:a14="http://schemas.microsoft.com/office/drawing/2010/main" xmlns="" w="9525">
                   <a:solidFill>
                     <a:srgbClr val="000000"/>
                   </a:solidFill>
@@ -1892,7 +1892,7 @@
           <a:p>
             <a:fld id="{5BCAD085-E8A6-8845-BD4E-CB4CCA059FC4}" type="datetimeFigureOut">
               <a:rPr lang="en-US" smtClean="0"/>
-              <a:t>4/8/2025</a:t>
+              <a:t>4/9/2025</a:t>
             </a:fld>
             <a:endParaRPr lang="en-US"/>
           </a:p>
@@ -2761,7 +2761,7 @@
             </a:ln>
             <a:extLst>
               <a:ext uri="{91240B29-F687-4f45-9708-019B960494DF}">
-                <a14:hiddenLine xmlns="" xmlns:a14="http://schemas.microsoft.com/office/drawing/2010/main" w="9525">
+                <a14:hiddenLine xmlns:a14="http://schemas.microsoft.com/office/drawing/2010/main" xmlns="" w="9525">
                   <a:solidFill>
                     <a:srgbClr val="000000"/>
                   </a:solidFill>
@@ -2890,7 +2890,7 @@
           <a:p>
             <a:fld id="{5BCAD085-E8A6-8845-BD4E-CB4CCA059FC4}" type="datetimeFigureOut">
               <a:rPr lang="en-US" smtClean="0"/>
-              <a:t>4/8/2025</a:t>
+              <a:t>4/9/2025</a:t>
             </a:fld>
             <a:endParaRPr lang="en-US"/>
           </a:p>
@@ -3722,7 +3722,7 @@
             </a:ln>
             <a:extLst>
               <a:ext uri="{91240B29-F687-4f45-9708-019B960494DF}">
-                <a14:hiddenLine xmlns="" xmlns:a14="http://schemas.microsoft.com/office/drawing/2010/main" w="9525">
+                <a14:hiddenLine xmlns:a14="http://schemas.microsoft.com/office/drawing/2010/main" xmlns="" w="9525">
                   <a:solidFill>
                     <a:srgbClr val="000000"/>
                   </a:solidFill>
@@ -4005,7 +4005,7 @@
           <a:p>
             <a:fld id="{5BCAD085-E8A6-8845-BD4E-CB4CCA059FC4}" type="datetimeFigureOut">
               <a:rPr lang="en-US" smtClean="0"/>
-              <a:t>4/8/2025</a:t>
+              <a:t>4/9/2025</a:t>
             </a:fld>
             <a:endParaRPr lang="en-US"/>
           </a:p>
@@ -4837,7 +4837,7 @@
             </a:ln>
             <a:extLst>
               <a:ext uri="{91240B29-F687-4f45-9708-019B960494DF}">
-                <a14:hiddenLine xmlns="" xmlns:a14="http://schemas.microsoft.com/office/drawing/2010/main" w="9525">
+                <a14:hiddenLine xmlns:a14="http://schemas.microsoft.com/office/drawing/2010/main" xmlns="" w="9525">
                   <a:solidFill>
                     <a:srgbClr val="000000"/>
                   </a:solidFill>
@@ -5019,7 +5019,7 @@
           <a:p>
             <a:fld id="{5BCAD085-E8A6-8845-BD4E-CB4CCA059FC4}" type="datetimeFigureOut">
               <a:rPr lang="en-US" smtClean="0"/>
-              <a:t>4/8/2025</a:t>
+              <a:t>4/9/2025</a:t>
             </a:fld>
             <a:endParaRPr lang="en-US"/>
           </a:p>
@@ -5691,7 +5691,7 @@
           <a:p>
             <a:fld id="{5BCAD085-E8A6-8845-BD4E-CB4CCA059FC4}" type="datetimeFigureOut">
               <a:rPr lang="en-US" smtClean="0"/>
-              <a:t>4/8/2025</a:t>
+              <a:t>4/9/2025</a:t>
             </a:fld>
             <a:endParaRPr lang="en-US"/>
           </a:p>
@@ -6564,7 +6564,7 @@
           <a:p>
             <a:fld id="{5BCAD085-E8A6-8845-BD4E-CB4CCA059FC4}" type="datetimeFigureOut">
               <a:rPr lang="en-US" smtClean="0"/>
-              <a:t>4/8/2025</a:t>
+              <a:t>4/9/2025</a:t>
             </a:fld>
             <a:endParaRPr lang="en-US"/>
           </a:p>
@@ -6751,7 +6751,7 @@
           <a:p>
             <a:fld id="{5BCAD085-E8A6-8845-BD4E-CB4CCA059FC4}" type="datetimeFigureOut">
               <a:rPr lang="en-US" smtClean="0"/>
-              <a:t>4/8/2025</a:t>
+              <a:t>4/9/2025</a:t>
             </a:fld>
             <a:endParaRPr lang="en-US"/>
           </a:p>
@@ -7586,7 +7586,7 @@
           </a:ln>
           <a:extLst>
             <a:ext uri="{91240B29-F687-4f45-9708-019B960494DF}">
-              <a14:hiddenLine xmlns="" xmlns:a14="http://schemas.microsoft.com/office/drawing/2010/main" w="9525">
+              <a14:hiddenLine xmlns:a14="http://schemas.microsoft.com/office/drawing/2010/main" xmlns="" w="9525">
                 <a:solidFill>
                   <a:srgbClr val="000000"/>
                 </a:solidFill>
@@ -7700,7 +7700,7 @@
           <a:p>
             <a:fld id="{5BCAD085-E8A6-8845-BD4E-CB4CCA059FC4}" type="datetimeFigureOut">
               <a:rPr lang="en-US" smtClean="0"/>
-              <a:t>4/8/2025</a:t>
+              <a:t>4/9/2025</a:t>
             </a:fld>
             <a:endParaRPr lang="en-US"/>
           </a:p>
@@ -7932,7 +7932,7 @@
           <a:p>
             <a:fld id="{5BCAD085-E8A6-8845-BD4E-CB4CCA059FC4}" type="datetimeFigureOut">
               <a:rPr lang="en-US" smtClean="0"/>
-              <a:t>4/8/2025</a:t>
+              <a:t>4/9/2025</a:t>
             </a:fld>
             <a:endParaRPr lang="en-US"/>
           </a:p>
@@ -8761,7 +8761,7 @@
             </a:ln>
             <a:extLst>
               <a:ext uri="{91240B29-F687-4f45-9708-019B960494DF}">
-                <a14:hiddenLine xmlns="" xmlns:a14="http://schemas.microsoft.com/office/drawing/2010/main" w="9525">
+                <a14:hiddenLine xmlns:a14="http://schemas.microsoft.com/office/drawing/2010/main" xmlns="" w="9525">
                   <a:solidFill>
                     <a:srgbClr val="000000"/>
                   </a:solidFill>
@@ -8943,7 +8943,7 @@
           <a:p>
             <a:fld id="{5BCAD085-E8A6-8845-BD4E-CB4CCA059FC4}" type="datetimeFigureOut">
               <a:rPr lang="en-US" smtClean="0"/>
-              <a:t>4/8/2025</a:t>
+              <a:t>4/9/2025</a:t>
             </a:fld>
             <a:endParaRPr lang="en-US"/>
           </a:p>
@@ -9227,7 +9227,7 @@
           <a:p>
             <a:fld id="{5BCAD085-E8A6-8845-BD4E-CB4CCA059FC4}" type="datetimeFigureOut">
               <a:rPr lang="en-US" smtClean="0"/>
-              <a:t>4/8/2025</a:t>
+              <a:t>4/9/2025</a:t>
             </a:fld>
             <a:endParaRPr lang="en-US"/>
           </a:p>
@@ -9627,7 +9627,7 @@
           <a:p>
             <a:fld id="{5BCAD085-E8A6-8845-BD4E-CB4CCA059FC4}" type="datetimeFigureOut">
               <a:rPr lang="en-US" smtClean="0"/>
-              <a:t>4/8/2025</a:t>
+              <a:t>4/9/2025</a:t>
             </a:fld>
             <a:endParaRPr lang="en-US"/>
           </a:p>
@@ -9757,7 +9757,7 @@
           <a:p>
             <a:fld id="{5BCAD085-E8A6-8845-BD4E-CB4CCA059FC4}" type="datetimeFigureOut">
               <a:rPr lang="en-US" smtClean="0"/>
-              <a:t>4/8/2025</a:t>
+              <a:t>4/9/2025</a:t>
             </a:fld>
             <a:endParaRPr lang="en-US"/>
           </a:p>
@@ -9900,7 +9900,7 @@
           <a:p>
             <a:fld id="{5BCAD085-E8A6-8845-BD4E-CB4CCA059FC4}" type="datetimeFigureOut">
               <a:rPr lang="en-US" smtClean="0"/>
-              <a:t>4/8/2025</a:t>
+              <a:t>4/9/2025</a:t>
             </a:fld>
             <a:endParaRPr lang="en-US"/>
           </a:p>
@@ -10729,7 +10729,7 @@
             </a:ln>
             <a:extLst>
               <a:ext uri="{91240B29-F687-4f45-9708-019B960494DF}">
-                <a14:hiddenLine xmlns="" xmlns:a14="http://schemas.microsoft.com/office/drawing/2010/main" w="9525">
+                <a14:hiddenLine xmlns:a14="http://schemas.microsoft.com/office/drawing/2010/main" xmlns="" w="9525">
                   <a:solidFill>
                     <a:srgbClr val="000000"/>
                   </a:solidFill>
@@ -10922,7 +10922,7 @@
           <a:p>
             <a:fld id="{5BCAD085-E8A6-8845-BD4E-CB4CCA059FC4}" type="datetimeFigureOut">
               <a:rPr lang="en-US" smtClean="0"/>
-              <a:t>4/8/2025</a:t>
+              <a:t>4/9/2025</a:t>
             </a:fld>
             <a:endParaRPr lang="en-US"/>
           </a:p>
@@ -11787,7 +11787,7 @@
             </a:ln>
             <a:extLst>
               <a:ext uri="{91240B29-F687-4f45-9708-019B960494DF}">
-                <a14:hiddenLine xmlns="" xmlns:a14="http://schemas.microsoft.com/office/drawing/2010/main" w="9525">
+                <a14:hiddenLine xmlns:a14="http://schemas.microsoft.com/office/drawing/2010/main" xmlns="" w="9525">
                   <a:solidFill>
                     <a:srgbClr val="000000"/>
                   </a:solidFill>
@@ -12004,7 +12004,7 @@
           <a:p>
             <a:fld id="{5BCAD085-E8A6-8845-BD4E-CB4CCA059FC4}" type="datetimeFigureOut">
               <a:rPr lang="en-US" smtClean="0"/>
-              <a:t>4/8/2025</a:t>
+              <a:t>4/9/2025</a:t>
             </a:fld>
             <a:endParaRPr lang="en-US"/>
           </a:p>
@@ -12837,7 +12837,7 @@
             </a:ln>
             <a:extLst>
               <a:ext uri="{91240B29-F687-4f45-9708-019B960494DF}">
-                <a14:hiddenLine xmlns="" xmlns:a14="http://schemas.microsoft.com/office/drawing/2010/main" w="9525">
+                <a14:hiddenLine xmlns:a14="http://schemas.microsoft.com/office/drawing/2010/main" xmlns="" w="9525">
                   <a:solidFill>
                     <a:srgbClr val="000000"/>
                   </a:solidFill>
@@ -12978,7 +12978,7 @@
           <a:p>
             <a:fld id="{5BCAD085-E8A6-8845-BD4E-CB4CCA059FC4}" type="datetimeFigureOut">
               <a:rPr lang="en-US" smtClean="0"/>
-              <a:t>4/8/2025</a:t>
+              <a:t>4/9/2025</a:t>
             </a:fld>
             <a:endParaRPr lang="en-US"/>
           </a:p>
@@ -13765,44 +13765,52 @@
           <a:lstStyle/>
           <a:p>
             <a:r>
-              <a:t>• Use Sentence Transformers to embed articles.</a:t>
-            </a:r>
-          </a:p>
-          <a:p>
-            <a:r>
-              <a:t>• Cluster similar articles and manually assign labels.</a:t>
-            </a:r>
-          </a:p>
-          <a:p>
-            <a:endParaRPr/>
-          </a:p>
-          <a:p>
-            <a:r>
+              <a:rPr dirty="0"/>
+              <a:t>Use Sentence Transformers to embed articles.</a:t>
+            </a:r>
+          </a:p>
+          <a:p>
+            <a:r>
+              <a:rPr dirty="0"/>
+              <a:t>Cluster similar articles and manually assign labels.</a:t>
+            </a:r>
+          </a:p>
+          <a:p>
+            <a:endParaRPr dirty="0"/>
+          </a:p>
+          <a:p>
+            <a:r>
+              <a:rPr dirty="0"/>
               <a:t>✅ Pros:</a:t>
             </a:r>
           </a:p>
           <a:p>
             <a:r>
+              <a:rPr dirty="0"/>
               <a:t>- Useful for discovering themes</a:t>
             </a:r>
           </a:p>
           <a:p>
             <a:r>
+              <a:rPr dirty="0"/>
               <a:t>- Scalable with vector DBs</a:t>
             </a:r>
           </a:p>
           <a:p>
             <a:r>
+              <a:rPr dirty="0"/>
               <a:t>⚠️ Cons:</a:t>
             </a:r>
           </a:p>
           <a:p>
             <a:r>
+              <a:rPr dirty="0"/>
               <a:t>- Less precise than LLMs</a:t>
             </a:r>
           </a:p>
           <a:p>
             <a:r>
+              <a:rPr dirty="0"/>
               <a:t>- Needs human-in-the-loop</a:t>
             </a:r>
           </a:p>
@@ -13866,7 +13874,7 @@
         </p:nvSpPr>
         <p:spPr>
           <a:xfrm>
-            <a:off x="864382" y="2489200"/>
+            <a:off x="432191" y="2489200"/>
             <a:ext cx="8279618" cy="3530600"/>
           </a:xfrm>
         </p:spPr>
@@ -14086,14 +14094,14 @@
             <p:ph idx="1"/>
             <p:extLst>
               <p:ext uri="{D42A27DB-BD31-4B8C-83A1-F6EECF244321}">
-                <p14:modId xmlns:p14="http://schemas.microsoft.com/office/powerpoint/2010/main" val="3334627808"/>
+                <p14:modId xmlns:p14="http://schemas.microsoft.com/office/powerpoint/2010/main" val="1498920138"/>
               </p:ext>
             </p:extLst>
           </p:nvPr>
         </p:nvGraphicFramePr>
         <p:xfrm>
           <a:off x="556591" y="2246243"/>
-          <a:ext cx="8083825" cy="3737514"/>
+          <a:ext cx="8083825" cy="3840677"/>
         </p:xfrm>
         <a:graphic>
           <a:graphicData uri="http://schemas.openxmlformats.org/drawingml/2006/table">
@@ -14313,7 +14321,7 @@
                           </a:solidFill>
                           <a:effectLst/>
                         </a:rPr>
-                        <a:t>Takes long time for redirection</a:t>
+                        <a:t>Takes long time for redirection, Summary of News</a:t>
                       </a:r>
                     </a:p>
                   </a:txBody>
@@ -14577,7 +14585,7 @@
           <a:noFill/>
           <a:ln>
             <a:solidFill>
-              <a:srgbClr val="00B0F0"/>
+              <a:srgbClr val="FF0000"/>
             </a:solidFill>
           </a:ln>
         </p:spPr>
@@ -14812,41 +14820,350 @@
             <p:ph idx="1"/>
           </p:nvPr>
         </p:nvSpPr>
-        <p:spPr/>
+        <p:spPr>
+          <a:xfrm>
+            <a:off x="480069" y="2520122"/>
+            <a:ext cx="6345260" cy="3530600"/>
+          </a:xfrm>
+        </p:spPr>
         <p:txBody>
           <a:bodyPr/>
           <a:lstStyle/>
           <a:p>
-            <a:endParaRPr/>
-          </a:p>
-          <a:p>
-            <a:r>
+            <a:endParaRPr dirty="0"/>
+          </a:p>
+          <a:p>
+            <a:r>
+              <a:rPr dirty="0"/>
               <a:t>✅ Pros:</a:t>
             </a:r>
           </a:p>
           <a:p>
             <a:r>
+              <a:rPr dirty="0"/>
               <a:t>- Improves consistency of entity mentions</a:t>
             </a:r>
           </a:p>
           <a:p>
             <a:r>
+              <a:rPr dirty="0"/>
               <a:t>- Useful for tracking entities in context</a:t>
             </a:r>
           </a:p>
           <a:p>
             <a:r>
+              <a:rPr dirty="0"/>
               <a:t>❌ Cons:</a:t>
             </a:r>
           </a:p>
           <a:p>
             <a:r>
+              <a:rPr dirty="0"/>
               <a:t>- Slower, heavier models</a:t>
             </a:r>
           </a:p>
           <a:p>
             <a:r>
+              <a:rPr dirty="0"/>
               <a:t>- Not perfect; may produce false positives</a:t>
+            </a:r>
+          </a:p>
+        </p:txBody>
+      </p:sp>
+      <p:sp>
+        <p:nvSpPr>
+          <p:cNvPr id="4" name="Content Placeholder 2">
+            <a:extLst>
+              <a:ext uri="{FF2B5EF4-FFF2-40B4-BE49-F238E27FC236}">
+                <a16:creationId xmlns:a16="http://schemas.microsoft.com/office/drawing/2014/main" id="{8B67F3E3-E974-DE2F-7D42-6D1870D07A12}"/>
+              </a:ext>
+            </a:extLst>
+          </p:cNvPr>
+          <p:cNvSpPr txBox="1">
+            <a:spLocks/>
+          </p:cNvSpPr>
+          <p:nvPr/>
+        </p:nvSpPr>
+        <p:spPr>
+          <a:xfrm>
+            <a:off x="5873703" y="2822714"/>
+            <a:ext cx="3270297" cy="2213113"/>
+          </a:xfrm>
+          <a:prstGeom prst="rect">
+            <a:avLst/>
+          </a:prstGeom>
+        </p:spPr>
+        <p:txBody>
+          <a:bodyPr vert="horz" lIns="91440" tIns="45720" rIns="91440" bIns="45720" rtlCol="0">
+            <a:normAutofit fontScale="62500" lnSpcReduction="20000"/>
+          </a:bodyPr>
+          <a:lstStyle>
+            <a:lvl1pPr marL="342900" indent="-342900" algn="l" defTabSz="457200" rtl="0" eaLnBrk="1" latinLnBrk="0" hangingPunct="1">
+              <a:spcBef>
+                <a:spcPts val="1000"/>
+              </a:spcBef>
+              <a:spcAft>
+                <a:spcPts val="0"/>
+              </a:spcAft>
+              <a:buClr>
+                <a:schemeClr val="accent1"/>
+              </a:buClr>
+              <a:buSzPct val="80000"/>
+              <a:buFont typeface="Wingdings 3" charset="2"/>
+              <a:buChar char=""/>
+              <a:defRPr sz="1800" b="0" i="0" kern="1200">
+                <a:solidFill>
+                  <a:schemeClr val="tx1">
+                    <a:lumMod val="75000"/>
+                    <a:lumOff val="25000"/>
+                  </a:schemeClr>
+                </a:solidFill>
+                <a:latin typeface="+mn-lt"/>
+                <a:ea typeface="+mn-ea"/>
+                <a:cs typeface="+mn-cs"/>
+              </a:defRPr>
+            </a:lvl1pPr>
+            <a:lvl2pPr marL="685800" indent="-283464" algn="l" defTabSz="457200" rtl="0" eaLnBrk="1" latinLnBrk="0" hangingPunct="1">
+              <a:spcBef>
+                <a:spcPts val="1000"/>
+              </a:spcBef>
+              <a:spcAft>
+                <a:spcPts val="0"/>
+              </a:spcAft>
+              <a:buClr>
+                <a:schemeClr val="accent1"/>
+              </a:buClr>
+              <a:buSzPct val="80000"/>
+              <a:buFont typeface="Wingdings 3" charset="2"/>
+              <a:buChar char=""/>
+              <a:defRPr sz="1600" b="0" i="0" kern="1200">
+                <a:solidFill>
+                  <a:schemeClr val="tx1">
+                    <a:lumMod val="75000"/>
+                    <a:lumOff val="25000"/>
+                  </a:schemeClr>
+                </a:solidFill>
+                <a:latin typeface="+mn-lt"/>
+                <a:ea typeface="+mn-ea"/>
+                <a:cs typeface="+mn-cs"/>
+              </a:defRPr>
+            </a:lvl2pPr>
+            <a:lvl3pPr marL="960120" indent="-228600" algn="l" defTabSz="457200" rtl="0" eaLnBrk="1" latinLnBrk="0" hangingPunct="1">
+              <a:spcBef>
+                <a:spcPts val="1000"/>
+              </a:spcBef>
+              <a:spcAft>
+                <a:spcPts val="0"/>
+              </a:spcAft>
+              <a:buClr>
+                <a:schemeClr val="accent1"/>
+              </a:buClr>
+              <a:buSzPct val="80000"/>
+              <a:buFont typeface="Wingdings 3" charset="2"/>
+              <a:buChar char=""/>
+              <a:defRPr sz="1400" b="0" i="0" kern="1200">
+                <a:solidFill>
+                  <a:schemeClr val="tx1">
+                    <a:lumMod val="75000"/>
+                    <a:lumOff val="25000"/>
+                  </a:schemeClr>
+                </a:solidFill>
+                <a:latin typeface="+mn-lt"/>
+                <a:ea typeface="+mn-ea"/>
+                <a:cs typeface="+mn-cs"/>
+              </a:defRPr>
+            </a:lvl3pPr>
+            <a:lvl4pPr marL="1234440" indent="-228600" algn="l" defTabSz="457200" rtl="0" eaLnBrk="1" latinLnBrk="0" hangingPunct="1">
+              <a:spcBef>
+                <a:spcPts val="1000"/>
+              </a:spcBef>
+              <a:spcAft>
+                <a:spcPts val="0"/>
+              </a:spcAft>
+              <a:buClr>
+                <a:schemeClr val="accent1"/>
+              </a:buClr>
+              <a:buSzPct val="80000"/>
+              <a:buFont typeface="Wingdings 3" charset="2"/>
+              <a:buChar char=""/>
+              <a:defRPr sz="1200" b="0" i="0" kern="1200">
+                <a:solidFill>
+                  <a:schemeClr val="tx1">
+                    <a:lumMod val="75000"/>
+                    <a:lumOff val="25000"/>
+                  </a:schemeClr>
+                </a:solidFill>
+                <a:latin typeface="+mn-lt"/>
+                <a:ea typeface="+mn-ea"/>
+                <a:cs typeface="+mn-cs"/>
+              </a:defRPr>
+            </a:lvl4pPr>
+            <a:lvl5pPr marL="1508760" indent="-228600" algn="l" defTabSz="457200" rtl="0" eaLnBrk="1" latinLnBrk="0" hangingPunct="1">
+              <a:spcBef>
+                <a:spcPts val="1000"/>
+              </a:spcBef>
+              <a:spcAft>
+                <a:spcPts val="0"/>
+              </a:spcAft>
+              <a:buClr>
+                <a:schemeClr val="accent1"/>
+              </a:buClr>
+              <a:buSzPct val="80000"/>
+              <a:buFont typeface="Wingdings 3" charset="2"/>
+              <a:buChar char=""/>
+              <a:defRPr sz="1200" b="0" i="0" kern="1200">
+                <a:solidFill>
+                  <a:schemeClr val="tx1">
+                    <a:lumMod val="75000"/>
+                    <a:lumOff val="25000"/>
+                  </a:schemeClr>
+                </a:solidFill>
+                <a:latin typeface="+mn-lt"/>
+                <a:ea typeface="+mn-ea"/>
+                <a:cs typeface="+mn-cs"/>
+              </a:defRPr>
+            </a:lvl5pPr>
+            <a:lvl6pPr marL="1814600" indent="-228600" algn="l" defTabSz="457200" rtl="0" eaLnBrk="1" latinLnBrk="0" hangingPunct="1">
+              <a:spcBef>
+                <a:spcPts val="1000"/>
+              </a:spcBef>
+              <a:spcAft>
+                <a:spcPts val="0"/>
+              </a:spcAft>
+              <a:buClr>
+                <a:schemeClr val="accent1"/>
+              </a:buClr>
+              <a:buSzPct val="80000"/>
+              <a:buFont typeface="Wingdings 3" charset="2"/>
+              <a:buChar char=""/>
+              <a:defRPr sz="1200" b="0" i="0" kern="1200">
+                <a:solidFill>
+                  <a:schemeClr val="tx1">
+                    <a:lumMod val="75000"/>
+                    <a:lumOff val="25000"/>
+                  </a:schemeClr>
+                </a:solidFill>
+                <a:latin typeface="+mn-lt"/>
+                <a:ea typeface="+mn-ea"/>
+                <a:cs typeface="+mn-cs"/>
+              </a:defRPr>
+            </a:lvl6pPr>
+            <a:lvl7pPr marL="2071800" indent="-228600" algn="l" defTabSz="457200" rtl="0" eaLnBrk="1" latinLnBrk="0" hangingPunct="1">
+              <a:spcBef>
+                <a:spcPts val="1000"/>
+              </a:spcBef>
+              <a:spcAft>
+                <a:spcPts val="0"/>
+              </a:spcAft>
+              <a:buClr>
+                <a:schemeClr val="accent1"/>
+              </a:buClr>
+              <a:buSzPct val="80000"/>
+              <a:buFont typeface="Wingdings 3" charset="2"/>
+              <a:buChar char=""/>
+              <a:defRPr sz="1200" b="0" i="0" kern="1200">
+                <a:solidFill>
+                  <a:schemeClr val="tx1">
+                    <a:lumMod val="75000"/>
+                    <a:lumOff val="25000"/>
+                  </a:schemeClr>
+                </a:solidFill>
+                <a:latin typeface="+mn-lt"/>
+                <a:ea typeface="+mn-ea"/>
+                <a:cs typeface="+mn-cs"/>
+              </a:defRPr>
+            </a:lvl7pPr>
+            <a:lvl8pPr marL="2259000" indent="-228600" algn="l" defTabSz="457200" rtl="0" eaLnBrk="1" latinLnBrk="0" hangingPunct="1">
+              <a:spcBef>
+                <a:spcPts val="1000"/>
+              </a:spcBef>
+              <a:spcAft>
+                <a:spcPts val="0"/>
+              </a:spcAft>
+              <a:buClr>
+                <a:schemeClr val="accent1"/>
+              </a:buClr>
+              <a:buSzPct val="80000"/>
+              <a:buFont typeface="Wingdings 3" charset="2"/>
+              <a:buChar char=""/>
+              <a:defRPr sz="1200" b="0" i="0" kern="1200">
+                <a:solidFill>
+                  <a:schemeClr val="tx1">
+                    <a:lumMod val="75000"/>
+                    <a:lumOff val="25000"/>
+                  </a:schemeClr>
+                </a:solidFill>
+                <a:latin typeface="+mn-lt"/>
+                <a:ea typeface="+mn-ea"/>
+                <a:cs typeface="+mn-cs"/>
+              </a:defRPr>
+            </a:lvl8pPr>
+            <a:lvl9pPr marL="2486200" indent="-228600" algn="l" defTabSz="457200" rtl="0" eaLnBrk="1" latinLnBrk="0" hangingPunct="1">
+              <a:spcBef>
+                <a:spcPts val="1000"/>
+              </a:spcBef>
+              <a:spcAft>
+                <a:spcPts val="0"/>
+              </a:spcAft>
+              <a:buClr>
+                <a:schemeClr val="accent1"/>
+              </a:buClr>
+              <a:buSzPct val="80000"/>
+              <a:buFont typeface="Wingdings 3" charset="2"/>
+              <a:buChar char=""/>
+              <a:defRPr sz="1200" b="0" i="0" kern="1200">
+                <a:solidFill>
+                  <a:schemeClr val="tx1">
+                    <a:lumMod val="75000"/>
+                    <a:lumOff val="25000"/>
+                  </a:schemeClr>
+                </a:solidFill>
+                <a:latin typeface="+mn-lt"/>
+                <a:ea typeface="+mn-ea"/>
+                <a:cs typeface="+mn-cs"/>
+              </a:defRPr>
+            </a:lvl9pPr>
+          </a:lstStyle>
+          <a:p>
+            <a:endParaRPr lang="en-US" dirty="0"/>
+          </a:p>
+          <a:p>
+            <a:r>
+              <a:rPr lang="en-US" sz="2600" dirty="0"/>
+              <a:t>Identifies pronouns or alternate mentions referring to the same entity</a:t>
+            </a:r>
+          </a:p>
+          <a:p>
+            <a:r>
+              <a:rPr lang="en-US" sz="2600" dirty="0"/>
+              <a:t>Models: </a:t>
+            </a:r>
+            <a:r>
+              <a:rPr lang="en-US" sz="2600" dirty="0" err="1"/>
+              <a:t>AllenNLP</a:t>
+            </a:r>
+            <a:r>
+              <a:rPr lang="en-US" sz="2600" dirty="0"/>
+              <a:t>, </a:t>
+            </a:r>
+            <a:r>
+              <a:rPr lang="en-US" sz="2600" dirty="0" err="1"/>
+              <a:t>SpanBERT</a:t>
+            </a:r>
+            <a:r>
+              <a:rPr lang="en-US" sz="2600" dirty="0"/>
+              <a:t>, </a:t>
+            </a:r>
+            <a:r>
+              <a:rPr lang="en-US" sz="2600" dirty="0" err="1"/>
+              <a:t>neuralcoref</a:t>
+            </a:r>
+            <a:endParaRPr lang="en-US" sz="2600" dirty="0"/>
+          </a:p>
+          <a:p>
+            <a:r>
+              <a:rPr lang="en-US" sz="2600" dirty="0"/>
+              <a:t>Useful for grouping references like 'President Biden' and 'he'</a:t>
             </a:r>
           </a:p>
         </p:txBody>
@@ -15400,19 +15717,19 @@
         <p:spPr/>
         <p:txBody>
           <a:bodyPr>
-            <a:normAutofit fontScale="92500" lnSpcReduction="20000"/>
+            <a:normAutofit fontScale="92500" lnSpcReduction="10000"/>
           </a:bodyPr>
           <a:lstStyle/>
           <a:p>
             <a:r>
               <a:rPr dirty="0"/>
-              <a:t>• Use LLMs (e.g., GPT-4) with prompts to classify news into predefined categories.</a:t>
+              <a:t>Use LLMs (e.g., GPT-4) with prompts to classify news into predefined categories.</a:t>
             </a:r>
           </a:p>
           <a:p>
             <a:r>
               <a:rPr dirty="0"/>
-              <a:t>• Example: Provide title + body and ask for classification.</a:t>
+              <a:t>Example: Provide title + body and ask for classification.</a:t>
             </a:r>
           </a:p>
           <a:p>
@@ -15453,6 +15770,54 @@
               <a:rPr dirty="0"/>
               <a:t>- May need post-processing for consistency</a:t>
             </a:r>
+          </a:p>
+        </p:txBody>
+      </p:sp>
+      <p:sp>
+        <p:nvSpPr>
+          <p:cNvPr id="7" name="TextBox 6">
+            <a:extLst>
+              <a:ext uri="{FF2B5EF4-FFF2-40B4-BE49-F238E27FC236}">
+                <a16:creationId xmlns:a16="http://schemas.microsoft.com/office/drawing/2014/main" id="{3F2142F5-B877-ED86-7D01-0B6D875912C5}"/>
+              </a:ext>
+            </a:extLst>
+          </p:cNvPr>
+          <p:cNvSpPr txBox="1"/>
+          <p:nvPr/>
+        </p:nvSpPr>
+        <p:spPr>
+          <a:xfrm>
+            <a:off x="887896" y="6039678"/>
+            <a:ext cx="7620000" cy="369332"/>
+          </a:xfrm>
+          <a:prstGeom prst="rect">
+            <a:avLst/>
+          </a:prstGeom>
+          <a:noFill/>
+        </p:spPr>
+        <p:txBody>
+          <a:bodyPr wrap="square" rtlCol="0">
+            <a:spAutoFit/>
+          </a:bodyPr>
+          <a:lstStyle/>
+          <a:p>
+            <a:r>
+              <a:rPr lang="en-US" sz="1000" dirty="0"/>
+              <a:t>You can use OpenAI's gpt-4-turbo, or for open-source, a model like mistral or llama2 using </a:t>
+            </a:r>
+            <a:r>
+              <a:rPr lang="en-US" sz="1000" dirty="0" err="1"/>
+              <a:t>HuggingFace's</a:t>
+            </a:r>
+            <a:r>
+              <a:rPr lang="en-US" sz="1000" dirty="0"/>
+              <a:t> transformers</a:t>
+            </a:r>
+            <a:r>
+              <a:rPr lang="en-US" dirty="0"/>
+              <a:t>.</a:t>
+            </a:r>
+            <a:endParaRPr lang="en-SG" dirty="0"/>
           </a:p>
         </p:txBody>
       </p:sp>
@@ -15531,44 +15896,52 @@
           <a:lstStyle/>
           <a:p>
             <a:r>
-              <a:t>• Cluster news articles into topics using embeddings + HDBSCAN.</a:t>
-            </a:r>
-          </a:p>
-          <a:p>
-            <a:r>
-              <a:t>• Manually assign clusters to adverse news categories.</a:t>
-            </a:r>
-          </a:p>
-          <a:p>
-            <a:endParaRPr/>
-          </a:p>
-          <a:p>
-            <a:r>
+              <a:rPr dirty="0"/>
+              <a:t>Cluster news articles into topics using embeddings + HDBSCAN.</a:t>
+            </a:r>
+          </a:p>
+          <a:p>
+            <a:r>
+              <a:rPr dirty="0"/>
+              <a:t>Manually assign clusters to adverse news categories.</a:t>
+            </a:r>
+          </a:p>
+          <a:p>
+            <a:endParaRPr dirty="0"/>
+          </a:p>
+          <a:p>
+            <a:r>
+              <a:rPr dirty="0"/>
               <a:t>✅ Pros:</a:t>
             </a:r>
           </a:p>
           <a:p>
             <a:r>
+              <a:rPr dirty="0"/>
               <a:t>- No need for labels</a:t>
             </a:r>
           </a:p>
           <a:p>
             <a:r>
+              <a:rPr dirty="0"/>
               <a:t>- Helps uncover hidden topics</a:t>
             </a:r>
           </a:p>
           <a:p>
             <a:r>
+              <a:rPr dirty="0"/>
               <a:t>⚠️ Cons:</a:t>
             </a:r>
           </a:p>
           <a:p>
             <a:r>
+              <a:rPr dirty="0"/>
               <a:t>- Topics may not align cleanly with categories</a:t>
             </a:r>
           </a:p>
           <a:p>
             <a:r>
+              <a:rPr dirty="0"/>
               <a:t>- Needs manual interpretation</a:t>
             </a:r>
           </a:p>
@@ -15636,49 +16009,57 @@
         <p:spPr/>
         <p:txBody>
           <a:bodyPr>
-            <a:normAutofit fontScale="92500" lnSpcReduction="10000"/>
+            <a:normAutofit fontScale="92500"/>
           </a:bodyPr>
           <a:lstStyle/>
           <a:p>
             <a:r>
-              <a:t>• Define keyword rules to assign labels to small dataset.</a:t>
-            </a:r>
-          </a:p>
-          <a:p>
-            <a:r>
-              <a:t>• Train traditional ML/Transformer model on weak labels.</a:t>
-            </a:r>
-          </a:p>
-          <a:p>
-            <a:endParaRPr/>
-          </a:p>
-          <a:p>
-            <a:r>
+              <a:rPr dirty="0"/>
+              <a:t>Define keyword rules to assign labels to small dataset.</a:t>
+            </a:r>
+          </a:p>
+          <a:p>
+            <a:r>
+              <a:rPr dirty="0"/>
+              <a:t>Train traditional ML/Transformer model on weak labels.</a:t>
+            </a:r>
+          </a:p>
+          <a:p>
+            <a:endParaRPr dirty="0"/>
+          </a:p>
+          <a:p>
+            <a:r>
+              <a:rPr dirty="0"/>
               <a:t>✅ Pros:</a:t>
             </a:r>
           </a:p>
           <a:p>
             <a:r>
+              <a:rPr dirty="0"/>
               <a:t>- Jump-starts supervised model</a:t>
             </a:r>
           </a:p>
           <a:p>
             <a:r>
+              <a:rPr dirty="0"/>
               <a:t>- Uses domain knowledge</a:t>
             </a:r>
           </a:p>
           <a:p>
             <a:r>
+              <a:rPr dirty="0"/>
               <a:t>⚠️ Cons:</a:t>
             </a:r>
           </a:p>
           <a:p>
             <a:r>
+              <a:rPr dirty="0"/>
               <a:t>- Rules may miss nuances</a:t>
             </a:r>
           </a:p>
           <a:p>
             <a:r>
+              <a:rPr dirty="0"/>
               <a:t>- Initial labeling may be noisy</a:t>
             </a:r>
           </a:p>

--- a/DBS_Assessment_Final.pptx
+++ b/DBS_Assessment_Final.pptx
@@ -13760,7 +13760,7 @@
         <p:spPr/>
         <p:txBody>
           <a:bodyPr>
-            <a:normAutofit lnSpcReduction="10000"/>
+            <a:normAutofit fontScale="92500" lnSpcReduction="10000"/>
           </a:bodyPr>
           <a:lstStyle/>
           <a:p>
@@ -13772,8 +13772,25 @@
           <a:p>
             <a:r>
               <a:rPr dirty="0"/>
-              <a:t>Cluster similar articles and manually assign labels.</a:t>
-            </a:r>
+              <a:t>Cluster similar articles and manually assign labels</a:t>
+            </a:r>
+            <a:r>
+              <a:rPr lang="en-SG" dirty="0"/>
+              <a:t> by </a:t>
+            </a:r>
+            <a:r>
+              <a:rPr lang="en-US" dirty="0"/>
+              <a:t>using </a:t>
+            </a:r>
+            <a:r>
+              <a:rPr lang="en-US" dirty="0" err="1"/>
+              <a:t>KMeans</a:t>
+            </a:r>
+            <a:r>
+              <a:rPr lang="en-US" dirty="0"/>
+              <a:t> or HDBSCAN.</a:t>
+            </a:r>
+            <a:endParaRPr dirty="0"/>
           </a:p>
           <a:p>
             <a:endParaRPr dirty="0"/>
@@ -15993,6 +16010,11 @@
               <a:rPr dirty="0"/>
               <a:t>Approach 3: Rule-Based Weak Supervision</a:t>
             </a:r>
+            <a:r>
+              <a:rPr lang="en-SG" dirty="0"/>
+              <a:t> + ML</a:t>
+            </a:r>
+            <a:endParaRPr dirty="0"/>
           </a:p>
         </p:txBody>
       </p:sp>
@@ -16009,7 +16031,7 @@
         <p:spPr/>
         <p:txBody>
           <a:bodyPr>
-            <a:normAutofit fontScale="92500"/>
+            <a:normAutofit fontScale="85000" lnSpcReduction="20000"/>
           </a:bodyPr>
           <a:lstStyle/>
           <a:p>
@@ -16017,12 +16039,35 @@
               <a:rPr dirty="0"/>
               <a:t>Define keyword rules to assign labels to small dataset.</a:t>
             </a:r>
+            <a:endParaRPr lang="en-SG" dirty="0"/>
+          </a:p>
+          <a:p>
+            <a:pPr marL="0" indent="0">
+              <a:buNone/>
+            </a:pPr>
+            <a:r>
+              <a:rPr lang="en-SG" dirty="0"/>
+              <a:t>      </a:t>
+            </a:r>
+            <a:r>
+              <a:rPr lang="en-US" dirty="0"/>
+              <a:t>"bribe", "kickback", "offshore" → Bribery &amp; Corruption</a:t>
+            </a:r>
+            <a:endParaRPr dirty="0"/>
           </a:p>
           <a:p>
             <a:r>
               <a:rPr dirty="0"/>
               <a:t>Train traditional ML/Transformer model on weak labels.</a:t>
             </a:r>
+            <a:endParaRPr lang="en-SG" dirty="0"/>
+          </a:p>
+          <a:p>
+            <a:r>
+              <a:rPr lang="en-US" dirty="0"/>
+              <a:t>Uses keyword-based rules to assign weak labels to articles</a:t>
+            </a:r>
+            <a:endParaRPr dirty="0"/>
           </a:p>
           <a:p>
             <a:endParaRPr dirty="0"/>

--- a/DBS_Assessment_Final.pptx
+++ b/DBS_Assessment_Final.pptx
@@ -15,8 +15,12 @@
     <p:sldId id="259" r:id="rId9"/>
     <p:sldId id="260" r:id="rId10"/>
     <p:sldId id="261" r:id="rId11"/>
-    <p:sldId id="262" r:id="rId12"/>
-    <p:sldId id="263" r:id="rId13"/>
+    <p:sldId id="269" r:id="rId12"/>
+    <p:sldId id="262" r:id="rId13"/>
+    <p:sldId id="263" r:id="rId14"/>
+    <p:sldId id="270" r:id="rId15"/>
+    <p:sldId id="272" r:id="rId16"/>
+    <p:sldId id="271" r:id="rId17"/>
   </p:sldIdLst>
   <p:sldSz cx="9144000" cy="6858000" type="screen4x3"/>
   <p:notesSz cx="6858000" cy="9144000"/>
@@ -134,8 +138,12 @@
             <p14:sldId id="259"/>
             <p14:sldId id="260"/>
             <p14:sldId id="261"/>
+            <p14:sldId id="269"/>
             <p14:sldId id="262"/>
             <p14:sldId id="263"/>
+            <p14:sldId id="270"/>
+            <p14:sldId id="272"/>
+            <p14:sldId id="271"/>
           </p14:sldIdLst>
         </p14:section>
       </p14:sectionLst>
@@ -156,6 +164,2537 @@
     </p:ext>
   </p:extLst>
 </p:presentation>
+</file>
+
+<file path=ppt/diagrams/colors1.xml><?xml version="1.0" encoding="utf-8"?>
+<dgm:colorsDef xmlns:dgm="http://schemas.openxmlformats.org/drawingml/2006/diagram" xmlns:a="http://schemas.openxmlformats.org/drawingml/2006/main" uniqueId="urn:microsoft.com/office/officeart/2005/8/colors/colorful2">
+  <dgm:title val=""/>
+  <dgm:desc val=""/>
+  <dgm:catLst>
+    <dgm:cat type="colorful" pri="10200"/>
+  </dgm:catLst>
+  <dgm:styleLbl name="node0">
+    <dgm:fillClrLst meth="repeat">
+      <a:schemeClr val="accent1"/>
+    </dgm:fillClrLst>
+    <dgm:linClrLst meth="repeat">
+      <a:schemeClr val="lt1"/>
+    </dgm:linClrLst>
+    <dgm:effectClrLst/>
+    <dgm:txLinClrLst/>
+    <dgm:txFillClrLst/>
+    <dgm:txEffectClrLst/>
+  </dgm:styleLbl>
+  <dgm:styleLbl name="node1">
+    <dgm:fillClrLst>
+      <a:schemeClr val="accent2"/>
+      <a:schemeClr val="accent3"/>
+    </dgm:fillClrLst>
+    <dgm:linClrLst meth="repeat">
+      <a:schemeClr val="lt1"/>
+    </dgm:linClrLst>
+    <dgm:effectClrLst/>
+    <dgm:txLinClrLst/>
+    <dgm:txFillClrLst/>
+    <dgm:txEffectClrLst/>
+  </dgm:styleLbl>
+  <dgm:styleLbl name="alignNode1">
+    <dgm:fillClrLst>
+      <a:schemeClr val="accent2"/>
+      <a:schemeClr val="accent3"/>
+    </dgm:fillClrLst>
+    <dgm:linClrLst>
+      <a:schemeClr val="accent2"/>
+      <a:schemeClr val="accent3"/>
+    </dgm:linClrLst>
+    <dgm:effectClrLst/>
+    <dgm:txLinClrLst/>
+    <dgm:txFillClrLst/>
+    <dgm:txEffectClrLst/>
+  </dgm:styleLbl>
+  <dgm:styleLbl name="lnNode1">
+    <dgm:fillClrLst>
+      <a:schemeClr val="accent2"/>
+      <a:schemeClr val="accent3"/>
+    </dgm:fillClrLst>
+    <dgm:linClrLst meth="repeat">
+      <a:schemeClr val="lt1"/>
+    </dgm:linClrLst>
+    <dgm:effectClrLst/>
+    <dgm:txLinClrLst/>
+    <dgm:txFillClrLst/>
+    <dgm:txEffectClrLst/>
+  </dgm:styleLbl>
+  <dgm:styleLbl name="vennNode1">
+    <dgm:fillClrLst>
+      <a:schemeClr val="accent2">
+        <a:alpha val="50000"/>
+      </a:schemeClr>
+      <a:schemeClr val="accent3">
+        <a:alpha val="50000"/>
+      </a:schemeClr>
+    </dgm:fillClrLst>
+    <dgm:linClrLst meth="repeat">
+      <a:schemeClr val="lt1"/>
+    </dgm:linClrLst>
+    <dgm:effectClrLst/>
+    <dgm:txLinClrLst/>
+    <dgm:txFillClrLst/>
+    <dgm:txEffectClrLst/>
+  </dgm:styleLbl>
+  <dgm:styleLbl name="node2">
+    <dgm:fillClrLst>
+      <a:schemeClr val="accent3"/>
+    </dgm:fillClrLst>
+    <dgm:linClrLst meth="repeat">
+      <a:schemeClr val="lt1"/>
+    </dgm:linClrLst>
+    <dgm:effectClrLst/>
+    <dgm:txLinClrLst/>
+    <dgm:txFillClrLst/>
+    <dgm:txEffectClrLst/>
+  </dgm:styleLbl>
+  <dgm:styleLbl name="node3">
+    <dgm:fillClrLst>
+      <a:schemeClr val="accent4"/>
+    </dgm:fillClrLst>
+    <dgm:linClrLst meth="repeat">
+      <a:schemeClr val="lt1"/>
+    </dgm:linClrLst>
+    <dgm:effectClrLst/>
+    <dgm:txLinClrLst/>
+    <dgm:txFillClrLst/>
+    <dgm:txEffectClrLst/>
+  </dgm:styleLbl>
+  <dgm:styleLbl name="node4">
+    <dgm:fillClrLst>
+      <a:schemeClr val="accent5"/>
+    </dgm:fillClrLst>
+    <dgm:linClrLst meth="repeat">
+      <a:schemeClr val="lt1"/>
+    </dgm:linClrLst>
+    <dgm:effectClrLst/>
+    <dgm:txLinClrLst/>
+    <dgm:txFillClrLst/>
+    <dgm:txEffectClrLst/>
+  </dgm:styleLbl>
+  <dgm:styleLbl name="fgImgPlace1">
+    <dgm:fillClrLst>
+      <a:schemeClr val="accent2">
+        <a:tint val="50000"/>
+      </a:schemeClr>
+      <a:schemeClr val="accent3">
+        <a:tint val="50000"/>
+      </a:schemeClr>
+    </dgm:fillClrLst>
+    <dgm:linClrLst meth="repeat">
+      <a:schemeClr val="lt1"/>
+    </dgm:linClrLst>
+    <dgm:effectClrLst/>
+    <dgm:txLinClrLst/>
+    <dgm:txFillClrLst meth="repeat">
+      <a:schemeClr val="lt1"/>
+    </dgm:txFillClrLst>
+    <dgm:txEffectClrLst/>
+  </dgm:styleLbl>
+  <dgm:styleLbl name="alignImgPlace1">
+    <dgm:fillClrLst>
+      <a:schemeClr val="accent2">
+        <a:tint val="50000"/>
+      </a:schemeClr>
+      <a:schemeClr val="accent3">
+        <a:tint val="20000"/>
+      </a:schemeClr>
+    </dgm:fillClrLst>
+    <dgm:linClrLst meth="repeat">
+      <a:schemeClr val="lt1"/>
+    </dgm:linClrLst>
+    <dgm:effectClrLst/>
+    <dgm:txLinClrLst/>
+    <dgm:txFillClrLst meth="repeat">
+      <a:schemeClr val="lt1"/>
+    </dgm:txFillClrLst>
+    <dgm:txEffectClrLst/>
+  </dgm:styleLbl>
+  <dgm:styleLbl name="bgImgPlace1">
+    <dgm:fillClrLst>
+      <a:schemeClr val="accent2">
+        <a:tint val="50000"/>
+      </a:schemeClr>
+      <a:schemeClr val="accent3">
+        <a:tint val="20000"/>
+      </a:schemeClr>
+    </dgm:fillClrLst>
+    <dgm:linClrLst meth="repeat">
+      <a:schemeClr val="lt1"/>
+    </dgm:linClrLst>
+    <dgm:effectClrLst/>
+    <dgm:txLinClrLst/>
+    <dgm:txFillClrLst meth="repeat">
+      <a:schemeClr val="lt1"/>
+    </dgm:txFillClrLst>
+    <dgm:txEffectClrLst/>
+  </dgm:styleLbl>
+  <dgm:styleLbl name="sibTrans2D1">
+    <dgm:fillClrLst>
+      <a:schemeClr val="accent2"/>
+      <a:schemeClr val="accent3"/>
+    </dgm:fillClrLst>
+    <dgm:linClrLst meth="repeat">
+      <a:schemeClr val="lt1"/>
+    </dgm:linClrLst>
+    <dgm:effectClrLst/>
+    <dgm:txLinClrLst/>
+    <dgm:txFillClrLst/>
+    <dgm:txEffectClrLst/>
+  </dgm:styleLbl>
+  <dgm:styleLbl name="fgSibTrans2D1">
+    <dgm:fillClrLst>
+      <a:schemeClr val="accent2"/>
+      <a:schemeClr val="accent3"/>
+    </dgm:fillClrLst>
+    <dgm:linClrLst meth="repeat">
+      <a:schemeClr val="lt1"/>
+    </dgm:linClrLst>
+    <dgm:effectClrLst/>
+    <dgm:txLinClrLst/>
+    <dgm:txFillClrLst meth="repeat">
+      <a:schemeClr val="lt1"/>
+    </dgm:txFillClrLst>
+    <dgm:txEffectClrLst/>
+  </dgm:styleLbl>
+  <dgm:styleLbl name="bgSibTrans2D1">
+    <dgm:fillClrLst>
+      <a:schemeClr val="accent2"/>
+      <a:schemeClr val="accent3"/>
+    </dgm:fillClrLst>
+    <dgm:linClrLst meth="repeat">
+      <a:schemeClr val="lt1"/>
+    </dgm:linClrLst>
+    <dgm:effectClrLst/>
+    <dgm:txLinClrLst/>
+    <dgm:txFillClrLst meth="repeat">
+      <a:schemeClr val="lt1"/>
+    </dgm:txFillClrLst>
+    <dgm:txEffectClrLst/>
+  </dgm:styleLbl>
+  <dgm:styleLbl name="sibTrans1D1">
+    <dgm:fillClrLst/>
+    <dgm:linClrLst>
+      <a:schemeClr val="accent2"/>
+      <a:schemeClr val="accent3"/>
+    </dgm:linClrLst>
+    <dgm:effectClrLst/>
+    <dgm:txLinClrLst/>
+    <dgm:txFillClrLst meth="repeat">
+      <a:schemeClr val="tx1"/>
+    </dgm:txFillClrLst>
+    <dgm:txEffectClrLst/>
+  </dgm:styleLbl>
+  <dgm:styleLbl name="callout">
+    <dgm:fillClrLst meth="repeat">
+      <a:schemeClr val="accent2"/>
+    </dgm:fillClrLst>
+    <dgm:linClrLst meth="repeat">
+      <a:schemeClr val="accent2">
+        <a:tint val="50000"/>
+      </a:schemeClr>
+    </dgm:linClrLst>
+    <dgm:effectClrLst/>
+    <dgm:txLinClrLst/>
+    <dgm:txFillClrLst meth="repeat">
+      <a:schemeClr val="tx1"/>
+    </dgm:txFillClrLst>
+    <dgm:txEffectClrLst/>
+  </dgm:styleLbl>
+  <dgm:styleLbl name="asst0">
+    <dgm:fillClrLst meth="repeat">
+      <a:schemeClr val="accent2"/>
+    </dgm:fillClrLst>
+    <dgm:linClrLst meth="repeat">
+      <a:schemeClr val="lt1">
+        <a:shade val="80000"/>
+      </a:schemeClr>
+    </dgm:linClrLst>
+    <dgm:effectClrLst/>
+    <dgm:txLinClrLst/>
+    <dgm:txFillClrLst/>
+    <dgm:txEffectClrLst/>
+  </dgm:styleLbl>
+  <dgm:styleLbl name="asst1">
+    <dgm:fillClrLst meth="repeat">
+      <a:schemeClr val="accent3"/>
+    </dgm:fillClrLst>
+    <dgm:linClrLst meth="repeat">
+      <a:schemeClr val="lt1">
+        <a:shade val="80000"/>
+      </a:schemeClr>
+    </dgm:linClrLst>
+    <dgm:effectClrLst/>
+    <dgm:txLinClrLst/>
+    <dgm:txFillClrLst/>
+    <dgm:txEffectClrLst/>
+  </dgm:styleLbl>
+  <dgm:styleLbl name="asst2">
+    <dgm:fillClrLst>
+      <a:schemeClr val="accent4"/>
+    </dgm:fillClrLst>
+    <dgm:linClrLst meth="repeat">
+      <a:schemeClr val="lt1"/>
+    </dgm:linClrLst>
+    <dgm:effectClrLst/>
+    <dgm:txLinClrLst/>
+    <dgm:txFillClrLst/>
+    <dgm:txEffectClrLst/>
+  </dgm:styleLbl>
+  <dgm:styleLbl name="asst3">
+    <dgm:fillClrLst>
+      <a:schemeClr val="accent5"/>
+    </dgm:fillClrLst>
+    <dgm:linClrLst meth="repeat">
+      <a:schemeClr val="lt1"/>
+    </dgm:linClrLst>
+    <dgm:effectClrLst/>
+    <dgm:txLinClrLst/>
+    <dgm:txFillClrLst/>
+    <dgm:txEffectClrLst/>
+  </dgm:styleLbl>
+  <dgm:styleLbl name="asst4">
+    <dgm:fillClrLst>
+      <a:schemeClr val="accent6"/>
+    </dgm:fillClrLst>
+    <dgm:linClrLst meth="repeat">
+      <a:schemeClr val="lt1"/>
+    </dgm:linClrLst>
+    <dgm:effectClrLst/>
+    <dgm:txLinClrLst/>
+    <dgm:txFillClrLst/>
+    <dgm:txEffectClrLst/>
+  </dgm:styleLbl>
+  <dgm:styleLbl name="parChTrans2D1">
+    <dgm:fillClrLst meth="repeat">
+      <a:schemeClr val="accent2"/>
+    </dgm:fillClrLst>
+    <dgm:linClrLst meth="repeat">
+      <a:schemeClr val="lt1"/>
+    </dgm:linClrLst>
+    <dgm:effectClrLst/>
+    <dgm:txLinClrLst/>
+    <dgm:txFillClrLst meth="repeat">
+      <a:schemeClr val="lt1"/>
+    </dgm:txFillClrLst>
+    <dgm:txEffectClrLst/>
+  </dgm:styleLbl>
+  <dgm:styleLbl name="parChTrans2D2">
+    <dgm:fillClrLst meth="repeat">
+      <a:schemeClr val="accent3"/>
+    </dgm:fillClrLst>
+    <dgm:linClrLst meth="repeat">
+      <a:schemeClr val="lt1"/>
+    </dgm:linClrLst>
+    <dgm:effectClrLst/>
+    <dgm:txLinClrLst/>
+    <dgm:txFillClrLst/>
+    <dgm:txEffectClrLst/>
+  </dgm:styleLbl>
+  <dgm:styleLbl name="parChTrans2D3">
+    <dgm:fillClrLst meth="repeat">
+      <a:schemeClr val="accent4"/>
+    </dgm:fillClrLst>
+    <dgm:linClrLst meth="repeat">
+      <a:schemeClr val="lt1"/>
+    </dgm:linClrLst>
+    <dgm:effectClrLst/>
+    <dgm:txLinClrLst/>
+    <dgm:txFillClrLst/>
+    <dgm:txEffectClrLst/>
+  </dgm:styleLbl>
+  <dgm:styleLbl name="parChTrans2D4">
+    <dgm:fillClrLst meth="repeat">
+      <a:schemeClr val="accent5"/>
+    </dgm:fillClrLst>
+    <dgm:linClrLst meth="repeat">
+      <a:schemeClr val="lt1"/>
+    </dgm:linClrLst>
+    <dgm:effectClrLst/>
+    <dgm:txLinClrLst/>
+    <dgm:txFillClrLst meth="repeat">
+      <a:schemeClr val="lt1"/>
+    </dgm:txFillClrLst>
+    <dgm:txEffectClrLst/>
+  </dgm:styleLbl>
+  <dgm:styleLbl name="parChTrans1D1">
+    <dgm:fillClrLst meth="repeat">
+      <a:schemeClr val="accent2"/>
+    </dgm:fillClrLst>
+    <dgm:linClrLst meth="repeat">
+      <a:schemeClr val="accent2"/>
+    </dgm:linClrLst>
+    <dgm:effectClrLst/>
+    <dgm:txLinClrLst/>
+    <dgm:txFillClrLst meth="repeat">
+      <a:schemeClr val="tx1"/>
+    </dgm:txFillClrLst>
+    <dgm:txEffectClrLst/>
+  </dgm:styleLbl>
+  <dgm:styleLbl name="parChTrans1D2">
+    <dgm:fillClrLst meth="repeat">
+      <a:schemeClr val="accent2">
+        <a:tint val="90000"/>
+      </a:schemeClr>
+    </dgm:fillClrLst>
+    <dgm:linClrLst meth="repeat">
+      <a:schemeClr val="accent3"/>
+    </dgm:linClrLst>
+    <dgm:effectClrLst/>
+    <dgm:txLinClrLst/>
+    <dgm:txFillClrLst meth="repeat">
+      <a:schemeClr val="tx1"/>
+    </dgm:txFillClrLst>
+    <dgm:txEffectClrLst/>
+  </dgm:styleLbl>
+  <dgm:styleLbl name="parChTrans1D3">
+    <dgm:fillClrLst meth="repeat">
+      <a:schemeClr val="accent2">
+        <a:tint val="70000"/>
+      </a:schemeClr>
+    </dgm:fillClrLst>
+    <dgm:linClrLst meth="repeat">
+      <a:schemeClr val="accent4"/>
+    </dgm:linClrLst>
+    <dgm:effectClrLst/>
+    <dgm:txLinClrLst/>
+    <dgm:txFillClrLst meth="repeat">
+      <a:schemeClr val="tx1"/>
+    </dgm:txFillClrLst>
+    <dgm:txEffectClrLst/>
+  </dgm:styleLbl>
+  <dgm:styleLbl name="parChTrans1D4">
+    <dgm:fillClrLst meth="repeat">
+      <a:schemeClr val="accent2">
+        <a:tint val="50000"/>
+      </a:schemeClr>
+    </dgm:fillClrLst>
+    <dgm:linClrLst meth="repeat">
+      <a:schemeClr val="accent5"/>
+    </dgm:linClrLst>
+    <dgm:effectClrLst/>
+    <dgm:txLinClrLst/>
+    <dgm:txFillClrLst meth="repeat">
+      <a:schemeClr val="tx1"/>
+    </dgm:txFillClrLst>
+    <dgm:txEffectClrLst/>
+  </dgm:styleLbl>
+  <dgm:styleLbl name="fgAcc1">
+    <dgm:fillClrLst meth="repeat">
+      <a:schemeClr val="lt1">
+        <a:alpha val="90000"/>
+      </a:schemeClr>
+    </dgm:fillClrLst>
+    <dgm:linClrLst>
+      <a:schemeClr val="accent2"/>
+      <a:schemeClr val="accent3"/>
+    </dgm:linClrLst>
+    <dgm:effectClrLst/>
+    <dgm:txLinClrLst/>
+    <dgm:txFillClrLst meth="repeat">
+      <a:schemeClr val="dk1"/>
+    </dgm:txFillClrLst>
+    <dgm:txEffectClrLst/>
+  </dgm:styleLbl>
+  <dgm:styleLbl name="conFgAcc1">
+    <dgm:fillClrLst meth="repeat">
+      <a:schemeClr val="lt1">
+        <a:alpha val="90000"/>
+      </a:schemeClr>
+    </dgm:fillClrLst>
+    <dgm:linClrLst>
+      <a:schemeClr val="accent2"/>
+      <a:schemeClr val="accent3"/>
+    </dgm:linClrLst>
+    <dgm:effectClrLst/>
+    <dgm:txLinClrLst/>
+    <dgm:txFillClrLst meth="repeat">
+      <a:schemeClr val="dk1"/>
+    </dgm:txFillClrLst>
+    <dgm:txEffectClrLst/>
+  </dgm:styleLbl>
+  <dgm:styleLbl name="alignAcc1">
+    <dgm:fillClrLst meth="repeat">
+      <a:schemeClr val="lt1">
+        <a:alpha val="90000"/>
+      </a:schemeClr>
+    </dgm:fillClrLst>
+    <dgm:linClrLst>
+      <a:schemeClr val="accent2"/>
+      <a:schemeClr val="accent3"/>
+    </dgm:linClrLst>
+    <dgm:effectClrLst/>
+    <dgm:txLinClrLst/>
+    <dgm:txFillClrLst meth="repeat">
+      <a:schemeClr val="dk1"/>
+    </dgm:txFillClrLst>
+    <dgm:txEffectClrLst/>
+  </dgm:styleLbl>
+  <dgm:styleLbl name="trAlignAcc1">
+    <dgm:fillClrLst meth="repeat">
+      <a:schemeClr val="lt1">
+        <a:alpha val="40000"/>
+      </a:schemeClr>
+    </dgm:fillClrLst>
+    <dgm:linClrLst meth="repeat">
+      <a:schemeClr val="accent2"/>
+    </dgm:linClrLst>
+    <dgm:effectClrLst/>
+    <dgm:txLinClrLst/>
+    <dgm:txFillClrLst meth="repeat">
+      <a:schemeClr val="dk1"/>
+    </dgm:txFillClrLst>
+    <dgm:txEffectClrLst/>
+  </dgm:styleLbl>
+  <dgm:styleLbl name="bgAcc1">
+    <dgm:fillClrLst meth="repeat">
+      <a:schemeClr val="lt1">
+        <a:alpha val="90000"/>
+      </a:schemeClr>
+    </dgm:fillClrLst>
+    <dgm:linClrLst>
+      <a:schemeClr val="accent2"/>
+      <a:schemeClr val="accent3"/>
+    </dgm:linClrLst>
+    <dgm:effectClrLst/>
+    <dgm:txLinClrLst/>
+    <dgm:txFillClrLst meth="repeat">
+      <a:schemeClr val="dk1"/>
+    </dgm:txFillClrLst>
+    <dgm:txEffectClrLst/>
+  </dgm:styleLbl>
+  <dgm:styleLbl name="solidFgAcc1">
+    <dgm:fillClrLst meth="repeat">
+      <a:schemeClr val="lt1"/>
+    </dgm:fillClrLst>
+    <dgm:linClrLst>
+      <a:schemeClr val="accent2"/>
+      <a:schemeClr val="accent3"/>
+    </dgm:linClrLst>
+    <dgm:effectClrLst/>
+    <dgm:txLinClrLst/>
+    <dgm:txFillClrLst meth="repeat">
+      <a:schemeClr val="dk1"/>
+    </dgm:txFillClrLst>
+    <dgm:txEffectClrLst/>
+  </dgm:styleLbl>
+  <dgm:styleLbl name="solidAlignAcc1">
+    <dgm:fillClrLst meth="repeat">
+      <a:schemeClr val="lt1"/>
+    </dgm:fillClrLst>
+    <dgm:linClrLst>
+      <a:schemeClr val="accent2"/>
+      <a:schemeClr val="accent3"/>
+    </dgm:linClrLst>
+    <dgm:effectClrLst/>
+    <dgm:txLinClrLst/>
+    <dgm:txFillClrLst meth="repeat">
+      <a:schemeClr val="dk1"/>
+    </dgm:txFillClrLst>
+    <dgm:txEffectClrLst/>
+  </dgm:styleLbl>
+  <dgm:styleLbl name="solidBgAcc1">
+    <dgm:fillClrLst meth="repeat">
+      <a:schemeClr val="lt1"/>
+    </dgm:fillClrLst>
+    <dgm:linClrLst>
+      <a:schemeClr val="accent2"/>
+      <a:schemeClr val="accent3"/>
+    </dgm:linClrLst>
+    <dgm:effectClrLst/>
+    <dgm:txLinClrLst/>
+    <dgm:txFillClrLst meth="repeat">
+      <a:schemeClr val="dk1"/>
+    </dgm:txFillClrLst>
+    <dgm:txEffectClrLst/>
+  </dgm:styleLbl>
+  <dgm:styleLbl name="fgAccFollowNode1">
+    <dgm:fillClrLst>
+      <a:schemeClr val="accent2">
+        <a:tint val="40000"/>
+        <a:alpha val="90000"/>
+      </a:schemeClr>
+      <a:schemeClr val="accent3">
+        <a:tint val="40000"/>
+        <a:alpha val="90000"/>
+      </a:schemeClr>
+    </dgm:fillClrLst>
+    <dgm:linClrLst>
+      <a:schemeClr val="accent2">
+        <a:tint val="40000"/>
+        <a:alpha val="90000"/>
+      </a:schemeClr>
+      <a:schemeClr val="accent3">
+        <a:tint val="40000"/>
+        <a:alpha val="90000"/>
+      </a:schemeClr>
+    </dgm:linClrLst>
+    <dgm:effectClrLst/>
+    <dgm:txLinClrLst/>
+    <dgm:txFillClrLst meth="repeat">
+      <a:schemeClr val="dk1"/>
+    </dgm:txFillClrLst>
+    <dgm:txEffectClrLst/>
+  </dgm:styleLbl>
+  <dgm:styleLbl name="alignAccFollowNode1">
+    <dgm:fillClrLst>
+      <a:schemeClr val="accent2">
+        <a:tint val="40000"/>
+        <a:alpha val="90000"/>
+      </a:schemeClr>
+      <a:schemeClr val="accent3">
+        <a:tint val="40000"/>
+        <a:alpha val="90000"/>
+      </a:schemeClr>
+    </dgm:fillClrLst>
+    <dgm:linClrLst>
+      <a:schemeClr val="accent2">
+        <a:tint val="40000"/>
+        <a:alpha val="90000"/>
+      </a:schemeClr>
+      <a:schemeClr val="accent3">
+        <a:tint val="40000"/>
+        <a:alpha val="90000"/>
+      </a:schemeClr>
+    </dgm:linClrLst>
+    <dgm:effectClrLst/>
+    <dgm:txLinClrLst/>
+    <dgm:txFillClrLst meth="repeat">
+      <a:schemeClr val="dk1"/>
+    </dgm:txFillClrLst>
+    <dgm:txEffectClrLst/>
+  </dgm:styleLbl>
+  <dgm:styleLbl name="bgAccFollowNode1">
+    <dgm:fillClrLst>
+      <a:schemeClr val="accent2">
+        <a:tint val="40000"/>
+        <a:alpha val="90000"/>
+      </a:schemeClr>
+      <a:schemeClr val="accent3">
+        <a:tint val="40000"/>
+        <a:alpha val="90000"/>
+      </a:schemeClr>
+    </dgm:fillClrLst>
+    <dgm:linClrLst>
+      <a:schemeClr val="accent2">
+        <a:tint val="40000"/>
+        <a:alpha val="90000"/>
+      </a:schemeClr>
+      <a:schemeClr val="accent3">
+        <a:tint val="40000"/>
+        <a:alpha val="90000"/>
+      </a:schemeClr>
+    </dgm:linClrLst>
+    <dgm:effectClrLst/>
+    <dgm:txLinClrLst/>
+    <dgm:txFillClrLst meth="repeat">
+      <a:schemeClr val="dk1"/>
+    </dgm:txFillClrLst>
+    <dgm:txEffectClrLst/>
+  </dgm:styleLbl>
+  <dgm:styleLbl name="fgAcc0">
+    <dgm:fillClrLst meth="repeat">
+      <a:schemeClr val="lt1">
+        <a:alpha val="90000"/>
+      </a:schemeClr>
+    </dgm:fillClrLst>
+    <dgm:linClrLst>
+      <a:schemeClr val="accent1"/>
+    </dgm:linClrLst>
+    <dgm:effectClrLst/>
+    <dgm:txLinClrLst/>
+    <dgm:txFillClrLst meth="repeat">
+      <a:schemeClr val="dk1"/>
+    </dgm:txFillClrLst>
+    <dgm:txEffectClrLst/>
+  </dgm:styleLbl>
+  <dgm:styleLbl name="fgAcc2">
+    <dgm:fillClrLst meth="repeat">
+      <a:schemeClr val="lt1">
+        <a:alpha val="90000"/>
+      </a:schemeClr>
+    </dgm:fillClrLst>
+    <dgm:linClrLst>
+      <a:schemeClr val="accent3"/>
+    </dgm:linClrLst>
+    <dgm:effectClrLst/>
+    <dgm:txLinClrLst/>
+    <dgm:txFillClrLst meth="repeat">
+      <a:schemeClr val="dk1"/>
+    </dgm:txFillClrLst>
+    <dgm:txEffectClrLst/>
+  </dgm:styleLbl>
+  <dgm:styleLbl name="fgAcc3">
+    <dgm:fillClrLst meth="repeat">
+      <a:schemeClr val="lt1">
+        <a:alpha val="90000"/>
+      </a:schemeClr>
+    </dgm:fillClrLst>
+    <dgm:linClrLst>
+      <a:schemeClr val="accent4"/>
+    </dgm:linClrLst>
+    <dgm:effectClrLst/>
+    <dgm:txLinClrLst/>
+    <dgm:txFillClrLst meth="repeat">
+      <a:schemeClr val="dk1"/>
+    </dgm:txFillClrLst>
+    <dgm:txEffectClrLst/>
+  </dgm:styleLbl>
+  <dgm:styleLbl name="fgAcc4">
+    <dgm:fillClrLst meth="repeat">
+      <a:schemeClr val="lt1">
+        <a:alpha val="90000"/>
+      </a:schemeClr>
+    </dgm:fillClrLst>
+    <dgm:linClrLst>
+      <a:schemeClr val="accent5"/>
+    </dgm:linClrLst>
+    <dgm:effectClrLst/>
+    <dgm:txLinClrLst/>
+    <dgm:txFillClrLst meth="repeat">
+      <a:schemeClr val="dk1"/>
+    </dgm:txFillClrLst>
+    <dgm:txEffectClrLst/>
+  </dgm:styleLbl>
+  <dgm:styleLbl name="bgShp">
+    <dgm:fillClrLst meth="repeat">
+      <a:schemeClr val="accent2">
+        <a:tint val="40000"/>
+      </a:schemeClr>
+    </dgm:fillClrLst>
+    <dgm:linClrLst meth="repeat">
+      <a:schemeClr val="dk1"/>
+    </dgm:linClrLst>
+    <dgm:effectClrLst/>
+    <dgm:txLinClrLst/>
+    <dgm:txFillClrLst meth="repeat">
+      <a:schemeClr val="dk1"/>
+    </dgm:txFillClrLst>
+    <dgm:txEffectClrLst/>
+  </dgm:styleLbl>
+  <dgm:styleLbl name="dkBgShp">
+    <dgm:fillClrLst meth="repeat">
+      <a:schemeClr val="accent2">
+        <a:shade val="90000"/>
+      </a:schemeClr>
+    </dgm:fillClrLst>
+    <dgm:linClrLst meth="repeat">
+      <a:schemeClr val="dk1"/>
+    </dgm:linClrLst>
+    <dgm:effectClrLst/>
+    <dgm:txLinClrLst/>
+    <dgm:txFillClrLst meth="repeat">
+      <a:schemeClr val="lt1"/>
+    </dgm:txFillClrLst>
+    <dgm:txEffectClrLst/>
+  </dgm:styleLbl>
+  <dgm:styleLbl name="trBgShp">
+    <dgm:fillClrLst meth="repeat">
+      <a:schemeClr val="accent2">
+        <a:tint val="50000"/>
+        <a:alpha val="40000"/>
+      </a:schemeClr>
+    </dgm:fillClrLst>
+    <dgm:linClrLst meth="repeat">
+      <a:schemeClr val="accent2"/>
+    </dgm:linClrLst>
+    <dgm:effectClrLst/>
+    <dgm:txLinClrLst/>
+    <dgm:txFillClrLst meth="repeat">
+      <a:schemeClr val="lt1"/>
+    </dgm:txFillClrLst>
+    <dgm:txEffectClrLst/>
+  </dgm:styleLbl>
+  <dgm:styleLbl name="fgShp">
+    <dgm:fillClrLst meth="repeat">
+      <a:schemeClr val="accent2">
+        <a:tint val="40000"/>
+      </a:schemeClr>
+    </dgm:fillClrLst>
+    <dgm:linClrLst meth="repeat">
+      <a:schemeClr val="lt1"/>
+    </dgm:linClrLst>
+    <dgm:effectClrLst/>
+    <dgm:txLinClrLst/>
+    <dgm:txFillClrLst meth="repeat">
+      <a:schemeClr val="dk1"/>
+    </dgm:txFillClrLst>
+    <dgm:txEffectClrLst/>
+  </dgm:styleLbl>
+  <dgm:styleLbl name="revTx">
+    <dgm:fillClrLst meth="repeat">
+      <a:schemeClr val="lt1">
+        <a:alpha val="0"/>
+      </a:schemeClr>
+    </dgm:fillClrLst>
+    <dgm:linClrLst meth="repeat">
+      <a:schemeClr val="dk1">
+        <a:alpha val="0"/>
+      </a:schemeClr>
+    </dgm:linClrLst>
+    <dgm:effectClrLst/>
+    <dgm:txLinClrLst/>
+    <dgm:txFillClrLst meth="repeat">
+      <a:schemeClr val="tx1"/>
+    </dgm:txFillClrLst>
+    <dgm:txEffectClrLst/>
+  </dgm:styleLbl>
+</dgm:colorsDef>
+</file>
+
+<file path=ppt/diagrams/data1.xml><?xml version="1.0" encoding="utf-8"?>
+<dgm:dataModel xmlns:dgm="http://schemas.openxmlformats.org/drawingml/2006/diagram" xmlns:a="http://schemas.openxmlformats.org/drawingml/2006/main">
+  <dgm:ptLst>
+    <dgm:pt modelId="{0B4468A9-B94A-48BA-ABCE-3B6C7D8CB1E5}" type="doc">
+      <dgm:prSet loTypeId="urn:microsoft.com/office/officeart/2005/8/layout/default" loCatId="list" qsTypeId="urn:microsoft.com/office/officeart/2005/8/quickstyle/simple1" qsCatId="simple" csTypeId="urn:microsoft.com/office/officeart/2005/8/colors/colorful2" csCatId="colorful" phldr="1"/>
+      <dgm:spPr/>
+      <dgm:t>
+        <a:bodyPr/>
+        <a:lstStyle/>
+        <a:p>
+          <a:endParaRPr lang="en-US"/>
+        </a:p>
+      </dgm:t>
+    </dgm:pt>
+    <dgm:pt modelId="{5F21AAAD-E326-4777-A2E1-E707DB5E9D9D}">
+      <dgm:prSet custT="1"/>
+      <dgm:spPr/>
+      <dgm:t>
+        <a:bodyPr/>
+        <a:lstStyle/>
+        <a:p>
+          <a:r>
+            <a:rPr lang="en-US" sz="1600" b="0" i="0" dirty="0"/>
+            <a:t>Identify temporal trends in adverse news publication</a:t>
+          </a:r>
+          <a:endParaRPr lang="en-US" sz="1600" dirty="0"/>
+        </a:p>
+      </dgm:t>
+    </dgm:pt>
+    <dgm:pt modelId="{BA436DC0-7BB4-4A99-8A0F-801AEE478485}" type="parTrans" cxnId="{F42A69DB-853D-4ACF-BA23-96FAF136FB9C}">
+      <dgm:prSet/>
+      <dgm:spPr/>
+      <dgm:t>
+        <a:bodyPr/>
+        <a:lstStyle/>
+        <a:p>
+          <a:endParaRPr lang="en-US"/>
+        </a:p>
+      </dgm:t>
+    </dgm:pt>
+    <dgm:pt modelId="{30D077A6-3E58-4A80-8EE4-913BBC942345}" type="sibTrans" cxnId="{F42A69DB-853D-4ACF-BA23-96FAF136FB9C}">
+      <dgm:prSet/>
+      <dgm:spPr/>
+      <dgm:t>
+        <a:bodyPr/>
+        <a:lstStyle/>
+        <a:p>
+          <a:endParaRPr lang="en-US"/>
+        </a:p>
+      </dgm:t>
+    </dgm:pt>
+    <dgm:pt modelId="{060CD1A8-2422-4971-A003-11EB291C5958}">
+      <dgm:prSet custT="1"/>
+      <dgm:spPr/>
+      <dgm:t>
+        <a:bodyPr/>
+        <a:lstStyle/>
+        <a:p>
+          <a:r>
+            <a:rPr lang="en-US" sz="1600" b="0" i="0" dirty="0"/>
+            <a:t>Reveal most frequently mentioned organizations and people</a:t>
+          </a:r>
+          <a:endParaRPr lang="en-US" sz="1600" dirty="0"/>
+        </a:p>
+      </dgm:t>
+    </dgm:pt>
+    <dgm:pt modelId="{ADE5FC4F-9D9F-4C3C-9362-B1A723208F2B}" type="parTrans" cxnId="{4981E33B-352A-487B-ADDB-82C4D4F27872}">
+      <dgm:prSet/>
+      <dgm:spPr/>
+      <dgm:t>
+        <a:bodyPr/>
+        <a:lstStyle/>
+        <a:p>
+          <a:endParaRPr lang="en-US"/>
+        </a:p>
+      </dgm:t>
+    </dgm:pt>
+    <dgm:pt modelId="{930600E0-C26E-48CF-97D4-BDD1EE0D4E0B}" type="sibTrans" cxnId="{4981E33B-352A-487B-ADDB-82C4D4F27872}">
+      <dgm:prSet/>
+      <dgm:spPr/>
+      <dgm:t>
+        <a:bodyPr/>
+        <a:lstStyle/>
+        <a:p>
+          <a:endParaRPr lang="en-US"/>
+        </a:p>
+      </dgm:t>
+    </dgm:pt>
+    <dgm:pt modelId="{17274BC8-52BA-45DB-9ED7-7F8C89BCB6A6}">
+      <dgm:prSet custT="1"/>
+      <dgm:spPr/>
+      <dgm:t>
+        <a:bodyPr/>
+        <a:lstStyle/>
+        <a:p>
+          <a:r>
+            <a:rPr lang="en-US" sz="1600" b="0" i="0" dirty="0"/>
+            <a:t>Show category-wise distribution of adverse articles</a:t>
+          </a:r>
+          <a:endParaRPr lang="en-US" sz="1600" dirty="0"/>
+        </a:p>
+      </dgm:t>
+    </dgm:pt>
+    <dgm:pt modelId="{A942BA96-0E2E-4540-9261-BDC26AE458DD}" type="parTrans" cxnId="{E6863500-04A9-4DD0-B58E-384BFAA5112C}">
+      <dgm:prSet/>
+      <dgm:spPr/>
+      <dgm:t>
+        <a:bodyPr/>
+        <a:lstStyle/>
+        <a:p>
+          <a:endParaRPr lang="en-US"/>
+        </a:p>
+      </dgm:t>
+    </dgm:pt>
+    <dgm:pt modelId="{9DF2C8F5-9F87-4858-9C5A-9680A346DBAD}" type="sibTrans" cxnId="{E6863500-04A9-4DD0-B58E-384BFAA5112C}">
+      <dgm:prSet/>
+      <dgm:spPr/>
+      <dgm:t>
+        <a:bodyPr/>
+        <a:lstStyle/>
+        <a:p>
+          <a:endParaRPr lang="en-US"/>
+        </a:p>
+      </dgm:t>
+    </dgm:pt>
+    <dgm:pt modelId="{C18C529A-5AB1-4350-B0CA-F291FFE52E6D}">
+      <dgm:prSet custT="1"/>
+      <dgm:spPr/>
+      <dgm:t>
+        <a:bodyPr/>
+        <a:lstStyle/>
+        <a:p>
+          <a:r>
+            <a:rPr lang="en-US" sz="1600" b="0" i="0" dirty="0"/>
+            <a:t>Support drill-down from summary to detailed articles</a:t>
+          </a:r>
+          <a:endParaRPr lang="en-US" sz="1600" dirty="0"/>
+        </a:p>
+      </dgm:t>
+    </dgm:pt>
+    <dgm:pt modelId="{3BD8EFCE-014B-449D-8B68-1B71848668A6}" type="parTrans" cxnId="{66110E01-F7FD-4F7B-A3F5-5993BDD17A70}">
+      <dgm:prSet/>
+      <dgm:spPr/>
+      <dgm:t>
+        <a:bodyPr/>
+        <a:lstStyle/>
+        <a:p>
+          <a:endParaRPr lang="en-US"/>
+        </a:p>
+      </dgm:t>
+    </dgm:pt>
+    <dgm:pt modelId="{515635E1-8B5F-4DFE-9DF8-C0440570543A}" type="sibTrans" cxnId="{66110E01-F7FD-4F7B-A3F5-5993BDD17A70}">
+      <dgm:prSet/>
+      <dgm:spPr/>
+      <dgm:t>
+        <a:bodyPr/>
+        <a:lstStyle/>
+        <a:p>
+          <a:endParaRPr lang="en-US"/>
+        </a:p>
+      </dgm:t>
+    </dgm:pt>
+    <dgm:pt modelId="{9894765A-83B8-4F64-9E11-D8692DD44443}" type="pres">
+      <dgm:prSet presAssocID="{0B4468A9-B94A-48BA-ABCE-3B6C7D8CB1E5}" presName="diagram" presStyleCnt="0">
+        <dgm:presLayoutVars>
+          <dgm:dir/>
+          <dgm:resizeHandles val="exact"/>
+        </dgm:presLayoutVars>
+      </dgm:prSet>
+      <dgm:spPr/>
+    </dgm:pt>
+    <dgm:pt modelId="{9D8C81DF-DBD1-47BB-8061-C947CA79809A}" type="pres">
+      <dgm:prSet presAssocID="{5F21AAAD-E326-4777-A2E1-E707DB5E9D9D}" presName="node" presStyleLbl="node1" presStyleIdx="0" presStyleCnt="4">
+        <dgm:presLayoutVars>
+          <dgm:bulletEnabled val="1"/>
+        </dgm:presLayoutVars>
+      </dgm:prSet>
+      <dgm:spPr/>
+    </dgm:pt>
+    <dgm:pt modelId="{664D4532-E49B-47AC-8316-52842BA4D109}" type="pres">
+      <dgm:prSet presAssocID="{30D077A6-3E58-4A80-8EE4-913BBC942345}" presName="sibTrans" presStyleCnt="0"/>
+      <dgm:spPr/>
+    </dgm:pt>
+    <dgm:pt modelId="{4105BD2F-5A12-4DF3-BE62-8F18C336091C}" type="pres">
+      <dgm:prSet presAssocID="{060CD1A8-2422-4971-A003-11EB291C5958}" presName="node" presStyleLbl="node1" presStyleIdx="1" presStyleCnt="4">
+        <dgm:presLayoutVars>
+          <dgm:bulletEnabled val="1"/>
+        </dgm:presLayoutVars>
+      </dgm:prSet>
+      <dgm:spPr/>
+    </dgm:pt>
+    <dgm:pt modelId="{DA056040-18FC-4914-8530-AF516970CF49}" type="pres">
+      <dgm:prSet presAssocID="{930600E0-C26E-48CF-97D4-BDD1EE0D4E0B}" presName="sibTrans" presStyleCnt="0"/>
+      <dgm:spPr/>
+    </dgm:pt>
+    <dgm:pt modelId="{B7AD073B-3873-42FC-A115-5481684184DF}" type="pres">
+      <dgm:prSet presAssocID="{17274BC8-52BA-45DB-9ED7-7F8C89BCB6A6}" presName="node" presStyleLbl="node1" presStyleIdx="2" presStyleCnt="4">
+        <dgm:presLayoutVars>
+          <dgm:bulletEnabled val="1"/>
+        </dgm:presLayoutVars>
+      </dgm:prSet>
+      <dgm:spPr/>
+    </dgm:pt>
+    <dgm:pt modelId="{663AC65D-C9CE-4207-AE73-89523BC72D1E}" type="pres">
+      <dgm:prSet presAssocID="{9DF2C8F5-9F87-4858-9C5A-9680A346DBAD}" presName="sibTrans" presStyleCnt="0"/>
+      <dgm:spPr/>
+    </dgm:pt>
+    <dgm:pt modelId="{1C3455FF-8402-4586-B24D-110EB60FDBC3}" type="pres">
+      <dgm:prSet presAssocID="{C18C529A-5AB1-4350-B0CA-F291FFE52E6D}" presName="node" presStyleLbl="node1" presStyleIdx="3" presStyleCnt="4">
+        <dgm:presLayoutVars>
+          <dgm:bulletEnabled val="1"/>
+        </dgm:presLayoutVars>
+      </dgm:prSet>
+      <dgm:spPr/>
+    </dgm:pt>
+  </dgm:ptLst>
+  <dgm:cxnLst>
+    <dgm:cxn modelId="{E6863500-04A9-4DD0-B58E-384BFAA5112C}" srcId="{0B4468A9-B94A-48BA-ABCE-3B6C7D8CB1E5}" destId="{17274BC8-52BA-45DB-9ED7-7F8C89BCB6A6}" srcOrd="2" destOrd="0" parTransId="{A942BA96-0E2E-4540-9261-BDC26AE458DD}" sibTransId="{9DF2C8F5-9F87-4858-9C5A-9680A346DBAD}"/>
+    <dgm:cxn modelId="{66110E01-F7FD-4F7B-A3F5-5993BDD17A70}" srcId="{0B4468A9-B94A-48BA-ABCE-3B6C7D8CB1E5}" destId="{C18C529A-5AB1-4350-B0CA-F291FFE52E6D}" srcOrd="3" destOrd="0" parTransId="{3BD8EFCE-014B-449D-8B68-1B71848668A6}" sibTransId="{515635E1-8B5F-4DFE-9DF8-C0440570543A}"/>
+    <dgm:cxn modelId="{ED5EFF0A-668E-4C7D-B80D-4C557F8B4846}" type="presOf" srcId="{C18C529A-5AB1-4350-B0CA-F291FFE52E6D}" destId="{1C3455FF-8402-4586-B24D-110EB60FDBC3}" srcOrd="0" destOrd="0" presId="urn:microsoft.com/office/officeart/2005/8/layout/default"/>
+    <dgm:cxn modelId="{4981E33B-352A-487B-ADDB-82C4D4F27872}" srcId="{0B4468A9-B94A-48BA-ABCE-3B6C7D8CB1E5}" destId="{060CD1A8-2422-4971-A003-11EB291C5958}" srcOrd="1" destOrd="0" parTransId="{ADE5FC4F-9D9F-4C3C-9362-B1A723208F2B}" sibTransId="{930600E0-C26E-48CF-97D4-BDD1EE0D4E0B}"/>
+    <dgm:cxn modelId="{5BC32B3E-00BB-4F4E-A69E-B66E0AB23AA3}" type="presOf" srcId="{5F21AAAD-E326-4777-A2E1-E707DB5E9D9D}" destId="{9D8C81DF-DBD1-47BB-8061-C947CA79809A}" srcOrd="0" destOrd="0" presId="urn:microsoft.com/office/officeart/2005/8/layout/default"/>
+    <dgm:cxn modelId="{14597A7B-C977-448D-844E-8D19EDB760E4}" type="presOf" srcId="{0B4468A9-B94A-48BA-ABCE-3B6C7D8CB1E5}" destId="{9894765A-83B8-4F64-9E11-D8692DD44443}" srcOrd="0" destOrd="0" presId="urn:microsoft.com/office/officeart/2005/8/layout/default"/>
+    <dgm:cxn modelId="{A88D5BB0-1611-495D-842B-46CF2EA13102}" type="presOf" srcId="{060CD1A8-2422-4971-A003-11EB291C5958}" destId="{4105BD2F-5A12-4DF3-BE62-8F18C336091C}" srcOrd="0" destOrd="0" presId="urn:microsoft.com/office/officeart/2005/8/layout/default"/>
+    <dgm:cxn modelId="{F42A69DB-853D-4ACF-BA23-96FAF136FB9C}" srcId="{0B4468A9-B94A-48BA-ABCE-3B6C7D8CB1E5}" destId="{5F21AAAD-E326-4777-A2E1-E707DB5E9D9D}" srcOrd="0" destOrd="0" parTransId="{BA436DC0-7BB4-4A99-8A0F-801AEE478485}" sibTransId="{30D077A6-3E58-4A80-8EE4-913BBC942345}"/>
+    <dgm:cxn modelId="{D6853DDC-3DA0-431B-A385-CC7E182AC8AD}" type="presOf" srcId="{17274BC8-52BA-45DB-9ED7-7F8C89BCB6A6}" destId="{B7AD073B-3873-42FC-A115-5481684184DF}" srcOrd="0" destOrd="0" presId="urn:microsoft.com/office/officeart/2005/8/layout/default"/>
+    <dgm:cxn modelId="{D5211333-5712-4C97-9B66-31009EE2831B}" type="presParOf" srcId="{9894765A-83B8-4F64-9E11-D8692DD44443}" destId="{9D8C81DF-DBD1-47BB-8061-C947CA79809A}" srcOrd="0" destOrd="0" presId="urn:microsoft.com/office/officeart/2005/8/layout/default"/>
+    <dgm:cxn modelId="{E058B8A5-CF8F-48DD-90A6-7051245F549E}" type="presParOf" srcId="{9894765A-83B8-4F64-9E11-D8692DD44443}" destId="{664D4532-E49B-47AC-8316-52842BA4D109}" srcOrd="1" destOrd="0" presId="urn:microsoft.com/office/officeart/2005/8/layout/default"/>
+    <dgm:cxn modelId="{A584D456-CF50-46A1-9DB9-000166575EE1}" type="presParOf" srcId="{9894765A-83B8-4F64-9E11-D8692DD44443}" destId="{4105BD2F-5A12-4DF3-BE62-8F18C336091C}" srcOrd="2" destOrd="0" presId="urn:microsoft.com/office/officeart/2005/8/layout/default"/>
+    <dgm:cxn modelId="{EB282E44-0C5E-49C5-B0D4-9C43D3794B55}" type="presParOf" srcId="{9894765A-83B8-4F64-9E11-D8692DD44443}" destId="{DA056040-18FC-4914-8530-AF516970CF49}" srcOrd="3" destOrd="0" presId="urn:microsoft.com/office/officeart/2005/8/layout/default"/>
+    <dgm:cxn modelId="{443D839B-F2C8-463A-9D2C-6608ECD45552}" type="presParOf" srcId="{9894765A-83B8-4F64-9E11-D8692DD44443}" destId="{B7AD073B-3873-42FC-A115-5481684184DF}" srcOrd="4" destOrd="0" presId="urn:microsoft.com/office/officeart/2005/8/layout/default"/>
+    <dgm:cxn modelId="{49A3295D-FA94-4BF6-952B-3557E74A7012}" type="presParOf" srcId="{9894765A-83B8-4F64-9E11-D8692DD44443}" destId="{663AC65D-C9CE-4207-AE73-89523BC72D1E}" srcOrd="5" destOrd="0" presId="urn:microsoft.com/office/officeart/2005/8/layout/default"/>
+    <dgm:cxn modelId="{5C559551-50DD-4A82-AB35-F774561F552A}" type="presParOf" srcId="{9894765A-83B8-4F64-9E11-D8692DD44443}" destId="{1C3455FF-8402-4586-B24D-110EB60FDBC3}" srcOrd="6" destOrd="0" presId="urn:microsoft.com/office/officeart/2005/8/layout/default"/>
+  </dgm:cxnLst>
+  <dgm:bg/>
+  <dgm:whole/>
+  <dgm:extLst>
+    <a:ext uri="http://schemas.microsoft.com/office/drawing/2008/diagram">
+      <dsp:dataModelExt xmlns:dsp="http://schemas.microsoft.com/office/drawing/2008/diagram" relId="rId6" minVer="http://schemas.openxmlformats.org/drawingml/2006/diagram"/>
+    </a:ext>
+  </dgm:extLst>
+</dgm:dataModel>
+</file>
+
+<file path=ppt/diagrams/drawing1.xml><?xml version="1.0" encoding="utf-8"?>
+<dsp:drawing xmlns:dgm="http://schemas.openxmlformats.org/drawingml/2006/diagram" xmlns:dsp="http://schemas.microsoft.com/office/drawing/2008/diagram" xmlns:a="http://schemas.openxmlformats.org/drawingml/2006/main">
+  <dsp:spTree>
+    <dsp:nvGrpSpPr>
+      <dsp:cNvPr id="0" name=""/>
+      <dsp:cNvGrpSpPr/>
+    </dsp:nvGrpSpPr>
+    <dsp:grpSpPr/>
+    <dsp:sp modelId="{9D8C81DF-DBD1-47BB-8061-C947CA79809A}">
+      <dsp:nvSpPr>
+        <dsp:cNvPr id="0" name=""/>
+        <dsp:cNvSpPr/>
+      </dsp:nvSpPr>
+      <dsp:spPr>
+        <a:xfrm>
+          <a:off x="763" y="748002"/>
+          <a:ext cx="2978053" cy="1786832"/>
+        </a:xfrm>
+        <a:prstGeom prst="rect">
+          <a:avLst/>
+        </a:prstGeom>
+        <a:solidFill>
+          <a:schemeClr val="accent2">
+            <a:hueOff val="0"/>
+            <a:satOff val="0"/>
+            <a:lumOff val="0"/>
+            <a:alphaOff val="0"/>
+          </a:schemeClr>
+        </a:solidFill>
+        <a:ln w="19050" cap="rnd" cmpd="sng" algn="ctr">
+          <a:solidFill>
+            <a:schemeClr val="lt1">
+              <a:hueOff val="0"/>
+              <a:satOff val="0"/>
+              <a:lumOff val="0"/>
+              <a:alphaOff val="0"/>
+            </a:schemeClr>
+          </a:solidFill>
+          <a:prstDash val="solid"/>
+        </a:ln>
+        <a:effectLst/>
+      </dsp:spPr>
+      <dsp:style>
+        <a:lnRef idx="2">
+          <a:scrgbClr r="0" g="0" b="0"/>
+        </a:lnRef>
+        <a:fillRef idx="1">
+          <a:scrgbClr r="0" g="0" b="0"/>
+        </a:fillRef>
+        <a:effectRef idx="0">
+          <a:scrgbClr r="0" g="0" b="0"/>
+        </a:effectRef>
+        <a:fontRef idx="minor">
+          <a:schemeClr val="lt1"/>
+        </a:fontRef>
+      </dsp:style>
+      <dsp:txBody>
+        <a:bodyPr spcFirstLastPara="0" vert="horz" wrap="square" lIns="60960" tIns="60960" rIns="60960" bIns="60960" numCol="1" spcCol="1270" anchor="ctr" anchorCtr="0">
+          <a:noAutofit/>
+        </a:bodyPr>
+        <a:lstStyle/>
+        <a:p>
+          <a:pPr marL="0" lvl="0" indent="0" algn="ctr" defTabSz="711200">
+            <a:lnSpc>
+              <a:spcPct val="90000"/>
+            </a:lnSpc>
+            <a:spcBef>
+              <a:spcPct val="0"/>
+            </a:spcBef>
+            <a:spcAft>
+              <a:spcPct val="35000"/>
+            </a:spcAft>
+            <a:buNone/>
+          </a:pPr>
+          <a:r>
+            <a:rPr lang="en-US" sz="1600" b="0" i="0" kern="1200" dirty="0"/>
+            <a:t>Identify temporal trends in adverse news publication</a:t>
+          </a:r>
+          <a:endParaRPr lang="en-US" sz="1600" kern="1200" dirty="0"/>
+        </a:p>
+      </dsp:txBody>
+      <dsp:txXfrm>
+        <a:off x="763" y="748002"/>
+        <a:ext cx="2978053" cy="1786832"/>
+      </dsp:txXfrm>
+    </dsp:sp>
+    <dsp:sp modelId="{4105BD2F-5A12-4DF3-BE62-8F18C336091C}">
+      <dsp:nvSpPr>
+        <dsp:cNvPr id="0" name=""/>
+        <dsp:cNvSpPr/>
+      </dsp:nvSpPr>
+      <dsp:spPr>
+        <a:xfrm>
+          <a:off x="3276622" y="748002"/>
+          <a:ext cx="2978053" cy="1786832"/>
+        </a:xfrm>
+        <a:prstGeom prst="rect">
+          <a:avLst/>
+        </a:prstGeom>
+        <a:solidFill>
+          <a:schemeClr val="accent2">
+            <a:hueOff val="-6588574"/>
+            <a:satOff val="300"/>
+            <a:lumOff val="0"/>
+            <a:alphaOff val="0"/>
+          </a:schemeClr>
+        </a:solidFill>
+        <a:ln w="19050" cap="rnd" cmpd="sng" algn="ctr">
+          <a:solidFill>
+            <a:schemeClr val="lt1">
+              <a:hueOff val="0"/>
+              <a:satOff val="0"/>
+              <a:lumOff val="0"/>
+              <a:alphaOff val="0"/>
+            </a:schemeClr>
+          </a:solidFill>
+          <a:prstDash val="solid"/>
+        </a:ln>
+        <a:effectLst/>
+      </dsp:spPr>
+      <dsp:style>
+        <a:lnRef idx="2">
+          <a:scrgbClr r="0" g="0" b="0"/>
+        </a:lnRef>
+        <a:fillRef idx="1">
+          <a:scrgbClr r="0" g="0" b="0"/>
+        </a:fillRef>
+        <a:effectRef idx="0">
+          <a:scrgbClr r="0" g="0" b="0"/>
+        </a:effectRef>
+        <a:fontRef idx="minor">
+          <a:schemeClr val="lt1"/>
+        </a:fontRef>
+      </dsp:style>
+      <dsp:txBody>
+        <a:bodyPr spcFirstLastPara="0" vert="horz" wrap="square" lIns="60960" tIns="60960" rIns="60960" bIns="60960" numCol="1" spcCol="1270" anchor="ctr" anchorCtr="0">
+          <a:noAutofit/>
+        </a:bodyPr>
+        <a:lstStyle/>
+        <a:p>
+          <a:pPr marL="0" lvl="0" indent="0" algn="ctr" defTabSz="711200">
+            <a:lnSpc>
+              <a:spcPct val="90000"/>
+            </a:lnSpc>
+            <a:spcBef>
+              <a:spcPct val="0"/>
+            </a:spcBef>
+            <a:spcAft>
+              <a:spcPct val="35000"/>
+            </a:spcAft>
+            <a:buNone/>
+          </a:pPr>
+          <a:r>
+            <a:rPr lang="en-US" sz="1600" b="0" i="0" kern="1200" dirty="0"/>
+            <a:t>Reveal most frequently mentioned organizations and people</a:t>
+          </a:r>
+          <a:endParaRPr lang="en-US" sz="1600" kern="1200" dirty="0"/>
+        </a:p>
+      </dsp:txBody>
+      <dsp:txXfrm>
+        <a:off x="3276622" y="748002"/>
+        <a:ext cx="2978053" cy="1786832"/>
+      </dsp:txXfrm>
+    </dsp:sp>
+    <dsp:sp modelId="{B7AD073B-3873-42FC-A115-5481684184DF}">
+      <dsp:nvSpPr>
+        <dsp:cNvPr id="0" name=""/>
+        <dsp:cNvSpPr/>
+      </dsp:nvSpPr>
+      <dsp:spPr>
+        <a:xfrm>
+          <a:off x="763" y="2832640"/>
+          <a:ext cx="2978053" cy="1786832"/>
+        </a:xfrm>
+        <a:prstGeom prst="rect">
+          <a:avLst/>
+        </a:prstGeom>
+        <a:solidFill>
+          <a:schemeClr val="accent2">
+            <a:hueOff val="-13177148"/>
+            <a:satOff val="601"/>
+            <a:lumOff val="0"/>
+            <a:alphaOff val="0"/>
+          </a:schemeClr>
+        </a:solidFill>
+        <a:ln w="19050" cap="rnd" cmpd="sng" algn="ctr">
+          <a:solidFill>
+            <a:schemeClr val="lt1">
+              <a:hueOff val="0"/>
+              <a:satOff val="0"/>
+              <a:lumOff val="0"/>
+              <a:alphaOff val="0"/>
+            </a:schemeClr>
+          </a:solidFill>
+          <a:prstDash val="solid"/>
+        </a:ln>
+        <a:effectLst/>
+      </dsp:spPr>
+      <dsp:style>
+        <a:lnRef idx="2">
+          <a:scrgbClr r="0" g="0" b="0"/>
+        </a:lnRef>
+        <a:fillRef idx="1">
+          <a:scrgbClr r="0" g="0" b="0"/>
+        </a:fillRef>
+        <a:effectRef idx="0">
+          <a:scrgbClr r="0" g="0" b="0"/>
+        </a:effectRef>
+        <a:fontRef idx="minor">
+          <a:schemeClr val="lt1"/>
+        </a:fontRef>
+      </dsp:style>
+      <dsp:txBody>
+        <a:bodyPr spcFirstLastPara="0" vert="horz" wrap="square" lIns="60960" tIns="60960" rIns="60960" bIns="60960" numCol="1" spcCol="1270" anchor="ctr" anchorCtr="0">
+          <a:noAutofit/>
+        </a:bodyPr>
+        <a:lstStyle/>
+        <a:p>
+          <a:pPr marL="0" lvl="0" indent="0" algn="ctr" defTabSz="711200">
+            <a:lnSpc>
+              <a:spcPct val="90000"/>
+            </a:lnSpc>
+            <a:spcBef>
+              <a:spcPct val="0"/>
+            </a:spcBef>
+            <a:spcAft>
+              <a:spcPct val="35000"/>
+            </a:spcAft>
+            <a:buNone/>
+          </a:pPr>
+          <a:r>
+            <a:rPr lang="en-US" sz="1600" b="0" i="0" kern="1200" dirty="0"/>
+            <a:t>Show category-wise distribution of adverse articles</a:t>
+          </a:r>
+          <a:endParaRPr lang="en-US" sz="1600" kern="1200" dirty="0"/>
+        </a:p>
+      </dsp:txBody>
+      <dsp:txXfrm>
+        <a:off x="763" y="2832640"/>
+        <a:ext cx="2978053" cy="1786832"/>
+      </dsp:txXfrm>
+    </dsp:sp>
+    <dsp:sp modelId="{1C3455FF-8402-4586-B24D-110EB60FDBC3}">
+      <dsp:nvSpPr>
+        <dsp:cNvPr id="0" name=""/>
+        <dsp:cNvSpPr/>
+      </dsp:nvSpPr>
+      <dsp:spPr>
+        <a:xfrm>
+          <a:off x="3276622" y="2832640"/>
+          <a:ext cx="2978053" cy="1786832"/>
+        </a:xfrm>
+        <a:prstGeom prst="rect">
+          <a:avLst/>
+        </a:prstGeom>
+        <a:solidFill>
+          <a:schemeClr val="accent2">
+            <a:hueOff val="-19765721"/>
+            <a:satOff val="901"/>
+            <a:lumOff val="0"/>
+            <a:alphaOff val="0"/>
+          </a:schemeClr>
+        </a:solidFill>
+        <a:ln w="19050" cap="rnd" cmpd="sng" algn="ctr">
+          <a:solidFill>
+            <a:schemeClr val="lt1">
+              <a:hueOff val="0"/>
+              <a:satOff val="0"/>
+              <a:lumOff val="0"/>
+              <a:alphaOff val="0"/>
+            </a:schemeClr>
+          </a:solidFill>
+          <a:prstDash val="solid"/>
+        </a:ln>
+        <a:effectLst/>
+      </dsp:spPr>
+      <dsp:style>
+        <a:lnRef idx="2">
+          <a:scrgbClr r="0" g="0" b="0"/>
+        </a:lnRef>
+        <a:fillRef idx="1">
+          <a:scrgbClr r="0" g="0" b="0"/>
+        </a:fillRef>
+        <a:effectRef idx="0">
+          <a:scrgbClr r="0" g="0" b="0"/>
+        </a:effectRef>
+        <a:fontRef idx="minor">
+          <a:schemeClr val="lt1"/>
+        </a:fontRef>
+      </dsp:style>
+      <dsp:txBody>
+        <a:bodyPr spcFirstLastPara="0" vert="horz" wrap="square" lIns="60960" tIns="60960" rIns="60960" bIns="60960" numCol="1" spcCol="1270" anchor="ctr" anchorCtr="0">
+          <a:noAutofit/>
+        </a:bodyPr>
+        <a:lstStyle/>
+        <a:p>
+          <a:pPr marL="0" lvl="0" indent="0" algn="ctr" defTabSz="711200">
+            <a:lnSpc>
+              <a:spcPct val="90000"/>
+            </a:lnSpc>
+            <a:spcBef>
+              <a:spcPct val="0"/>
+            </a:spcBef>
+            <a:spcAft>
+              <a:spcPct val="35000"/>
+            </a:spcAft>
+            <a:buNone/>
+          </a:pPr>
+          <a:r>
+            <a:rPr lang="en-US" sz="1600" b="0" i="0" kern="1200" dirty="0"/>
+            <a:t>Support drill-down from summary to detailed articles</a:t>
+          </a:r>
+          <a:endParaRPr lang="en-US" sz="1600" kern="1200" dirty="0"/>
+        </a:p>
+      </dsp:txBody>
+      <dsp:txXfrm>
+        <a:off x="3276622" y="2832640"/>
+        <a:ext cx="2978053" cy="1786832"/>
+      </dsp:txXfrm>
+    </dsp:sp>
+  </dsp:spTree>
+</dsp:drawing>
+</file>
+
+<file path=ppt/diagrams/layout1.xml><?xml version="1.0" encoding="utf-8"?>
+<dgm:layoutDef xmlns:dgm="http://schemas.openxmlformats.org/drawingml/2006/diagram" xmlns:a="http://schemas.openxmlformats.org/drawingml/2006/main" uniqueId="urn:microsoft.com/office/officeart/2005/8/layout/default">
+  <dgm:title val=""/>
+  <dgm:desc val=""/>
+  <dgm:catLst>
+    <dgm:cat type="list" pri="400"/>
+  </dgm:catLst>
+  <dgm:sampData>
+    <dgm:dataModel>
+      <dgm:ptLst>
+        <dgm:pt modelId="0" type="doc"/>
+        <dgm:pt modelId="1">
+          <dgm:prSet phldr="1"/>
+        </dgm:pt>
+        <dgm:pt modelId="2">
+          <dgm:prSet phldr="1"/>
+        </dgm:pt>
+        <dgm:pt modelId="3">
+          <dgm:prSet phldr="1"/>
+        </dgm:pt>
+        <dgm:pt modelId="4">
+          <dgm:prSet phldr="1"/>
+        </dgm:pt>
+        <dgm:pt modelId="5">
+          <dgm:prSet phldr="1"/>
+        </dgm:pt>
+      </dgm:ptLst>
+      <dgm:cxnLst>
+        <dgm:cxn modelId="6" srcId="0" destId="1" srcOrd="0" destOrd="0"/>
+        <dgm:cxn modelId="7" srcId="0" destId="2" srcOrd="1" destOrd="0"/>
+        <dgm:cxn modelId="8" srcId="0" destId="3" srcOrd="2" destOrd="0"/>
+        <dgm:cxn modelId="9" srcId="0" destId="4" srcOrd="3" destOrd="0"/>
+        <dgm:cxn modelId="10" srcId="0" destId="5" srcOrd="4" destOrd="0"/>
+      </dgm:cxnLst>
+      <dgm:bg/>
+      <dgm:whole/>
+    </dgm:dataModel>
+  </dgm:sampData>
+  <dgm:styleData>
+    <dgm:dataModel>
+      <dgm:ptLst>
+        <dgm:pt modelId="0" type="doc"/>
+        <dgm:pt modelId="1"/>
+        <dgm:pt modelId="2"/>
+      </dgm:ptLst>
+      <dgm:cxnLst>
+        <dgm:cxn modelId="3" srcId="0" destId="1" srcOrd="0" destOrd="0"/>
+        <dgm:cxn modelId="4" srcId="0" destId="2" srcOrd="1" destOrd="0"/>
+      </dgm:cxnLst>
+      <dgm:bg/>
+      <dgm:whole/>
+    </dgm:dataModel>
+  </dgm:styleData>
+  <dgm:clrData>
+    <dgm:dataModel>
+      <dgm:ptLst>
+        <dgm:pt modelId="0" type="doc"/>
+        <dgm:pt modelId="1"/>
+        <dgm:pt modelId="2"/>
+        <dgm:pt modelId="3"/>
+        <dgm:pt modelId="4"/>
+        <dgm:pt modelId="5"/>
+        <dgm:pt modelId="6"/>
+      </dgm:ptLst>
+      <dgm:cxnLst>
+        <dgm:cxn modelId="7" srcId="0" destId="1" srcOrd="0" destOrd="0"/>
+        <dgm:cxn modelId="8" srcId="0" destId="2" srcOrd="1" destOrd="0"/>
+        <dgm:cxn modelId="9" srcId="0" destId="3" srcOrd="2" destOrd="0"/>
+        <dgm:cxn modelId="10" srcId="0" destId="4" srcOrd="3" destOrd="0"/>
+        <dgm:cxn modelId="11" srcId="0" destId="5" srcOrd="4" destOrd="0"/>
+        <dgm:cxn modelId="12" srcId="0" destId="6" srcOrd="5" destOrd="0"/>
+      </dgm:cxnLst>
+      <dgm:bg/>
+      <dgm:whole/>
+    </dgm:dataModel>
+  </dgm:clrData>
+  <dgm:layoutNode name="diagram">
+    <dgm:varLst>
+      <dgm:dir/>
+      <dgm:resizeHandles val="exact"/>
+    </dgm:varLst>
+    <dgm:choose name="Name0">
+      <dgm:if name="Name1" func="var" arg="dir" op="equ" val="norm">
+        <dgm:alg type="snake">
+          <dgm:param type="grDir" val="tL"/>
+          <dgm:param type="flowDir" val="row"/>
+          <dgm:param type="contDir" val="sameDir"/>
+          <dgm:param type="off" val="ctr"/>
+        </dgm:alg>
+      </dgm:if>
+      <dgm:else name="Name2">
+        <dgm:alg type="snake">
+          <dgm:param type="grDir" val="tR"/>
+          <dgm:param type="flowDir" val="row"/>
+          <dgm:param type="contDir" val="sameDir"/>
+          <dgm:param type="off" val="ctr"/>
+        </dgm:alg>
+      </dgm:else>
+    </dgm:choose>
+    <dgm:shape xmlns:r="http://schemas.openxmlformats.org/officeDocument/2006/relationships" r:blip="">
+      <dgm:adjLst/>
+    </dgm:shape>
+    <dgm:presOf/>
+    <dgm:constrLst>
+      <dgm:constr type="w" for="ch" forName="node" refType="w"/>
+      <dgm:constr type="h" for="ch" forName="node" refType="w" refFor="ch" refForName="node" fact="0.6"/>
+      <dgm:constr type="w" for="ch" forName="sibTrans" refType="w" refFor="ch" refForName="node" fact="0.1"/>
+      <dgm:constr type="sp" refType="w" refFor="ch" refForName="sibTrans"/>
+      <dgm:constr type="primFontSz" for="ch" forName="node" op="equ" val="65"/>
+    </dgm:constrLst>
+    <dgm:ruleLst/>
+    <dgm:forEach name="Name3" axis="ch" ptType="node">
+      <dgm:layoutNode name="node">
+        <dgm:varLst>
+          <dgm:bulletEnabled val="1"/>
+        </dgm:varLst>
+        <dgm:alg type="tx"/>
+        <dgm:shape xmlns:r="http://schemas.openxmlformats.org/officeDocument/2006/relationships" type="rect" r:blip="">
+          <dgm:adjLst/>
+        </dgm:shape>
+        <dgm:presOf axis="desOrSelf" ptType="node"/>
+        <dgm:constrLst>
+          <dgm:constr type="lMarg" refType="primFontSz" fact="0.3"/>
+          <dgm:constr type="rMarg" refType="primFontSz" fact="0.3"/>
+          <dgm:constr type="tMarg" refType="primFontSz" fact="0.3"/>
+          <dgm:constr type="bMarg" refType="primFontSz" fact="0.3"/>
+        </dgm:constrLst>
+        <dgm:ruleLst>
+          <dgm:rule type="primFontSz" val="5" fact="NaN" max="NaN"/>
+        </dgm:ruleLst>
+      </dgm:layoutNode>
+      <dgm:forEach name="Name4" axis="followSib" ptType="sibTrans" cnt="1">
+        <dgm:layoutNode name="sibTrans">
+          <dgm:alg type="sp"/>
+          <dgm:shape xmlns:r="http://schemas.openxmlformats.org/officeDocument/2006/relationships" r:blip="">
+            <dgm:adjLst/>
+          </dgm:shape>
+          <dgm:presOf/>
+          <dgm:constrLst/>
+          <dgm:ruleLst/>
+        </dgm:layoutNode>
+      </dgm:forEach>
+    </dgm:forEach>
+  </dgm:layoutNode>
+</dgm:layoutDef>
+</file>
+
+<file path=ppt/diagrams/quickStyle1.xml><?xml version="1.0" encoding="utf-8"?>
+<dgm:styleDef xmlns:dgm="http://schemas.openxmlformats.org/drawingml/2006/diagram" xmlns:a="http://schemas.openxmlformats.org/drawingml/2006/main" uniqueId="urn:microsoft.com/office/officeart/2005/8/quickstyle/simple1">
+  <dgm:title val=""/>
+  <dgm:desc val=""/>
+  <dgm:catLst>
+    <dgm:cat type="simple" pri="10100"/>
+  </dgm:catLst>
+  <dgm:scene3d>
+    <a:camera prst="orthographicFront"/>
+    <a:lightRig rig="threePt" dir="t"/>
+  </dgm:scene3d>
+  <dgm:styleLbl name="node0">
+    <dgm:scene3d>
+      <a:camera prst="orthographicFront"/>
+      <a:lightRig rig="threePt" dir="t"/>
+    </dgm:scene3d>
+    <dgm:sp3d/>
+    <dgm:txPr/>
+    <dgm:style>
+      <a:lnRef idx="2">
+        <a:scrgbClr r="0" g="0" b="0"/>
+      </a:lnRef>
+      <a:fillRef idx="1">
+        <a:scrgbClr r="0" g="0" b="0"/>
+      </a:fillRef>
+      <a:effectRef idx="0">
+        <a:scrgbClr r="0" g="0" b="0"/>
+      </a:effectRef>
+      <a:fontRef idx="minor">
+        <a:schemeClr val="lt1"/>
+      </a:fontRef>
+    </dgm:style>
+  </dgm:styleLbl>
+  <dgm:styleLbl name="lnNode1">
+    <dgm:scene3d>
+      <a:camera prst="orthographicFront"/>
+      <a:lightRig rig="threePt" dir="t"/>
+    </dgm:scene3d>
+    <dgm:sp3d/>
+    <dgm:txPr/>
+    <dgm:style>
+      <a:lnRef idx="2">
+        <a:scrgbClr r="0" g="0" b="0"/>
+      </a:lnRef>
+      <a:fillRef idx="1">
+        <a:scrgbClr r="0" g="0" b="0"/>
+      </a:fillRef>
+      <a:effectRef idx="0">
+        <a:scrgbClr r="0" g="0" b="0"/>
+      </a:effectRef>
+      <a:fontRef idx="minor">
+        <a:schemeClr val="lt1"/>
+      </a:fontRef>
+    </dgm:style>
+  </dgm:styleLbl>
+  <dgm:styleLbl name="vennNode1">
+    <dgm:scene3d>
+      <a:camera prst="orthographicFront"/>
+      <a:lightRig rig="threePt" dir="t"/>
+    </dgm:scene3d>
+    <dgm:sp3d/>
+    <dgm:txPr/>
+    <dgm:style>
+      <a:lnRef idx="2">
+        <a:scrgbClr r="0" g="0" b="0"/>
+      </a:lnRef>
+      <a:fillRef idx="1">
+        <a:scrgbClr r="0" g="0" b="0"/>
+      </a:fillRef>
+      <a:effectRef idx="0">
+        <a:scrgbClr r="0" g="0" b="0"/>
+      </a:effectRef>
+      <a:fontRef idx="minor">
+        <a:schemeClr val="tx1"/>
+      </a:fontRef>
+    </dgm:style>
+  </dgm:styleLbl>
+  <dgm:styleLbl name="alignNode1">
+    <dgm:scene3d>
+      <a:camera prst="orthographicFront"/>
+      <a:lightRig rig="threePt" dir="t"/>
+    </dgm:scene3d>
+    <dgm:sp3d/>
+    <dgm:txPr/>
+    <dgm:style>
+      <a:lnRef idx="2">
+        <a:scrgbClr r="0" g="0" b="0"/>
+      </a:lnRef>
+      <a:fillRef idx="1">
+        <a:scrgbClr r="0" g="0" b="0"/>
+      </a:fillRef>
+      <a:effectRef idx="0">
+        <a:scrgbClr r="0" g="0" b="0"/>
+      </a:effectRef>
+      <a:fontRef idx="minor">
+        <a:schemeClr val="lt1"/>
+      </a:fontRef>
+    </dgm:style>
+  </dgm:styleLbl>
+  <dgm:styleLbl name="node1">
+    <dgm:scene3d>
+      <a:camera prst="orthographicFront"/>
+      <a:lightRig rig="threePt" dir="t"/>
+    </dgm:scene3d>
+    <dgm:sp3d/>
+    <dgm:txPr/>
+    <dgm:style>
+      <a:lnRef idx="2">
+        <a:scrgbClr r="0" g="0" b="0"/>
+      </a:lnRef>
+      <a:fillRef idx="1">
+        <a:scrgbClr r="0" g="0" b="0"/>
+      </a:fillRef>
+      <a:effectRef idx="0">
+        <a:scrgbClr r="0" g="0" b="0"/>
+      </a:effectRef>
+      <a:fontRef idx="minor">
+        <a:schemeClr val="lt1"/>
+      </a:fontRef>
+    </dgm:style>
+  </dgm:styleLbl>
+  <dgm:styleLbl name="node2">
+    <dgm:scene3d>
+      <a:camera prst="orthographicFront"/>
+      <a:lightRig rig="threePt" dir="t"/>
+    </dgm:scene3d>
+    <dgm:sp3d/>
+    <dgm:txPr/>
+    <dgm:style>
+      <a:lnRef idx="2">
+        <a:scrgbClr r="0" g="0" b="0"/>
+      </a:lnRef>
+      <a:fillRef idx="1">
+        <a:scrgbClr r="0" g="0" b="0"/>
+      </a:fillRef>
+      <a:effectRef idx="0">
+        <a:scrgbClr r="0" g="0" b="0"/>
+      </a:effectRef>
+      <a:fontRef idx="minor">
+        <a:schemeClr val="lt1"/>
+      </a:fontRef>
+    </dgm:style>
+  </dgm:styleLbl>
+  <dgm:styleLbl name="node3">
+    <dgm:scene3d>
+      <a:camera prst="orthographicFront"/>
+      <a:lightRig rig="threePt" dir="t"/>
+    </dgm:scene3d>
+    <dgm:sp3d/>
+    <dgm:txPr/>
+    <dgm:style>
+      <a:lnRef idx="2">
+        <a:scrgbClr r="0" g="0" b="0"/>
+      </a:lnRef>
+      <a:fillRef idx="1">
+        <a:scrgbClr r="0" g="0" b="0"/>
+      </a:fillRef>
+      <a:effectRef idx="0">
+        <a:scrgbClr r="0" g="0" b="0"/>
+      </a:effectRef>
+      <a:fontRef idx="minor">
+        <a:schemeClr val="lt1"/>
+      </a:fontRef>
+    </dgm:style>
+  </dgm:styleLbl>
+  <dgm:styleLbl name="node4">
+    <dgm:scene3d>
+      <a:camera prst="orthographicFront"/>
+      <a:lightRig rig="threePt" dir="t"/>
+    </dgm:scene3d>
+    <dgm:sp3d/>
+    <dgm:txPr/>
+    <dgm:style>
+      <a:lnRef idx="2">
+        <a:scrgbClr r="0" g="0" b="0"/>
+      </a:lnRef>
+      <a:fillRef idx="1">
+        <a:scrgbClr r="0" g="0" b="0"/>
+      </a:fillRef>
+      <a:effectRef idx="0">
+        <a:scrgbClr r="0" g="0" b="0"/>
+      </a:effectRef>
+      <a:fontRef idx="minor">
+        <a:schemeClr val="lt1"/>
+      </a:fontRef>
+    </dgm:style>
+  </dgm:styleLbl>
+  <dgm:styleLbl name="fgImgPlace1">
+    <dgm:scene3d>
+      <a:camera prst="orthographicFront"/>
+      <a:lightRig rig="threePt" dir="t"/>
+    </dgm:scene3d>
+    <dgm:sp3d/>
+    <dgm:txPr/>
+    <dgm:style>
+      <a:lnRef idx="2">
+        <a:scrgbClr r="0" g="0" b="0"/>
+      </a:lnRef>
+      <a:fillRef idx="1">
+        <a:scrgbClr r="0" g="0" b="0"/>
+      </a:fillRef>
+      <a:effectRef idx="0">
+        <a:scrgbClr r="0" g="0" b="0"/>
+      </a:effectRef>
+      <a:fontRef idx="minor"/>
+    </dgm:style>
+  </dgm:styleLbl>
+  <dgm:styleLbl name="alignImgPlace1">
+    <dgm:scene3d>
+      <a:camera prst="orthographicFront"/>
+      <a:lightRig rig="threePt" dir="t"/>
+    </dgm:scene3d>
+    <dgm:sp3d/>
+    <dgm:txPr/>
+    <dgm:style>
+      <a:lnRef idx="2">
+        <a:scrgbClr r="0" g="0" b="0"/>
+      </a:lnRef>
+      <a:fillRef idx="1">
+        <a:scrgbClr r="0" g="0" b="0"/>
+      </a:fillRef>
+      <a:effectRef idx="0">
+        <a:scrgbClr r="0" g="0" b="0"/>
+      </a:effectRef>
+      <a:fontRef idx="minor"/>
+    </dgm:style>
+  </dgm:styleLbl>
+  <dgm:styleLbl name="bgImgPlace1">
+    <dgm:scene3d>
+      <a:camera prst="orthographicFront"/>
+      <a:lightRig rig="threePt" dir="t"/>
+    </dgm:scene3d>
+    <dgm:sp3d/>
+    <dgm:txPr/>
+    <dgm:style>
+      <a:lnRef idx="2">
+        <a:scrgbClr r="0" g="0" b="0"/>
+      </a:lnRef>
+      <a:fillRef idx="1">
+        <a:scrgbClr r="0" g="0" b="0"/>
+      </a:fillRef>
+      <a:effectRef idx="0">
+        <a:scrgbClr r="0" g="0" b="0"/>
+      </a:effectRef>
+      <a:fontRef idx="minor"/>
+    </dgm:style>
+  </dgm:styleLbl>
+  <dgm:styleLbl name="sibTrans2D1">
+    <dgm:scene3d>
+      <a:camera prst="orthographicFront"/>
+      <a:lightRig rig="threePt" dir="t"/>
+    </dgm:scene3d>
+    <dgm:sp3d/>
+    <dgm:txPr/>
+    <dgm:style>
+      <a:lnRef idx="0">
+        <a:scrgbClr r="0" g="0" b="0"/>
+      </a:lnRef>
+      <a:fillRef idx="1">
+        <a:scrgbClr r="0" g="0" b="0"/>
+      </a:fillRef>
+      <a:effectRef idx="0">
+        <a:scrgbClr r="0" g="0" b="0"/>
+      </a:effectRef>
+      <a:fontRef idx="minor">
+        <a:schemeClr val="lt1"/>
+      </a:fontRef>
+    </dgm:style>
+  </dgm:styleLbl>
+  <dgm:styleLbl name="fgSibTrans2D1">
+    <dgm:scene3d>
+      <a:camera prst="orthographicFront"/>
+      <a:lightRig rig="threePt" dir="t"/>
+    </dgm:scene3d>
+    <dgm:sp3d/>
+    <dgm:txPr/>
+    <dgm:style>
+      <a:lnRef idx="0">
+        <a:scrgbClr r="0" g="0" b="0"/>
+      </a:lnRef>
+      <a:fillRef idx="1">
+        <a:scrgbClr r="0" g="0" b="0"/>
+      </a:fillRef>
+      <a:effectRef idx="0">
+        <a:scrgbClr r="0" g="0" b="0"/>
+      </a:effectRef>
+      <a:fontRef idx="minor">
+        <a:schemeClr val="lt1"/>
+      </a:fontRef>
+    </dgm:style>
+  </dgm:styleLbl>
+  <dgm:styleLbl name="bgSibTrans2D1">
+    <dgm:scene3d>
+      <a:camera prst="orthographicFront"/>
+      <a:lightRig rig="threePt" dir="t"/>
+    </dgm:scene3d>
+    <dgm:sp3d/>
+    <dgm:txPr/>
+    <dgm:style>
+      <a:lnRef idx="0">
+        <a:scrgbClr r="0" g="0" b="0"/>
+      </a:lnRef>
+      <a:fillRef idx="1">
+        <a:scrgbClr r="0" g="0" b="0"/>
+      </a:fillRef>
+      <a:effectRef idx="0">
+        <a:scrgbClr r="0" g="0" b="0"/>
+      </a:effectRef>
+      <a:fontRef idx="minor">
+        <a:schemeClr val="lt1"/>
+      </a:fontRef>
+    </dgm:style>
+  </dgm:styleLbl>
+  <dgm:styleLbl name="sibTrans1D1">
+    <dgm:scene3d>
+      <a:camera prst="orthographicFront"/>
+      <a:lightRig rig="threePt" dir="t"/>
+    </dgm:scene3d>
+    <dgm:sp3d/>
+    <dgm:txPr/>
+    <dgm:style>
+      <a:lnRef idx="1">
+        <a:scrgbClr r="0" g="0" b="0"/>
+      </a:lnRef>
+      <a:fillRef idx="0">
+        <a:scrgbClr r="0" g="0" b="0"/>
+      </a:fillRef>
+      <a:effectRef idx="0">
+        <a:scrgbClr r="0" g="0" b="0"/>
+      </a:effectRef>
+      <a:fontRef idx="minor"/>
+    </dgm:style>
+  </dgm:styleLbl>
+  <dgm:styleLbl name="callout">
+    <dgm:scene3d>
+      <a:camera prst="orthographicFront"/>
+      <a:lightRig rig="threePt" dir="t"/>
+    </dgm:scene3d>
+    <dgm:sp3d/>
+    <dgm:txPr/>
+    <dgm:style>
+      <a:lnRef idx="2">
+        <a:scrgbClr r="0" g="0" b="0"/>
+      </a:lnRef>
+      <a:fillRef idx="1">
+        <a:scrgbClr r="0" g="0" b="0"/>
+      </a:fillRef>
+      <a:effectRef idx="0">
+        <a:scrgbClr r="0" g="0" b="0"/>
+      </a:effectRef>
+      <a:fontRef idx="minor"/>
+    </dgm:style>
+  </dgm:styleLbl>
+  <dgm:styleLbl name="asst0">
+    <dgm:scene3d>
+      <a:camera prst="orthographicFront"/>
+      <a:lightRig rig="threePt" dir="t"/>
+    </dgm:scene3d>
+    <dgm:sp3d/>
+    <dgm:txPr/>
+    <dgm:style>
+      <a:lnRef idx="2">
+        <a:scrgbClr r="0" g="0" b="0"/>
+      </a:lnRef>
+      <a:fillRef idx="1">
+        <a:scrgbClr r="0" g="0" b="0"/>
+      </a:fillRef>
+      <a:effectRef idx="0">
+        <a:scrgbClr r="0" g="0" b="0"/>
+      </a:effectRef>
+      <a:fontRef idx="minor">
+        <a:schemeClr val="lt1"/>
+      </a:fontRef>
+    </dgm:style>
+  </dgm:styleLbl>
+  <dgm:styleLbl name="asst1">
+    <dgm:scene3d>
+      <a:camera prst="orthographicFront"/>
+      <a:lightRig rig="threePt" dir="t"/>
+    </dgm:scene3d>
+    <dgm:sp3d/>
+    <dgm:txPr/>
+    <dgm:style>
+      <a:lnRef idx="2">
+        <a:scrgbClr r="0" g="0" b="0"/>
+      </a:lnRef>
+      <a:fillRef idx="1">
+        <a:scrgbClr r="0" g="0" b="0"/>
+      </a:fillRef>
+      <a:effectRef idx="0">
+        <a:scrgbClr r="0" g="0" b="0"/>
+      </a:effectRef>
+      <a:fontRef idx="minor">
+        <a:schemeClr val="lt1"/>
+      </a:fontRef>
+    </dgm:style>
+  </dgm:styleLbl>
+  <dgm:styleLbl name="asst2">
+    <dgm:scene3d>
+      <a:camera prst="orthographicFront"/>
+      <a:lightRig rig="threePt" dir="t"/>
+    </dgm:scene3d>
+    <dgm:sp3d/>
+    <dgm:txPr/>
+    <dgm:style>
+      <a:lnRef idx="2">
+        <a:scrgbClr r="0" g="0" b="0"/>
+      </a:lnRef>
+      <a:fillRef idx="1">
+        <a:scrgbClr r="0" g="0" b="0"/>
+      </a:fillRef>
+      <a:effectRef idx="0">
+        <a:scrgbClr r="0" g="0" b="0"/>
+      </a:effectRef>
+      <a:fontRef idx="minor">
+        <a:schemeClr val="lt1"/>
+      </a:fontRef>
+    </dgm:style>
+  </dgm:styleLbl>
+  <dgm:styleLbl name="asst3">
+    <dgm:scene3d>
+      <a:camera prst="orthographicFront"/>
+      <a:lightRig rig="threePt" dir="t"/>
+    </dgm:scene3d>
+    <dgm:sp3d/>
+    <dgm:txPr/>
+    <dgm:style>
+      <a:lnRef idx="2">
+        <a:scrgbClr r="0" g="0" b="0"/>
+      </a:lnRef>
+      <a:fillRef idx="1">
+        <a:scrgbClr r="0" g="0" b="0"/>
+      </a:fillRef>
+      <a:effectRef idx="0">
+        <a:scrgbClr r="0" g="0" b="0"/>
+      </a:effectRef>
+      <a:fontRef idx="minor">
+        <a:schemeClr val="lt1"/>
+      </a:fontRef>
+    </dgm:style>
+  </dgm:styleLbl>
+  <dgm:styleLbl name="asst4">
+    <dgm:scene3d>
+      <a:camera prst="orthographicFront"/>
+      <a:lightRig rig="threePt" dir="t"/>
+    </dgm:scene3d>
+    <dgm:sp3d/>
+    <dgm:txPr/>
+    <dgm:style>
+      <a:lnRef idx="2">
+        <a:scrgbClr r="0" g="0" b="0"/>
+      </a:lnRef>
+      <a:fillRef idx="1">
+        <a:scrgbClr r="0" g="0" b="0"/>
+      </a:fillRef>
+      <a:effectRef idx="0">
+        <a:scrgbClr r="0" g="0" b="0"/>
+      </a:effectRef>
+      <a:fontRef idx="minor">
+        <a:schemeClr val="lt1"/>
+      </a:fontRef>
+    </dgm:style>
+  </dgm:styleLbl>
+  <dgm:styleLbl name="parChTrans2D1">
+    <dgm:scene3d>
+      <a:camera prst="orthographicFront"/>
+      <a:lightRig rig="threePt" dir="t"/>
+    </dgm:scene3d>
+    <dgm:sp3d/>
+    <dgm:txPr/>
+    <dgm:style>
+      <a:lnRef idx="2">
+        <a:scrgbClr r="0" g="0" b="0"/>
+      </a:lnRef>
+      <a:fillRef idx="1">
+        <a:scrgbClr r="0" g="0" b="0"/>
+      </a:fillRef>
+      <a:effectRef idx="0">
+        <a:scrgbClr r="0" g="0" b="0"/>
+      </a:effectRef>
+      <a:fontRef idx="minor">
+        <a:schemeClr val="lt1"/>
+      </a:fontRef>
+    </dgm:style>
+  </dgm:styleLbl>
+  <dgm:styleLbl name="parChTrans2D2">
+    <dgm:scene3d>
+      <a:camera prst="orthographicFront"/>
+      <a:lightRig rig="threePt" dir="t"/>
+    </dgm:scene3d>
+    <dgm:sp3d/>
+    <dgm:txPr/>
+    <dgm:style>
+      <a:lnRef idx="2">
+        <a:scrgbClr r="0" g="0" b="0"/>
+      </a:lnRef>
+      <a:fillRef idx="1">
+        <a:scrgbClr r="0" g="0" b="0"/>
+      </a:fillRef>
+      <a:effectRef idx="0">
+        <a:scrgbClr r="0" g="0" b="0"/>
+      </a:effectRef>
+      <a:fontRef idx="minor">
+        <a:schemeClr val="lt1"/>
+      </a:fontRef>
+    </dgm:style>
+  </dgm:styleLbl>
+  <dgm:styleLbl name="parChTrans2D3">
+    <dgm:scene3d>
+      <a:camera prst="orthographicFront"/>
+      <a:lightRig rig="threePt" dir="t"/>
+    </dgm:scene3d>
+    <dgm:sp3d/>
+    <dgm:txPr/>
+    <dgm:style>
+      <a:lnRef idx="2">
+        <a:scrgbClr r="0" g="0" b="0"/>
+      </a:lnRef>
+      <a:fillRef idx="1">
+        <a:scrgbClr r="0" g="0" b="0"/>
+      </a:fillRef>
+      <a:effectRef idx="0">
+        <a:scrgbClr r="0" g="0" b="0"/>
+      </a:effectRef>
+      <a:fontRef idx="minor">
+        <a:schemeClr val="lt1"/>
+      </a:fontRef>
+    </dgm:style>
+  </dgm:styleLbl>
+  <dgm:styleLbl name="parChTrans2D4">
+    <dgm:scene3d>
+      <a:camera prst="orthographicFront"/>
+      <a:lightRig rig="threePt" dir="t"/>
+    </dgm:scene3d>
+    <dgm:sp3d/>
+    <dgm:txPr/>
+    <dgm:style>
+      <a:lnRef idx="2">
+        <a:scrgbClr r="0" g="0" b="0"/>
+      </a:lnRef>
+      <a:fillRef idx="1">
+        <a:scrgbClr r="0" g="0" b="0"/>
+      </a:fillRef>
+      <a:effectRef idx="0">
+        <a:scrgbClr r="0" g="0" b="0"/>
+      </a:effectRef>
+      <a:fontRef idx="minor">
+        <a:schemeClr val="lt1"/>
+      </a:fontRef>
+    </dgm:style>
+  </dgm:styleLbl>
+  <dgm:styleLbl name="parChTrans1D1">
+    <dgm:scene3d>
+      <a:camera prst="orthographicFront"/>
+      <a:lightRig rig="threePt" dir="t"/>
+    </dgm:scene3d>
+    <dgm:sp3d/>
+    <dgm:txPr/>
+    <dgm:style>
+      <a:lnRef idx="2">
+        <a:scrgbClr r="0" g="0" b="0"/>
+      </a:lnRef>
+      <a:fillRef idx="0">
+        <a:scrgbClr r="0" g="0" b="0"/>
+      </a:fillRef>
+      <a:effectRef idx="0">
+        <a:scrgbClr r="0" g="0" b="0"/>
+      </a:effectRef>
+      <a:fontRef idx="minor"/>
+    </dgm:style>
+  </dgm:styleLbl>
+  <dgm:styleLbl name="parChTrans1D2">
+    <dgm:scene3d>
+      <a:camera prst="orthographicFront"/>
+      <a:lightRig rig="threePt" dir="t"/>
+    </dgm:scene3d>
+    <dgm:sp3d/>
+    <dgm:txPr/>
+    <dgm:style>
+      <a:lnRef idx="2">
+        <a:scrgbClr r="0" g="0" b="0"/>
+      </a:lnRef>
+      <a:fillRef idx="0">
+        <a:scrgbClr r="0" g="0" b="0"/>
+      </a:fillRef>
+      <a:effectRef idx="0">
+        <a:scrgbClr r="0" g="0" b="0"/>
+      </a:effectRef>
+      <a:fontRef idx="minor"/>
+    </dgm:style>
+  </dgm:styleLbl>
+  <dgm:styleLbl name="parChTrans1D3">
+    <dgm:scene3d>
+      <a:camera prst="orthographicFront"/>
+      <a:lightRig rig="threePt" dir="t"/>
+    </dgm:scene3d>
+    <dgm:sp3d/>
+    <dgm:txPr/>
+    <dgm:style>
+      <a:lnRef idx="2">
+        <a:scrgbClr r="0" g="0" b="0"/>
+      </a:lnRef>
+      <a:fillRef idx="0">
+        <a:scrgbClr r="0" g="0" b="0"/>
+      </a:fillRef>
+      <a:effectRef idx="0">
+        <a:scrgbClr r="0" g="0" b="0"/>
+      </a:effectRef>
+      <a:fontRef idx="minor"/>
+    </dgm:style>
+  </dgm:styleLbl>
+  <dgm:styleLbl name="parChTrans1D4">
+    <dgm:scene3d>
+      <a:camera prst="orthographicFront"/>
+      <a:lightRig rig="threePt" dir="t"/>
+    </dgm:scene3d>
+    <dgm:sp3d/>
+    <dgm:txPr/>
+    <dgm:style>
+      <a:lnRef idx="2">
+        <a:scrgbClr r="0" g="0" b="0"/>
+      </a:lnRef>
+      <a:fillRef idx="0">
+        <a:scrgbClr r="0" g="0" b="0"/>
+      </a:fillRef>
+      <a:effectRef idx="0">
+        <a:scrgbClr r="0" g="0" b="0"/>
+      </a:effectRef>
+      <a:fontRef idx="minor"/>
+    </dgm:style>
+  </dgm:styleLbl>
+  <dgm:styleLbl name="fgAcc1">
+    <dgm:scene3d>
+      <a:camera prst="orthographicFront"/>
+      <a:lightRig rig="threePt" dir="t"/>
+    </dgm:scene3d>
+    <dgm:sp3d/>
+    <dgm:txPr/>
+    <dgm:style>
+      <a:lnRef idx="2">
+        <a:scrgbClr r="0" g="0" b="0"/>
+      </a:lnRef>
+      <a:fillRef idx="1">
+        <a:scrgbClr r="0" g="0" b="0"/>
+      </a:fillRef>
+      <a:effectRef idx="0">
+        <a:scrgbClr r="0" g="0" b="0"/>
+      </a:effectRef>
+      <a:fontRef idx="minor"/>
+    </dgm:style>
+  </dgm:styleLbl>
+  <dgm:styleLbl name="conFgAcc1">
+    <dgm:scene3d>
+      <a:camera prst="orthographicFront"/>
+      <a:lightRig rig="threePt" dir="t"/>
+    </dgm:scene3d>
+    <dgm:sp3d/>
+    <dgm:txPr/>
+    <dgm:style>
+      <a:lnRef idx="2">
+        <a:scrgbClr r="0" g="0" b="0"/>
+      </a:lnRef>
+      <a:fillRef idx="1">
+        <a:scrgbClr r="0" g="0" b="0"/>
+      </a:fillRef>
+      <a:effectRef idx="0">
+        <a:scrgbClr r="0" g="0" b="0"/>
+      </a:effectRef>
+      <a:fontRef idx="minor"/>
+    </dgm:style>
+  </dgm:styleLbl>
+  <dgm:styleLbl name="alignAcc1">
+    <dgm:scene3d>
+      <a:camera prst="orthographicFront"/>
+      <a:lightRig rig="threePt" dir="t"/>
+    </dgm:scene3d>
+    <dgm:sp3d/>
+    <dgm:txPr/>
+    <dgm:style>
+      <a:lnRef idx="2">
+        <a:scrgbClr r="0" g="0" b="0"/>
+      </a:lnRef>
+      <a:fillRef idx="1">
+        <a:scrgbClr r="0" g="0" b="0"/>
+      </a:fillRef>
+      <a:effectRef idx="0">
+        <a:scrgbClr r="0" g="0" b="0"/>
+      </a:effectRef>
+      <a:fontRef idx="minor"/>
+    </dgm:style>
+  </dgm:styleLbl>
+  <dgm:styleLbl name="trAlignAcc1">
+    <dgm:scene3d>
+      <a:camera prst="orthographicFront"/>
+      <a:lightRig rig="threePt" dir="t"/>
+    </dgm:scene3d>
+    <dgm:sp3d/>
+    <dgm:txPr/>
+    <dgm:style>
+      <a:lnRef idx="1">
+        <a:scrgbClr r="0" g="0" b="0"/>
+      </a:lnRef>
+      <a:fillRef idx="1">
+        <a:scrgbClr r="0" g="0" b="0"/>
+      </a:fillRef>
+      <a:effectRef idx="0">
+        <a:scrgbClr r="0" g="0" b="0"/>
+      </a:effectRef>
+      <a:fontRef idx="minor"/>
+    </dgm:style>
+  </dgm:styleLbl>
+  <dgm:styleLbl name="bgAcc1">
+    <dgm:scene3d>
+      <a:camera prst="orthographicFront"/>
+      <a:lightRig rig="threePt" dir="t"/>
+    </dgm:scene3d>
+    <dgm:sp3d/>
+    <dgm:txPr/>
+    <dgm:style>
+      <a:lnRef idx="2">
+        <a:scrgbClr r="0" g="0" b="0"/>
+      </a:lnRef>
+      <a:fillRef idx="1">
+        <a:scrgbClr r="0" g="0" b="0"/>
+      </a:fillRef>
+      <a:effectRef idx="0">
+        <a:scrgbClr r="0" g="0" b="0"/>
+      </a:effectRef>
+      <a:fontRef idx="minor"/>
+    </dgm:style>
+  </dgm:styleLbl>
+  <dgm:styleLbl name="solidFgAcc1">
+    <dgm:scene3d>
+      <a:camera prst="orthographicFront"/>
+      <a:lightRig rig="threePt" dir="t"/>
+    </dgm:scene3d>
+    <dgm:sp3d/>
+    <dgm:txPr/>
+    <dgm:style>
+      <a:lnRef idx="2">
+        <a:scrgbClr r="0" g="0" b="0"/>
+      </a:lnRef>
+      <a:fillRef idx="1">
+        <a:scrgbClr r="0" g="0" b="0"/>
+      </a:fillRef>
+      <a:effectRef idx="0">
+        <a:scrgbClr r="0" g="0" b="0"/>
+      </a:effectRef>
+      <a:fontRef idx="minor"/>
+    </dgm:style>
+  </dgm:styleLbl>
+  <dgm:styleLbl name="solidAlignAcc1">
+    <dgm:scene3d>
+      <a:camera prst="orthographicFront"/>
+      <a:lightRig rig="threePt" dir="t"/>
+    </dgm:scene3d>
+    <dgm:sp3d/>
+    <dgm:txPr/>
+    <dgm:style>
+      <a:lnRef idx="2">
+        <a:scrgbClr r="0" g="0" b="0"/>
+      </a:lnRef>
+      <a:fillRef idx="1">
+        <a:scrgbClr r="0" g="0" b="0"/>
+      </a:fillRef>
+      <a:effectRef idx="0">
+        <a:scrgbClr r="0" g="0" b="0"/>
+      </a:effectRef>
+      <a:fontRef idx="minor"/>
+    </dgm:style>
+  </dgm:styleLbl>
+  <dgm:styleLbl name="solidBgAcc1">
+    <dgm:scene3d>
+      <a:camera prst="orthographicFront"/>
+      <a:lightRig rig="threePt" dir="t"/>
+    </dgm:scene3d>
+    <dgm:sp3d/>
+    <dgm:txPr/>
+    <dgm:style>
+      <a:lnRef idx="2">
+        <a:scrgbClr r="0" g="0" b="0"/>
+      </a:lnRef>
+      <a:fillRef idx="1">
+        <a:scrgbClr r="0" g="0" b="0"/>
+      </a:fillRef>
+      <a:effectRef idx="0">
+        <a:scrgbClr r="0" g="0" b="0"/>
+      </a:effectRef>
+      <a:fontRef idx="minor"/>
+    </dgm:style>
+  </dgm:styleLbl>
+  <dgm:styleLbl name="fgAccFollowNode1">
+    <dgm:scene3d>
+      <a:camera prst="orthographicFront"/>
+      <a:lightRig rig="threePt" dir="t"/>
+    </dgm:scene3d>
+    <dgm:sp3d/>
+    <dgm:txPr/>
+    <dgm:style>
+      <a:lnRef idx="2">
+        <a:scrgbClr r="0" g="0" b="0"/>
+      </a:lnRef>
+      <a:fillRef idx="1">
+        <a:scrgbClr r="0" g="0" b="0"/>
+      </a:fillRef>
+      <a:effectRef idx="0">
+        <a:scrgbClr r="0" g="0" b="0"/>
+      </a:effectRef>
+      <a:fontRef idx="minor"/>
+    </dgm:style>
+  </dgm:styleLbl>
+  <dgm:styleLbl name="alignAccFollowNode1">
+    <dgm:scene3d>
+      <a:camera prst="orthographicFront"/>
+      <a:lightRig rig="threePt" dir="t"/>
+    </dgm:scene3d>
+    <dgm:sp3d/>
+    <dgm:txPr/>
+    <dgm:style>
+      <a:lnRef idx="2">
+        <a:scrgbClr r="0" g="0" b="0"/>
+      </a:lnRef>
+      <a:fillRef idx="1">
+        <a:scrgbClr r="0" g="0" b="0"/>
+      </a:fillRef>
+      <a:effectRef idx="0">
+        <a:scrgbClr r="0" g="0" b="0"/>
+      </a:effectRef>
+      <a:fontRef idx="minor"/>
+    </dgm:style>
+  </dgm:styleLbl>
+  <dgm:styleLbl name="bgAccFollowNode1">
+    <dgm:scene3d>
+      <a:camera prst="orthographicFront"/>
+      <a:lightRig rig="threePt" dir="t"/>
+    </dgm:scene3d>
+    <dgm:sp3d/>
+    <dgm:txPr/>
+    <dgm:style>
+      <a:lnRef idx="2">
+        <a:scrgbClr r="0" g="0" b="0"/>
+      </a:lnRef>
+      <a:fillRef idx="1">
+        <a:scrgbClr r="0" g="0" b="0"/>
+      </a:fillRef>
+      <a:effectRef idx="0">
+        <a:scrgbClr r="0" g="0" b="0"/>
+      </a:effectRef>
+      <a:fontRef idx="minor"/>
+    </dgm:style>
+  </dgm:styleLbl>
+  <dgm:styleLbl name="fgAcc0">
+    <dgm:scene3d>
+      <a:camera prst="orthographicFront"/>
+      <a:lightRig rig="threePt" dir="t"/>
+    </dgm:scene3d>
+    <dgm:sp3d/>
+    <dgm:txPr/>
+    <dgm:style>
+      <a:lnRef idx="2">
+        <a:scrgbClr r="0" g="0" b="0"/>
+      </a:lnRef>
+      <a:fillRef idx="1">
+        <a:scrgbClr r="0" g="0" b="0"/>
+      </a:fillRef>
+      <a:effectRef idx="0">
+        <a:scrgbClr r="0" g="0" b="0"/>
+      </a:effectRef>
+      <a:fontRef idx="minor"/>
+    </dgm:style>
+  </dgm:styleLbl>
+  <dgm:styleLbl name="fgAcc2">
+    <dgm:scene3d>
+      <a:camera prst="orthographicFront"/>
+      <a:lightRig rig="threePt" dir="t"/>
+    </dgm:scene3d>
+    <dgm:sp3d/>
+    <dgm:txPr/>
+    <dgm:style>
+      <a:lnRef idx="2">
+        <a:scrgbClr r="0" g="0" b="0"/>
+      </a:lnRef>
+      <a:fillRef idx="1">
+        <a:scrgbClr r="0" g="0" b="0"/>
+      </a:fillRef>
+      <a:effectRef idx="0">
+        <a:scrgbClr r="0" g="0" b="0"/>
+      </a:effectRef>
+      <a:fontRef idx="minor"/>
+    </dgm:style>
+  </dgm:styleLbl>
+  <dgm:styleLbl name="fgAcc3">
+    <dgm:scene3d>
+      <a:camera prst="orthographicFront"/>
+      <a:lightRig rig="threePt" dir="t"/>
+    </dgm:scene3d>
+    <dgm:sp3d/>
+    <dgm:txPr/>
+    <dgm:style>
+      <a:lnRef idx="2">
+        <a:scrgbClr r="0" g="0" b="0"/>
+      </a:lnRef>
+      <a:fillRef idx="1">
+        <a:scrgbClr r="0" g="0" b="0"/>
+      </a:fillRef>
+      <a:effectRef idx="0">
+        <a:scrgbClr r="0" g="0" b="0"/>
+      </a:effectRef>
+      <a:fontRef idx="minor"/>
+    </dgm:style>
+  </dgm:styleLbl>
+  <dgm:styleLbl name="fgAcc4">
+    <dgm:scene3d>
+      <a:camera prst="orthographicFront"/>
+      <a:lightRig rig="threePt" dir="t"/>
+    </dgm:scene3d>
+    <dgm:sp3d/>
+    <dgm:txPr/>
+    <dgm:style>
+      <a:lnRef idx="2">
+        <a:scrgbClr r="0" g="0" b="0"/>
+      </a:lnRef>
+      <a:fillRef idx="1">
+        <a:scrgbClr r="0" g="0" b="0"/>
+      </a:fillRef>
+      <a:effectRef idx="0">
+        <a:scrgbClr r="0" g="0" b="0"/>
+      </a:effectRef>
+      <a:fontRef idx="minor"/>
+    </dgm:style>
+  </dgm:styleLbl>
+  <dgm:styleLbl name="bgShp">
+    <dgm:scene3d>
+      <a:camera prst="orthographicFront"/>
+      <a:lightRig rig="threePt" dir="t"/>
+    </dgm:scene3d>
+    <dgm:sp3d/>
+    <dgm:txPr/>
+    <dgm:style>
+      <a:lnRef idx="0">
+        <a:scrgbClr r="0" g="0" b="0"/>
+      </a:lnRef>
+      <a:fillRef idx="1">
+        <a:scrgbClr r="0" g="0" b="0"/>
+      </a:fillRef>
+      <a:effectRef idx="0">
+        <a:scrgbClr r="0" g="0" b="0"/>
+      </a:effectRef>
+      <a:fontRef idx="minor"/>
+    </dgm:style>
+  </dgm:styleLbl>
+  <dgm:styleLbl name="dkBgShp">
+    <dgm:scene3d>
+      <a:camera prst="orthographicFront"/>
+      <a:lightRig rig="threePt" dir="t"/>
+    </dgm:scene3d>
+    <dgm:sp3d/>
+    <dgm:txPr/>
+    <dgm:style>
+      <a:lnRef idx="0">
+        <a:scrgbClr r="0" g="0" b="0"/>
+      </a:lnRef>
+      <a:fillRef idx="1">
+        <a:scrgbClr r="0" g="0" b="0"/>
+      </a:fillRef>
+      <a:effectRef idx="0">
+        <a:scrgbClr r="0" g="0" b="0"/>
+      </a:effectRef>
+      <a:fontRef idx="minor"/>
+    </dgm:style>
+  </dgm:styleLbl>
+  <dgm:styleLbl name="trBgShp">
+    <dgm:scene3d>
+      <a:camera prst="orthographicFront"/>
+      <a:lightRig rig="threePt" dir="t"/>
+    </dgm:scene3d>
+    <dgm:sp3d/>
+    <dgm:txPr/>
+    <dgm:style>
+      <a:lnRef idx="0">
+        <a:scrgbClr r="0" g="0" b="0"/>
+      </a:lnRef>
+      <a:fillRef idx="1">
+        <a:scrgbClr r="0" g="0" b="0"/>
+      </a:fillRef>
+      <a:effectRef idx="0">
+        <a:scrgbClr r="0" g="0" b="0"/>
+      </a:effectRef>
+      <a:fontRef idx="minor"/>
+    </dgm:style>
+  </dgm:styleLbl>
+  <dgm:styleLbl name="fgShp">
+    <dgm:scene3d>
+      <a:camera prst="orthographicFront"/>
+      <a:lightRig rig="threePt" dir="t"/>
+    </dgm:scene3d>
+    <dgm:sp3d/>
+    <dgm:txPr/>
+    <dgm:style>
+      <a:lnRef idx="2">
+        <a:scrgbClr r="0" g="0" b="0"/>
+      </a:lnRef>
+      <a:fillRef idx="1">
+        <a:scrgbClr r="0" g="0" b="0"/>
+      </a:fillRef>
+      <a:effectRef idx="0">
+        <a:scrgbClr r="0" g="0" b="0"/>
+      </a:effectRef>
+      <a:fontRef idx="minor"/>
+    </dgm:style>
+  </dgm:styleLbl>
+  <dgm:styleLbl name="revTx">
+    <dgm:scene3d>
+      <a:camera prst="orthographicFront"/>
+      <a:lightRig rig="threePt" dir="t"/>
+    </dgm:scene3d>
+    <dgm:sp3d/>
+    <dgm:txPr/>
+    <dgm:style>
+      <a:lnRef idx="0">
+        <a:scrgbClr r="0" g="0" b="0"/>
+      </a:lnRef>
+      <a:fillRef idx="0">
+        <a:scrgbClr r="0" g="0" b="0"/>
+      </a:fillRef>
+      <a:effectRef idx="0">
+        <a:scrgbClr r="0" g="0" b="0"/>
+      </a:effectRef>
+      <a:fontRef idx="minor"/>
+    </dgm:style>
+  </dgm:styleLbl>
+</dgm:styleDef>
 </file>
 
 <file path=ppt/slideLayouts/slideLayout1.xml><?xml version="1.0" encoding="utf-8"?>
@@ -594,7 +3133,7 @@
             </a:ln>
             <a:extLst>
               <a:ext uri="{91240B29-F687-4f45-9708-019B960494DF}">
-                <a14:hiddenLine xmlns:a14="http://schemas.microsoft.com/office/drawing/2010/main" xmlns="" w="9525">
+                <a14:hiddenLine xmlns="" xmlns:a14="http://schemas.microsoft.com/office/drawing/2010/main" w="9525">
                   <a:solidFill>
                     <a:srgbClr val="000000"/>
                   </a:solidFill>
@@ -1675,7 +4214,7 @@
             </a:ln>
             <a:extLst>
               <a:ext uri="{91240B29-F687-4f45-9708-019B960494DF}">
-                <a14:hiddenLine xmlns:a14="http://schemas.microsoft.com/office/drawing/2010/main" xmlns="" w="9525">
+                <a14:hiddenLine xmlns="" xmlns:a14="http://schemas.microsoft.com/office/drawing/2010/main" w="9525">
                   <a:solidFill>
                     <a:srgbClr val="000000"/>
                   </a:solidFill>
@@ -2761,7 +5300,7 @@
             </a:ln>
             <a:extLst>
               <a:ext uri="{91240B29-F687-4f45-9708-019B960494DF}">
-                <a14:hiddenLine xmlns:a14="http://schemas.microsoft.com/office/drawing/2010/main" xmlns="" w="9525">
+                <a14:hiddenLine xmlns="" xmlns:a14="http://schemas.microsoft.com/office/drawing/2010/main" w="9525">
                   <a:solidFill>
                     <a:srgbClr val="000000"/>
                   </a:solidFill>
@@ -3722,7 +6261,7 @@
             </a:ln>
             <a:extLst>
               <a:ext uri="{91240B29-F687-4f45-9708-019B960494DF}">
-                <a14:hiddenLine xmlns:a14="http://schemas.microsoft.com/office/drawing/2010/main" xmlns="" w="9525">
+                <a14:hiddenLine xmlns="" xmlns:a14="http://schemas.microsoft.com/office/drawing/2010/main" w="9525">
                   <a:solidFill>
                     <a:srgbClr val="000000"/>
                   </a:solidFill>
@@ -4837,7 +7376,7 @@
             </a:ln>
             <a:extLst>
               <a:ext uri="{91240B29-F687-4f45-9708-019B960494DF}">
-                <a14:hiddenLine xmlns:a14="http://schemas.microsoft.com/office/drawing/2010/main" xmlns="" w="9525">
+                <a14:hiddenLine xmlns="" xmlns:a14="http://schemas.microsoft.com/office/drawing/2010/main" w="9525">
                   <a:solidFill>
                     <a:srgbClr val="000000"/>
                   </a:solidFill>
@@ -7586,7 +10125,7 @@
           </a:ln>
           <a:extLst>
             <a:ext uri="{91240B29-F687-4f45-9708-019B960494DF}">
-              <a14:hiddenLine xmlns:a14="http://schemas.microsoft.com/office/drawing/2010/main" xmlns="" w="9525">
+              <a14:hiddenLine xmlns="" xmlns:a14="http://schemas.microsoft.com/office/drawing/2010/main" w="9525">
                 <a:solidFill>
                   <a:srgbClr val="000000"/>
                 </a:solidFill>
@@ -8761,7 +11300,7 @@
             </a:ln>
             <a:extLst>
               <a:ext uri="{91240B29-F687-4f45-9708-019B960494DF}">
-                <a14:hiddenLine xmlns:a14="http://schemas.microsoft.com/office/drawing/2010/main" xmlns="" w="9525">
+                <a14:hiddenLine xmlns="" xmlns:a14="http://schemas.microsoft.com/office/drawing/2010/main" w="9525">
                   <a:solidFill>
                     <a:srgbClr val="000000"/>
                   </a:solidFill>
@@ -10729,7 +13268,7 @@
             </a:ln>
             <a:extLst>
               <a:ext uri="{91240B29-F687-4f45-9708-019B960494DF}">
-                <a14:hiddenLine xmlns:a14="http://schemas.microsoft.com/office/drawing/2010/main" xmlns="" w="9525">
+                <a14:hiddenLine xmlns="" xmlns:a14="http://schemas.microsoft.com/office/drawing/2010/main" w="9525">
                   <a:solidFill>
                     <a:srgbClr val="000000"/>
                   </a:solidFill>
@@ -11787,7 +14326,7 @@
             </a:ln>
             <a:extLst>
               <a:ext uri="{91240B29-F687-4f45-9708-019B960494DF}">
-                <a14:hiddenLine xmlns:a14="http://schemas.microsoft.com/office/drawing/2010/main" xmlns="" w="9525">
+                <a14:hiddenLine xmlns="" xmlns:a14="http://schemas.microsoft.com/office/drawing/2010/main" w="9525">
                   <a:solidFill>
                     <a:srgbClr val="000000"/>
                   </a:solidFill>
@@ -12837,7 +15376,7 @@
             </a:ln>
             <a:extLst>
               <a:ext uri="{91240B29-F687-4f45-9708-019B960494DF}">
-                <a14:hiddenLine xmlns:a14="http://schemas.microsoft.com/office/drawing/2010/main" xmlns="" w="9525">
+                <a14:hiddenLine xmlns="" xmlns:a14="http://schemas.microsoft.com/office/drawing/2010/main" w="9525">
                   <a:solidFill>
                     <a:srgbClr val="000000"/>
                   </a:solidFill>
@@ -13860,7 +16399,13 @@
       </p:grpSpPr>
       <p:sp>
         <p:nvSpPr>
-          <p:cNvPr id="2" name="Title 1"/>
+          <p:cNvPr id="2" name="Title 1">
+            <a:extLst>
+              <a:ext uri="{FF2B5EF4-FFF2-40B4-BE49-F238E27FC236}">
+                <a16:creationId xmlns:a16="http://schemas.microsoft.com/office/drawing/2014/main" id="{F95ABFAC-81AB-E417-BAE2-47C4BB5CBB51}"/>
+              </a:ext>
+            </a:extLst>
+          </p:cNvPr>
           <p:cNvSpPr>
             <a:spLocks noGrp="1"/>
           </p:cNvSpPr>
@@ -13874,73 +16419,1020 @@
           <a:lstStyle/>
           <a:p>
             <a:r>
-              <a:t>Comparison of Approaches</a:t>
+              <a:rPr lang="en-US" dirty="0"/>
+              <a:t>Confidence Score Calculation by Approach</a:t>
             </a:r>
+            <a:endParaRPr lang="en-SG" dirty="0"/>
           </a:p>
         </p:txBody>
       </p:sp>
-      <p:sp>
-        <p:nvSpPr>
-          <p:cNvPr id="3" name="Content Placeholder 2"/>
-          <p:cNvSpPr>
-            <a:spLocks noGrp="1"/>
-          </p:cNvSpPr>
+      <p:graphicFrame>
+        <p:nvGraphicFramePr>
+          <p:cNvPr id="4" name="Table 3">
+            <a:extLst>
+              <a:ext uri="{FF2B5EF4-FFF2-40B4-BE49-F238E27FC236}">
+                <a16:creationId xmlns:a16="http://schemas.microsoft.com/office/drawing/2014/main" id="{EB8ADDE3-E3B4-3BDB-F808-F5635A9C2362}"/>
+              </a:ext>
+            </a:extLst>
+          </p:cNvPr>
+          <p:cNvGraphicFramePr>
+            <a:graphicFrameLocks noGrp="1"/>
+          </p:cNvGraphicFramePr>
           <p:nvPr>
-            <p:ph idx="1"/>
+            <p:extLst>
+              <p:ext uri="{D42A27DB-BD31-4B8C-83A1-F6EECF244321}">
+                <p14:modId xmlns:p14="http://schemas.microsoft.com/office/powerpoint/2010/main" val="1656882467"/>
+              </p:ext>
+            </p:extLst>
           </p:nvPr>
-        </p:nvSpPr>
-        <p:spPr>
-          <a:xfrm>
-            <a:off x="432191" y="2489200"/>
-            <a:ext cx="8279618" cy="3530600"/>
-          </a:xfrm>
-        </p:spPr>
-        <p:txBody>
-          <a:bodyPr/>
-          <a:lstStyle/>
-          <a:p>
-            <a:r>
-              <a:rPr dirty="0"/>
-              <a:t>LLM Zero-Shot: 🔹 High Accuracy | 💲</a:t>
-            </a:r>
-            <a:r>
-              <a:rPr lang="en-SG" dirty="0"/>
-              <a:t> </a:t>
-            </a:r>
-            <a:r>
-              <a:rPr dirty="0"/>
-              <a:t>Medium/High Cost | ⚡ Fast Start</a:t>
-            </a:r>
-          </a:p>
-          <a:p>
-            <a:r>
-              <a:rPr dirty="0" err="1"/>
-              <a:t>BERTopic</a:t>
-            </a:r>
-            <a:r>
-              <a:rPr dirty="0"/>
-              <a:t>: 🔹 Good for Discovery | 💲 Low Cost | 🧠 Manual Topic Mapping</a:t>
-            </a:r>
-          </a:p>
-          <a:p>
-            <a:r>
-              <a:rPr dirty="0"/>
-              <a:t>Rule-Based: 🔹 Easy Start | 💲 Low Cost | 🧪 Noisy Labels</a:t>
-            </a:r>
-          </a:p>
-          <a:p>
-            <a:r>
-              <a:rPr dirty="0" err="1"/>
-              <a:t>Embedding+Clustering</a:t>
-            </a:r>
-            <a:r>
-              <a:rPr dirty="0"/>
-              <a:t>: 🔹 Scalable | 💲 Medium Cost | 🧠 Needs Review</a:t>
-            </a:r>
-          </a:p>
-        </p:txBody>
-      </p:sp>
+        </p:nvGraphicFramePr>
+        <p:xfrm>
+          <a:off x="609600" y="2802835"/>
+          <a:ext cx="8189843" cy="2377440"/>
+        </p:xfrm>
+        <a:graphic>
+          <a:graphicData uri="http://schemas.openxmlformats.org/drawingml/2006/table">
+            <a:tbl>
+              <a:tblPr firstRow="1" bandRow="1">
+                <a:tableStyleId>{5C22544A-7EE6-4342-B048-85BDC9FD1C3A}</a:tableStyleId>
+              </a:tblPr>
+              <a:tblGrid>
+                <a:gridCol w="1854786">
+                  <a:extLst>
+                    <a:ext uri="{9D8B030D-6E8A-4147-A177-3AD203B41FA5}">
+                      <a16:colId xmlns:a16="http://schemas.microsoft.com/office/drawing/2014/main" val="20000"/>
+                    </a:ext>
+                  </a:extLst>
+                </a:gridCol>
+                <a:gridCol w="2482808">
+                  <a:extLst>
+                    <a:ext uri="{9D8B030D-6E8A-4147-A177-3AD203B41FA5}">
+                      <a16:colId xmlns:a16="http://schemas.microsoft.com/office/drawing/2014/main" val="20001"/>
+                    </a:ext>
+                  </a:extLst>
+                </a:gridCol>
+                <a:gridCol w="3852249">
+                  <a:extLst>
+                    <a:ext uri="{9D8B030D-6E8A-4147-A177-3AD203B41FA5}">
+                      <a16:colId xmlns:a16="http://schemas.microsoft.com/office/drawing/2014/main" val="20002"/>
+                    </a:ext>
+                  </a:extLst>
+                </a:gridCol>
+              </a:tblGrid>
+              <a:tr h="182880">
+                <a:tc>
+                  <a:txBody>
+                    <a:bodyPr/>
+                    <a:lstStyle/>
+                    <a:p>
+                      <a:pPr algn="ctr">
+                        <a:defRPr b="1"/>
+                      </a:pPr>
+                      <a:r>
+                        <a:rPr sz="1400" b="0" dirty="0">
+                          <a:ln>
+                            <a:solidFill>
+                              <a:schemeClr val="tx1"/>
+                            </a:solidFill>
+                          </a:ln>
+                          <a:solidFill>
+                            <a:schemeClr val="tx1"/>
+                          </a:solidFill>
+                        </a:rPr>
+                        <a:t>Approach</a:t>
+                      </a:r>
+                    </a:p>
+                  </a:txBody>
+                  <a:tcPr>
+                    <a:lnL w="12700" cap="flat" cmpd="sng" algn="ctr">
+                      <a:solidFill>
+                        <a:schemeClr val="tx1"/>
+                      </a:solidFill>
+                      <a:prstDash val="solid"/>
+                      <a:round/>
+                      <a:headEnd type="none" w="med" len="med"/>
+                      <a:tailEnd type="none" w="med" len="med"/>
+                    </a:lnL>
+                    <a:lnR w="12700" cap="flat" cmpd="sng" algn="ctr">
+                      <a:solidFill>
+                        <a:schemeClr val="tx1"/>
+                      </a:solidFill>
+                      <a:prstDash val="solid"/>
+                      <a:round/>
+                      <a:headEnd type="none" w="med" len="med"/>
+                      <a:tailEnd type="none" w="med" len="med"/>
+                    </a:lnR>
+                    <a:lnT w="12700" cap="flat" cmpd="sng" algn="ctr">
+                      <a:solidFill>
+                        <a:schemeClr val="tx1"/>
+                      </a:solidFill>
+                      <a:prstDash val="solid"/>
+                      <a:round/>
+                      <a:headEnd type="none" w="med" len="med"/>
+                      <a:tailEnd type="none" w="med" len="med"/>
+                    </a:lnT>
+                    <a:lnB w="12700" cap="flat" cmpd="sng" algn="ctr">
+                      <a:solidFill>
+                        <a:schemeClr val="tx1"/>
+                      </a:solidFill>
+                      <a:prstDash val="solid"/>
+                      <a:round/>
+                      <a:headEnd type="none" w="med" len="med"/>
+                      <a:tailEnd type="none" w="med" len="med"/>
+                    </a:lnB>
+                    <a:solidFill>
+                      <a:schemeClr val="bg1"/>
+                    </a:solidFill>
+                  </a:tcPr>
+                </a:tc>
+                <a:tc>
+                  <a:txBody>
+                    <a:bodyPr/>
+                    <a:lstStyle/>
+                    <a:p>
+                      <a:pPr marL="0" algn="ctr" defTabSz="457200" rtl="0" eaLnBrk="1" latinLnBrk="0" hangingPunct="1">
+                        <a:defRPr b="1"/>
+                      </a:pPr>
+                      <a:r>
+                        <a:rPr sz="1400" b="0" kern="1200" dirty="0">
+                          <a:ln>
+                            <a:solidFill>
+                              <a:schemeClr val="tx1"/>
+                            </a:solidFill>
+                          </a:ln>
+                          <a:solidFill>
+                            <a:schemeClr val="tx1"/>
+                          </a:solidFill>
+                          <a:latin typeface="+mn-lt"/>
+                          <a:ea typeface="+mn-ea"/>
+                          <a:cs typeface="+mn-cs"/>
+                        </a:rPr>
+                        <a:t>Confidence Metric</a:t>
+                      </a:r>
+                    </a:p>
+                  </a:txBody>
+                  <a:tcPr>
+                    <a:lnL w="12700" cap="flat" cmpd="sng" algn="ctr">
+                      <a:solidFill>
+                        <a:schemeClr val="tx1"/>
+                      </a:solidFill>
+                      <a:prstDash val="solid"/>
+                      <a:round/>
+                      <a:headEnd type="none" w="med" len="med"/>
+                      <a:tailEnd type="none" w="med" len="med"/>
+                    </a:lnL>
+                    <a:lnR w="12700" cap="flat" cmpd="sng" algn="ctr">
+                      <a:solidFill>
+                        <a:schemeClr val="tx1"/>
+                      </a:solidFill>
+                      <a:prstDash val="solid"/>
+                      <a:round/>
+                      <a:headEnd type="none" w="med" len="med"/>
+                      <a:tailEnd type="none" w="med" len="med"/>
+                    </a:lnR>
+                    <a:lnT w="12700" cap="flat" cmpd="sng" algn="ctr">
+                      <a:solidFill>
+                        <a:schemeClr val="tx1"/>
+                      </a:solidFill>
+                      <a:prstDash val="solid"/>
+                      <a:round/>
+                      <a:headEnd type="none" w="med" len="med"/>
+                      <a:tailEnd type="none" w="med" len="med"/>
+                    </a:lnT>
+                    <a:lnB w="12700" cap="flat" cmpd="sng" algn="ctr">
+                      <a:solidFill>
+                        <a:schemeClr val="tx1"/>
+                      </a:solidFill>
+                      <a:prstDash val="solid"/>
+                      <a:round/>
+                      <a:headEnd type="none" w="med" len="med"/>
+                      <a:tailEnd type="none" w="med" len="med"/>
+                    </a:lnB>
+                    <a:solidFill>
+                      <a:schemeClr val="bg1"/>
+                    </a:solidFill>
+                  </a:tcPr>
+                </a:tc>
+                <a:tc>
+                  <a:txBody>
+                    <a:bodyPr/>
+                    <a:lstStyle/>
+                    <a:p>
+                      <a:pPr marL="0" algn="ctr" defTabSz="457200" rtl="0" eaLnBrk="1" latinLnBrk="0" hangingPunct="1">
+                        <a:defRPr b="1"/>
+                      </a:pPr>
+                      <a:r>
+                        <a:rPr sz="1400" b="0" kern="1200" dirty="0">
+                          <a:ln>
+                            <a:solidFill>
+                              <a:schemeClr val="tx1"/>
+                            </a:solidFill>
+                          </a:ln>
+                          <a:solidFill>
+                            <a:schemeClr val="tx1"/>
+                          </a:solidFill>
+                          <a:latin typeface="+mn-lt"/>
+                          <a:ea typeface="+mn-ea"/>
+                          <a:cs typeface="+mn-cs"/>
+                        </a:rPr>
+                        <a:t>Calculation Description</a:t>
+                      </a:r>
+                    </a:p>
+                  </a:txBody>
+                  <a:tcPr>
+                    <a:lnL w="12700" cap="flat" cmpd="sng" algn="ctr">
+                      <a:solidFill>
+                        <a:schemeClr val="tx1"/>
+                      </a:solidFill>
+                      <a:prstDash val="solid"/>
+                      <a:round/>
+                      <a:headEnd type="none" w="med" len="med"/>
+                      <a:tailEnd type="none" w="med" len="med"/>
+                    </a:lnL>
+                    <a:lnR w="12700" cap="flat" cmpd="sng" algn="ctr">
+                      <a:solidFill>
+                        <a:schemeClr val="tx1"/>
+                      </a:solidFill>
+                      <a:prstDash val="solid"/>
+                      <a:round/>
+                      <a:headEnd type="none" w="med" len="med"/>
+                      <a:tailEnd type="none" w="med" len="med"/>
+                    </a:lnR>
+                    <a:lnT w="12700" cap="flat" cmpd="sng" algn="ctr">
+                      <a:solidFill>
+                        <a:schemeClr val="tx1"/>
+                      </a:solidFill>
+                      <a:prstDash val="solid"/>
+                      <a:round/>
+                      <a:headEnd type="none" w="med" len="med"/>
+                      <a:tailEnd type="none" w="med" len="med"/>
+                    </a:lnT>
+                    <a:lnB w="12700" cap="flat" cmpd="sng" algn="ctr">
+                      <a:solidFill>
+                        <a:schemeClr val="tx1"/>
+                      </a:solidFill>
+                      <a:prstDash val="solid"/>
+                      <a:round/>
+                      <a:headEnd type="none" w="med" len="med"/>
+                      <a:tailEnd type="none" w="med" len="med"/>
+                    </a:lnB>
+                    <a:solidFill>
+                      <a:schemeClr val="bg1"/>
+                    </a:solidFill>
+                  </a:tcPr>
+                </a:tc>
+                <a:extLst>
+                  <a:ext uri="{0D108BD9-81ED-4DB2-BD59-A6C34878D82A}">
+                    <a16:rowId xmlns:a16="http://schemas.microsoft.com/office/drawing/2014/main" val="10000"/>
+                  </a:ext>
+                </a:extLst>
+              </a:tr>
+              <a:tr h="182880">
+                <a:tc>
+                  <a:txBody>
+                    <a:bodyPr/>
+                    <a:lstStyle/>
+                    <a:p>
+                      <a:r>
+                        <a:rPr sz="1400" b="0" dirty="0">
+                          <a:ln>
+                            <a:solidFill>
+                              <a:schemeClr val="tx1"/>
+                            </a:solidFill>
+                          </a:ln>
+                        </a:rPr>
+                        <a:t>LLM Zero-Shot (Simulated)</a:t>
+                      </a:r>
+                    </a:p>
+                  </a:txBody>
+                  <a:tcPr>
+                    <a:lnL w="12700" cap="flat" cmpd="sng" algn="ctr">
+                      <a:solidFill>
+                        <a:schemeClr val="tx1"/>
+                      </a:solidFill>
+                      <a:prstDash val="solid"/>
+                      <a:round/>
+                      <a:headEnd type="none" w="med" len="med"/>
+                      <a:tailEnd type="none" w="med" len="med"/>
+                    </a:lnL>
+                    <a:lnR w="12700" cap="flat" cmpd="sng" algn="ctr">
+                      <a:solidFill>
+                        <a:schemeClr val="tx1"/>
+                      </a:solidFill>
+                      <a:prstDash val="solid"/>
+                      <a:round/>
+                      <a:headEnd type="none" w="med" len="med"/>
+                      <a:tailEnd type="none" w="med" len="med"/>
+                    </a:lnR>
+                    <a:lnT w="12700" cap="flat" cmpd="sng" algn="ctr">
+                      <a:solidFill>
+                        <a:schemeClr val="tx1"/>
+                      </a:solidFill>
+                      <a:prstDash val="solid"/>
+                      <a:round/>
+                      <a:headEnd type="none" w="med" len="med"/>
+                      <a:tailEnd type="none" w="med" len="med"/>
+                    </a:lnT>
+                    <a:lnB w="12700" cap="flat" cmpd="sng" algn="ctr">
+                      <a:solidFill>
+                        <a:schemeClr val="tx1"/>
+                      </a:solidFill>
+                      <a:prstDash val="solid"/>
+                      <a:round/>
+                      <a:headEnd type="none" w="med" len="med"/>
+                      <a:tailEnd type="none" w="med" len="med"/>
+                    </a:lnB>
+                    <a:solidFill>
+                      <a:schemeClr val="bg1"/>
+                    </a:solidFill>
+                  </a:tcPr>
+                </a:tc>
+                <a:tc>
+                  <a:txBody>
+                    <a:bodyPr/>
+                    <a:lstStyle/>
+                    <a:p>
+                      <a:r>
+                        <a:rPr sz="1400" b="0" dirty="0">
+                          <a:ln>
+                            <a:solidFill>
+                              <a:schemeClr val="tx1"/>
+                            </a:solidFill>
+                          </a:ln>
+                        </a:rPr>
+                        <a:t>Keyword Match Count</a:t>
+                      </a:r>
+                    </a:p>
+                  </a:txBody>
+                  <a:tcPr>
+                    <a:lnL w="12700" cap="flat" cmpd="sng" algn="ctr">
+                      <a:solidFill>
+                        <a:schemeClr val="tx1"/>
+                      </a:solidFill>
+                      <a:prstDash val="solid"/>
+                      <a:round/>
+                      <a:headEnd type="none" w="med" len="med"/>
+                      <a:tailEnd type="none" w="med" len="med"/>
+                    </a:lnL>
+                    <a:lnR w="12700" cap="flat" cmpd="sng" algn="ctr">
+                      <a:solidFill>
+                        <a:schemeClr val="tx1"/>
+                      </a:solidFill>
+                      <a:prstDash val="solid"/>
+                      <a:round/>
+                      <a:headEnd type="none" w="med" len="med"/>
+                      <a:tailEnd type="none" w="med" len="med"/>
+                    </a:lnR>
+                    <a:lnT w="12700" cap="flat" cmpd="sng" algn="ctr">
+                      <a:solidFill>
+                        <a:schemeClr val="tx1"/>
+                      </a:solidFill>
+                      <a:prstDash val="solid"/>
+                      <a:round/>
+                      <a:headEnd type="none" w="med" len="med"/>
+                      <a:tailEnd type="none" w="med" len="med"/>
+                    </a:lnT>
+                    <a:lnB w="12700" cap="flat" cmpd="sng" algn="ctr">
+                      <a:solidFill>
+                        <a:schemeClr val="tx1"/>
+                      </a:solidFill>
+                      <a:prstDash val="solid"/>
+                      <a:round/>
+                      <a:headEnd type="none" w="med" len="med"/>
+                      <a:tailEnd type="none" w="med" len="med"/>
+                    </a:lnB>
+                    <a:solidFill>
+                      <a:schemeClr val="bg1"/>
+                    </a:solidFill>
+                  </a:tcPr>
+                </a:tc>
+                <a:tc>
+                  <a:txBody>
+                    <a:bodyPr/>
+                    <a:lstStyle/>
+                    <a:p>
+                      <a:r>
+                        <a:rPr sz="1400" b="0" dirty="0">
+                          <a:ln>
+                            <a:solidFill>
+                              <a:schemeClr val="tx1"/>
+                            </a:solidFill>
+                          </a:ln>
+                        </a:rPr>
+                        <a:t>Normalized count of matched keywords (max 5): min(matches/5, 1.0)</a:t>
+                      </a:r>
+                    </a:p>
+                  </a:txBody>
+                  <a:tcPr>
+                    <a:lnL w="12700" cap="flat" cmpd="sng" algn="ctr">
+                      <a:solidFill>
+                        <a:schemeClr val="tx1"/>
+                      </a:solidFill>
+                      <a:prstDash val="solid"/>
+                      <a:round/>
+                      <a:headEnd type="none" w="med" len="med"/>
+                      <a:tailEnd type="none" w="med" len="med"/>
+                    </a:lnL>
+                    <a:lnR w="12700" cap="flat" cmpd="sng" algn="ctr">
+                      <a:solidFill>
+                        <a:schemeClr val="tx1"/>
+                      </a:solidFill>
+                      <a:prstDash val="solid"/>
+                      <a:round/>
+                      <a:headEnd type="none" w="med" len="med"/>
+                      <a:tailEnd type="none" w="med" len="med"/>
+                    </a:lnR>
+                    <a:lnT w="12700" cap="flat" cmpd="sng" algn="ctr">
+                      <a:solidFill>
+                        <a:schemeClr val="tx1"/>
+                      </a:solidFill>
+                      <a:prstDash val="solid"/>
+                      <a:round/>
+                      <a:headEnd type="none" w="med" len="med"/>
+                      <a:tailEnd type="none" w="med" len="med"/>
+                    </a:lnT>
+                    <a:lnB w="12700" cap="flat" cmpd="sng" algn="ctr">
+                      <a:solidFill>
+                        <a:schemeClr val="tx1"/>
+                      </a:solidFill>
+                      <a:prstDash val="solid"/>
+                      <a:round/>
+                      <a:headEnd type="none" w="med" len="med"/>
+                      <a:tailEnd type="none" w="med" len="med"/>
+                    </a:lnB>
+                    <a:solidFill>
+                      <a:schemeClr val="bg1"/>
+                    </a:solidFill>
+                  </a:tcPr>
+                </a:tc>
+                <a:extLst>
+                  <a:ext uri="{0D108BD9-81ED-4DB2-BD59-A6C34878D82A}">
+                    <a16:rowId xmlns:a16="http://schemas.microsoft.com/office/drawing/2014/main" val="10001"/>
+                  </a:ext>
+                </a:extLst>
+              </a:tr>
+              <a:tr h="253116">
+                <a:tc>
+                  <a:txBody>
+                    <a:bodyPr/>
+                    <a:lstStyle/>
+                    <a:p>
+                      <a:r>
+                        <a:rPr sz="1400" b="0">
+                          <a:ln>
+                            <a:solidFill>
+                              <a:schemeClr val="tx1"/>
+                            </a:solidFill>
+                          </a:ln>
+                        </a:rPr>
+                        <a:t>BERTopic</a:t>
+                      </a:r>
+                    </a:p>
+                  </a:txBody>
+                  <a:tcPr>
+                    <a:lnL w="12700" cap="flat" cmpd="sng" algn="ctr">
+                      <a:solidFill>
+                        <a:schemeClr val="tx1"/>
+                      </a:solidFill>
+                      <a:prstDash val="solid"/>
+                      <a:round/>
+                      <a:headEnd type="none" w="med" len="med"/>
+                      <a:tailEnd type="none" w="med" len="med"/>
+                    </a:lnL>
+                    <a:lnR w="12700" cap="flat" cmpd="sng" algn="ctr">
+                      <a:solidFill>
+                        <a:schemeClr val="tx1"/>
+                      </a:solidFill>
+                      <a:prstDash val="solid"/>
+                      <a:round/>
+                      <a:headEnd type="none" w="med" len="med"/>
+                      <a:tailEnd type="none" w="med" len="med"/>
+                    </a:lnR>
+                    <a:lnT w="12700" cap="flat" cmpd="sng" algn="ctr">
+                      <a:solidFill>
+                        <a:schemeClr val="tx1"/>
+                      </a:solidFill>
+                      <a:prstDash val="solid"/>
+                      <a:round/>
+                      <a:headEnd type="none" w="med" len="med"/>
+                      <a:tailEnd type="none" w="med" len="med"/>
+                    </a:lnT>
+                    <a:lnB w="12700" cap="flat" cmpd="sng" algn="ctr">
+                      <a:solidFill>
+                        <a:schemeClr val="tx1"/>
+                      </a:solidFill>
+                      <a:prstDash val="solid"/>
+                      <a:round/>
+                      <a:headEnd type="none" w="med" len="med"/>
+                      <a:tailEnd type="none" w="med" len="med"/>
+                    </a:lnB>
+                    <a:solidFill>
+                      <a:schemeClr val="bg1"/>
+                    </a:solidFill>
+                  </a:tcPr>
+                </a:tc>
+                <a:tc>
+                  <a:txBody>
+                    <a:bodyPr/>
+                    <a:lstStyle/>
+                    <a:p>
+                      <a:r>
+                        <a:rPr sz="1400" b="0" dirty="0">
+                          <a:ln>
+                            <a:solidFill>
+                              <a:schemeClr val="tx1"/>
+                            </a:solidFill>
+                          </a:ln>
+                        </a:rPr>
+                        <a:t>Topic Probability</a:t>
+                      </a:r>
+                    </a:p>
+                  </a:txBody>
+                  <a:tcPr>
+                    <a:lnL w="12700" cap="flat" cmpd="sng" algn="ctr">
+                      <a:solidFill>
+                        <a:schemeClr val="tx1"/>
+                      </a:solidFill>
+                      <a:prstDash val="solid"/>
+                      <a:round/>
+                      <a:headEnd type="none" w="med" len="med"/>
+                      <a:tailEnd type="none" w="med" len="med"/>
+                    </a:lnL>
+                    <a:lnR w="12700" cap="flat" cmpd="sng" algn="ctr">
+                      <a:solidFill>
+                        <a:schemeClr val="tx1"/>
+                      </a:solidFill>
+                      <a:prstDash val="solid"/>
+                      <a:round/>
+                      <a:headEnd type="none" w="med" len="med"/>
+                      <a:tailEnd type="none" w="med" len="med"/>
+                    </a:lnR>
+                    <a:lnT w="12700" cap="flat" cmpd="sng" algn="ctr">
+                      <a:solidFill>
+                        <a:schemeClr val="tx1"/>
+                      </a:solidFill>
+                      <a:prstDash val="solid"/>
+                      <a:round/>
+                      <a:headEnd type="none" w="med" len="med"/>
+                      <a:tailEnd type="none" w="med" len="med"/>
+                    </a:lnT>
+                    <a:lnB w="12700" cap="flat" cmpd="sng" algn="ctr">
+                      <a:solidFill>
+                        <a:schemeClr val="tx1"/>
+                      </a:solidFill>
+                      <a:prstDash val="solid"/>
+                      <a:round/>
+                      <a:headEnd type="none" w="med" len="med"/>
+                      <a:tailEnd type="none" w="med" len="med"/>
+                    </a:lnB>
+                    <a:solidFill>
+                      <a:schemeClr val="bg1"/>
+                    </a:solidFill>
+                  </a:tcPr>
+                </a:tc>
+                <a:tc>
+                  <a:txBody>
+                    <a:bodyPr/>
+                    <a:lstStyle/>
+                    <a:p>
+                      <a:r>
+                        <a:rPr sz="1400" b="0" dirty="0">
+                          <a:ln>
+                            <a:solidFill>
+                              <a:schemeClr val="tx1"/>
+                            </a:solidFill>
+                          </a:ln>
+                        </a:rPr>
+                        <a:t>Confidence is the max probability returned from topic assignment</a:t>
+                      </a:r>
+                    </a:p>
+                  </a:txBody>
+                  <a:tcPr>
+                    <a:lnL w="12700" cap="flat" cmpd="sng" algn="ctr">
+                      <a:solidFill>
+                        <a:schemeClr val="tx1"/>
+                      </a:solidFill>
+                      <a:prstDash val="solid"/>
+                      <a:round/>
+                      <a:headEnd type="none" w="med" len="med"/>
+                      <a:tailEnd type="none" w="med" len="med"/>
+                    </a:lnL>
+                    <a:lnR w="12700" cap="flat" cmpd="sng" algn="ctr">
+                      <a:solidFill>
+                        <a:schemeClr val="tx1"/>
+                      </a:solidFill>
+                      <a:prstDash val="solid"/>
+                      <a:round/>
+                      <a:headEnd type="none" w="med" len="med"/>
+                      <a:tailEnd type="none" w="med" len="med"/>
+                    </a:lnR>
+                    <a:lnT w="12700" cap="flat" cmpd="sng" algn="ctr">
+                      <a:solidFill>
+                        <a:schemeClr val="tx1"/>
+                      </a:solidFill>
+                      <a:prstDash val="solid"/>
+                      <a:round/>
+                      <a:headEnd type="none" w="med" len="med"/>
+                      <a:tailEnd type="none" w="med" len="med"/>
+                    </a:lnT>
+                    <a:lnB w="12700" cap="flat" cmpd="sng" algn="ctr">
+                      <a:solidFill>
+                        <a:schemeClr val="tx1"/>
+                      </a:solidFill>
+                      <a:prstDash val="solid"/>
+                      <a:round/>
+                      <a:headEnd type="none" w="med" len="med"/>
+                      <a:tailEnd type="none" w="med" len="med"/>
+                    </a:lnB>
+                    <a:solidFill>
+                      <a:schemeClr val="bg1"/>
+                    </a:solidFill>
+                  </a:tcPr>
+                </a:tc>
+                <a:extLst>
+                  <a:ext uri="{0D108BD9-81ED-4DB2-BD59-A6C34878D82A}">
+                    <a16:rowId xmlns:a16="http://schemas.microsoft.com/office/drawing/2014/main" val="10002"/>
+                  </a:ext>
+                </a:extLst>
+              </a:tr>
+              <a:tr h="182880">
+                <a:tc>
+                  <a:txBody>
+                    <a:bodyPr/>
+                    <a:lstStyle/>
+                    <a:p>
+                      <a:r>
+                        <a:rPr sz="1400" b="0">
+                          <a:ln>
+                            <a:solidFill>
+                              <a:schemeClr val="tx1"/>
+                            </a:solidFill>
+                          </a:ln>
+                        </a:rPr>
+                        <a:t>Rule-Based + ML</a:t>
+                      </a:r>
+                    </a:p>
+                  </a:txBody>
+                  <a:tcPr>
+                    <a:lnL w="12700" cap="flat" cmpd="sng" algn="ctr">
+                      <a:solidFill>
+                        <a:schemeClr val="tx1"/>
+                      </a:solidFill>
+                      <a:prstDash val="solid"/>
+                      <a:round/>
+                      <a:headEnd type="none" w="med" len="med"/>
+                      <a:tailEnd type="none" w="med" len="med"/>
+                    </a:lnL>
+                    <a:lnR w="12700" cap="flat" cmpd="sng" algn="ctr">
+                      <a:solidFill>
+                        <a:schemeClr val="tx1"/>
+                      </a:solidFill>
+                      <a:prstDash val="solid"/>
+                      <a:round/>
+                      <a:headEnd type="none" w="med" len="med"/>
+                      <a:tailEnd type="none" w="med" len="med"/>
+                    </a:lnR>
+                    <a:lnT w="12700" cap="flat" cmpd="sng" algn="ctr">
+                      <a:solidFill>
+                        <a:schemeClr val="tx1"/>
+                      </a:solidFill>
+                      <a:prstDash val="solid"/>
+                      <a:round/>
+                      <a:headEnd type="none" w="med" len="med"/>
+                      <a:tailEnd type="none" w="med" len="med"/>
+                    </a:lnT>
+                    <a:lnB w="12700" cap="flat" cmpd="sng" algn="ctr">
+                      <a:solidFill>
+                        <a:schemeClr val="tx1"/>
+                      </a:solidFill>
+                      <a:prstDash val="solid"/>
+                      <a:round/>
+                      <a:headEnd type="none" w="med" len="med"/>
+                      <a:tailEnd type="none" w="med" len="med"/>
+                    </a:lnB>
+                    <a:solidFill>
+                      <a:schemeClr val="bg1"/>
+                    </a:solidFill>
+                  </a:tcPr>
+                </a:tc>
+                <a:tc>
+                  <a:txBody>
+                    <a:bodyPr/>
+                    <a:lstStyle/>
+                    <a:p>
+                      <a:r>
+                        <a:rPr sz="1400" b="0" dirty="0">
+                          <a:ln>
+                            <a:solidFill>
+                              <a:schemeClr val="tx1"/>
+                            </a:solidFill>
+                          </a:ln>
+                        </a:rPr>
+                        <a:t>Prediction Probability</a:t>
+                      </a:r>
+                    </a:p>
+                  </a:txBody>
+                  <a:tcPr>
+                    <a:lnL w="12700" cap="flat" cmpd="sng" algn="ctr">
+                      <a:solidFill>
+                        <a:schemeClr val="tx1"/>
+                      </a:solidFill>
+                      <a:prstDash val="solid"/>
+                      <a:round/>
+                      <a:headEnd type="none" w="med" len="med"/>
+                      <a:tailEnd type="none" w="med" len="med"/>
+                    </a:lnL>
+                    <a:lnR w="12700" cap="flat" cmpd="sng" algn="ctr">
+                      <a:solidFill>
+                        <a:schemeClr val="tx1"/>
+                      </a:solidFill>
+                      <a:prstDash val="solid"/>
+                      <a:round/>
+                      <a:headEnd type="none" w="med" len="med"/>
+                      <a:tailEnd type="none" w="med" len="med"/>
+                    </a:lnR>
+                    <a:lnT w="12700" cap="flat" cmpd="sng" algn="ctr">
+                      <a:solidFill>
+                        <a:schemeClr val="tx1"/>
+                      </a:solidFill>
+                      <a:prstDash val="solid"/>
+                      <a:round/>
+                      <a:headEnd type="none" w="med" len="med"/>
+                      <a:tailEnd type="none" w="med" len="med"/>
+                    </a:lnT>
+                    <a:lnB w="12700" cap="flat" cmpd="sng" algn="ctr">
+                      <a:solidFill>
+                        <a:schemeClr val="tx1"/>
+                      </a:solidFill>
+                      <a:prstDash val="solid"/>
+                      <a:round/>
+                      <a:headEnd type="none" w="med" len="med"/>
+                      <a:tailEnd type="none" w="med" len="med"/>
+                    </a:lnB>
+                    <a:solidFill>
+                      <a:schemeClr val="bg1"/>
+                    </a:solidFill>
+                  </a:tcPr>
+                </a:tc>
+                <a:tc>
+                  <a:txBody>
+                    <a:bodyPr/>
+                    <a:lstStyle/>
+                    <a:p>
+                      <a:r>
+                        <a:rPr sz="1400" b="0" dirty="0">
+                          <a:ln>
+                            <a:solidFill>
+                              <a:schemeClr val="tx1"/>
+                            </a:solidFill>
+                          </a:ln>
+                        </a:rPr>
+                        <a:t>Highest predicted probability across multi-label logistic classifiers</a:t>
+                      </a:r>
+                    </a:p>
+                  </a:txBody>
+                  <a:tcPr>
+                    <a:lnL w="12700" cap="flat" cmpd="sng" algn="ctr">
+                      <a:solidFill>
+                        <a:schemeClr val="tx1"/>
+                      </a:solidFill>
+                      <a:prstDash val="solid"/>
+                      <a:round/>
+                      <a:headEnd type="none" w="med" len="med"/>
+                      <a:tailEnd type="none" w="med" len="med"/>
+                    </a:lnL>
+                    <a:lnR w="12700" cap="flat" cmpd="sng" algn="ctr">
+                      <a:solidFill>
+                        <a:schemeClr val="tx1"/>
+                      </a:solidFill>
+                      <a:prstDash val="solid"/>
+                      <a:round/>
+                      <a:headEnd type="none" w="med" len="med"/>
+                      <a:tailEnd type="none" w="med" len="med"/>
+                    </a:lnR>
+                    <a:lnT w="12700" cap="flat" cmpd="sng" algn="ctr">
+                      <a:solidFill>
+                        <a:schemeClr val="tx1"/>
+                      </a:solidFill>
+                      <a:prstDash val="solid"/>
+                      <a:round/>
+                      <a:headEnd type="none" w="med" len="med"/>
+                      <a:tailEnd type="none" w="med" len="med"/>
+                    </a:lnT>
+                    <a:lnB w="12700" cap="flat" cmpd="sng" algn="ctr">
+                      <a:solidFill>
+                        <a:schemeClr val="tx1"/>
+                      </a:solidFill>
+                      <a:prstDash val="solid"/>
+                      <a:round/>
+                      <a:headEnd type="none" w="med" len="med"/>
+                      <a:tailEnd type="none" w="med" len="med"/>
+                    </a:lnB>
+                    <a:solidFill>
+                      <a:schemeClr val="bg1"/>
+                    </a:solidFill>
+                  </a:tcPr>
+                </a:tc>
+                <a:extLst>
+                  <a:ext uri="{0D108BD9-81ED-4DB2-BD59-A6C34878D82A}">
+                    <a16:rowId xmlns:a16="http://schemas.microsoft.com/office/drawing/2014/main" val="10003"/>
+                  </a:ext>
+                </a:extLst>
+              </a:tr>
+              <a:tr h="182880">
+                <a:tc>
+                  <a:txBody>
+                    <a:bodyPr/>
+                    <a:lstStyle/>
+                    <a:p>
+                      <a:r>
+                        <a:rPr sz="1400" b="0">
+                          <a:ln>
+                            <a:solidFill>
+                              <a:schemeClr val="tx1"/>
+                            </a:solidFill>
+                          </a:ln>
+                        </a:rPr>
+                        <a:t>Embedding + Clustering</a:t>
+                      </a:r>
+                    </a:p>
+                  </a:txBody>
+                  <a:tcPr>
+                    <a:lnL w="12700" cap="flat" cmpd="sng" algn="ctr">
+                      <a:solidFill>
+                        <a:schemeClr val="tx1"/>
+                      </a:solidFill>
+                      <a:prstDash val="solid"/>
+                      <a:round/>
+                      <a:headEnd type="none" w="med" len="med"/>
+                      <a:tailEnd type="none" w="med" len="med"/>
+                    </a:lnL>
+                    <a:lnR w="12700" cap="flat" cmpd="sng" algn="ctr">
+                      <a:solidFill>
+                        <a:schemeClr val="tx1"/>
+                      </a:solidFill>
+                      <a:prstDash val="solid"/>
+                      <a:round/>
+                      <a:headEnd type="none" w="med" len="med"/>
+                      <a:tailEnd type="none" w="med" len="med"/>
+                    </a:lnR>
+                    <a:lnT w="12700" cap="flat" cmpd="sng" algn="ctr">
+                      <a:solidFill>
+                        <a:schemeClr val="tx1"/>
+                      </a:solidFill>
+                      <a:prstDash val="solid"/>
+                      <a:round/>
+                      <a:headEnd type="none" w="med" len="med"/>
+                      <a:tailEnd type="none" w="med" len="med"/>
+                    </a:lnT>
+                    <a:lnB w="12700" cap="flat" cmpd="sng" algn="ctr">
+                      <a:solidFill>
+                        <a:schemeClr val="tx1"/>
+                      </a:solidFill>
+                      <a:prstDash val="solid"/>
+                      <a:round/>
+                      <a:headEnd type="none" w="med" len="med"/>
+                      <a:tailEnd type="none" w="med" len="med"/>
+                    </a:lnB>
+                    <a:solidFill>
+                      <a:schemeClr val="bg1"/>
+                    </a:solidFill>
+                  </a:tcPr>
+                </a:tc>
+                <a:tc>
+                  <a:txBody>
+                    <a:bodyPr/>
+                    <a:lstStyle/>
+                    <a:p>
+                      <a:r>
+                        <a:rPr sz="1400" b="0">
+                          <a:ln>
+                            <a:solidFill>
+                              <a:schemeClr val="tx1"/>
+                            </a:solidFill>
+                          </a:ln>
+                        </a:rPr>
+                        <a:t>Cosine Similarity</a:t>
+                      </a:r>
+                    </a:p>
+                  </a:txBody>
+                  <a:tcPr>
+                    <a:lnL w="12700" cap="flat" cmpd="sng" algn="ctr">
+                      <a:solidFill>
+                        <a:schemeClr val="tx1"/>
+                      </a:solidFill>
+                      <a:prstDash val="solid"/>
+                      <a:round/>
+                      <a:headEnd type="none" w="med" len="med"/>
+                      <a:tailEnd type="none" w="med" len="med"/>
+                    </a:lnL>
+                    <a:lnR w="12700" cap="flat" cmpd="sng" algn="ctr">
+                      <a:solidFill>
+                        <a:schemeClr val="tx1"/>
+                      </a:solidFill>
+                      <a:prstDash val="solid"/>
+                      <a:round/>
+                      <a:headEnd type="none" w="med" len="med"/>
+                      <a:tailEnd type="none" w="med" len="med"/>
+                    </a:lnR>
+                    <a:lnT w="12700" cap="flat" cmpd="sng" algn="ctr">
+                      <a:solidFill>
+                        <a:schemeClr val="tx1"/>
+                      </a:solidFill>
+                      <a:prstDash val="solid"/>
+                      <a:round/>
+                      <a:headEnd type="none" w="med" len="med"/>
+                      <a:tailEnd type="none" w="med" len="med"/>
+                    </a:lnT>
+                    <a:lnB w="12700" cap="flat" cmpd="sng" algn="ctr">
+                      <a:solidFill>
+                        <a:schemeClr val="tx1"/>
+                      </a:solidFill>
+                      <a:prstDash val="solid"/>
+                      <a:round/>
+                      <a:headEnd type="none" w="med" len="med"/>
+                      <a:tailEnd type="none" w="med" len="med"/>
+                    </a:lnB>
+                    <a:solidFill>
+                      <a:schemeClr val="bg1"/>
+                    </a:solidFill>
+                  </a:tcPr>
+                </a:tc>
+                <a:tc>
+                  <a:txBody>
+                    <a:bodyPr/>
+                    <a:lstStyle/>
+                    <a:p>
+                      <a:r>
+                        <a:rPr sz="1400" b="0" dirty="0">
+                          <a:ln>
+                            <a:solidFill>
+                              <a:schemeClr val="tx1"/>
+                            </a:solidFill>
+                          </a:ln>
+                        </a:rPr>
+                        <a:t>Similarity of article embedding to cluster centroid</a:t>
+                      </a:r>
+                    </a:p>
+                  </a:txBody>
+                  <a:tcPr>
+                    <a:lnL w="12700" cap="flat" cmpd="sng" algn="ctr">
+                      <a:solidFill>
+                        <a:schemeClr val="tx1"/>
+                      </a:solidFill>
+                      <a:prstDash val="solid"/>
+                      <a:round/>
+                      <a:headEnd type="none" w="med" len="med"/>
+                      <a:tailEnd type="none" w="med" len="med"/>
+                    </a:lnL>
+                    <a:lnR w="12700" cap="flat" cmpd="sng" algn="ctr">
+                      <a:solidFill>
+                        <a:schemeClr val="tx1"/>
+                      </a:solidFill>
+                      <a:prstDash val="solid"/>
+                      <a:round/>
+                      <a:headEnd type="none" w="med" len="med"/>
+                      <a:tailEnd type="none" w="med" len="med"/>
+                    </a:lnR>
+                    <a:lnT w="12700" cap="flat" cmpd="sng" algn="ctr">
+                      <a:solidFill>
+                        <a:schemeClr val="tx1"/>
+                      </a:solidFill>
+                      <a:prstDash val="solid"/>
+                      <a:round/>
+                      <a:headEnd type="none" w="med" len="med"/>
+                      <a:tailEnd type="none" w="med" len="med"/>
+                    </a:lnT>
+                    <a:lnB w="12700" cap="flat" cmpd="sng" algn="ctr">
+                      <a:solidFill>
+                        <a:schemeClr val="tx1"/>
+                      </a:solidFill>
+                      <a:prstDash val="solid"/>
+                      <a:round/>
+                      <a:headEnd type="none" w="med" len="med"/>
+                      <a:tailEnd type="none" w="med" len="med"/>
+                    </a:lnB>
+                    <a:solidFill>
+                      <a:schemeClr val="bg1"/>
+                    </a:solidFill>
+                  </a:tcPr>
+                </a:tc>
+                <a:extLst>
+                  <a:ext uri="{0D108BD9-81ED-4DB2-BD59-A6C34878D82A}">
+                    <a16:rowId xmlns:a16="http://schemas.microsoft.com/office/drawing/2014/main" val="10004"/>
+                  </a:ext>
+                </a:extLst>
+              </a:tr>
+            </a:tbl>
+          </a:graphicData>
+        </a:graphic>
+      </p:graphicFrame>
     </p:spTree>
+    <p:extLst>
+      <p:ext uri="{BB962C8B-B14F-4D97-AF65-F5344CB8AC3E}">
+        <p14:creationId xmlns:p14="http://schemas.microsoft.com/office/powerpoint/2010/main" val="542755615"/>
+      </p:ext>
+    </p:extLst>
   </p:cSld>
   <p:clrMapOvr>
     <a:masterClrMapping/>
@@ -13981,6 +17473,2200 @@
           <a:lstStyle/>
           <a:p>
             <a:r>
+              <a:t>Comparison of Approaches</a:t>
+            </a:r>
+          </a:p>
+        </p:txBody>
+      </p:sp>
+      <p:graphicFrame>
+        <p:nvGraphicFramePr>
+          <p:cNvPr id="8" name="Table 7">
+            <a:extLst>
+              <a:ext uri="{FF2B5EF4-FFF2-40B4-BE49-F238E27FC236}">
+                <a16:creationId xmlns:a16="http://schemas.microsoft.com/office/drawing/2014/main" id="{4E9F9480-63C8-6C3C-8246-4B72654786F2}"/>
+              </a:ext>
+            </a:extLst>
+          </p:cNvPr>
+          <p:cNvGraphicFramePr>
+            <a:graphicFrameLocks noGrp="1"/>
+          </p:cNvGraphicFramePr>
+          <p:nvPr>
+            <p:extLst>
+              <p:ext uri="{D42A27DB-BD31-4B8C-83A1-F6EECF244321}">
+                <p14:modId xmlns:p14="http://schemas.microsoft.com/office/powerpoint/2010/main" val="1760520788"/>
+              </p:ext>
+            </p:extLst>
+          </p:nvPr>
+        </p:nvGraphicFramePr>
+        <p:xfrm>
+          <a:off x="605183" y="2846093"/>
+          <a:ext cx="8028608" cy="3296289"/>
+        </p:xfrm>
+        <a:graphic>
+          <a:graphicData uri="http://schemas.openxmlformats.org/drawingml/2006/table">
+            <a:tbl>
+              <a:tblPr/>
+              <a:tblGrid>
+                <a:gridCol w="1616234">
+                  <a:extLst>
+                    <a:ext uri="{9D8B030D-6E8A-4147-A177-3AD203B41FA5}">
+                      <a16:colId xmlns:a16="http://schemas.microsoft.com/office/drawing/2014/main" val="500709551"/>
+                    </a:ext>
+                  </a:extLst>
+                </a:gridCol>
+                <a:gridCol w="826583">
+                  <a:extLst>
+                    <a:ext uri="{9D8B030D-6E8A-4147-A177-3AD203B41FA5}">
+                      <a16:colId xmlns:a16="http://schemas.microsoft.com/office/drawing/2014/main" val="1998435300"/>
+                    </a:ext>
+                  </a:extLst>
+                </a:gridCol>
+                <a:gridCol w="789651">
+                  <a:extLst>
+                    <a:ext uri="{9D8B030D-6E8A-4147-A177-3AD203B41FA5}">
+                      <a16:colId xmlns:a16="http://schemas.microsoft.com/office/drawing/2014/main" val="271570716"/>
+                    </a:ext>
+                  </a:extLst>
+                </a:gridCol>
+                <a:gridCol w="833740">
+                  <a:extLst>
+                    <a:ext uri="{9D8B030D-6E8A-4147-A177-3AD203B41FA5}">
+                      <a16:colId xmlns:a16="http://schemas.microsoft.com/office/drawing/2014/main" val="2351342288"/>
+                    </a:ext>
+                  </a:extLst>
+                </a:gridCol>
+                <a:gridCol w="967409">
+                  <a:extLst>
+                    <a:ext uri="{9D8B030D-6E8A-4147-A177-3AD203B41FA5}">
+                      <a16:colId xmlns:a16="http://schemas.microsoft.com/office/drawing/2014/main" val="3681628521"/>
+                    </a:ext>
+                  </a:extLst>
+                </a:gridCol>
+                <a:gridCol w="1351722">
+                  <a:extLst>
+                    <a:ext uri="{9D8B030D-6E8A-4147-A177-3AD203B41FA5}">
+                      <a16:colId xmlns:a16="http://schemas.microsoft.com/office/drawing/2014/main" val="1013323964"/>
+                    </a:ext>
+                  </a:extLst>
+                </a:gridCol>
+                <a:gridCol w="1643269">
+                  <a:extLst>
+                    <a:ext uri="{9D8B030D-6E8A-4147-A177-3AD203B41FA5}">
+                      <a16:colId xmlns:a16="http://schemas.microsoft.com/office/drawing/2014/main" val="2305584267"/>
+                    </a:ext>
+                  </a:extLst>
+                </a:gridCol>
+              </a:tblGrid>
+              <a:tr h="1044633">
+                <a:tc>
+                  <a:txBody>
+                    <a:bodyPr/>
+                    <a:lstStyle/>
+                    <a:p>
+                      <a:pPr algn="ctr" fontAlgn="b"/>
+                      <a:r>
+                        <a:rPr lang="en-SG" sz="1400" b="1" i="0" u="none" strike="noStrike" dirty="0">
+                          <a:solidFill>
+                            <a:srgbClr val="000000"/>
+                          </a:solidFill>
+                          <a:effectLst/>
+                          <a:latin typeface="+mn-lt"/>
+                        </a:rPr>
+                        <a:t>Approach</a:t>
+                      </a:r>
+                    </a:p>
+                  </a:txBody>
+                  <a:tcPr marL="5194" marR="5194" marT="5194" marB="0" anchor="ctr" anchorCtr="1">
+                    <a:lnL w="6350" cap="flat" cmpd="sng" algn="ctr">
+                      <a:solidFill>
+                        <a:srgbClr val="000000"/>
+                      </a:solidFill>
+                      <a:prstDash val="solid"/>
+                      <a:round/>
+                      <a:headEnd type="none" w="med" len="med"/>
+                      <a:tailEnd type="none" w="med" len="med"/>
+                    </a:lnL>
+                    <a:lnR w="6350" cap="flat" cmpd="sng" algn="ctr">
+                      <a:solidFill>
+                        <a:srgbClr val="000000"/>
+                      </a:solidFill>
+                      <a:prstDash val="solid"/>
+                      <a:round/>
+                      <a:headEnd type="none" w="med" len="med"/>
+                      <a:tailEnd type="none" w="med" len="med"/>
+                    </a:lnR>
+                    <a:lnT w="6350" cap="flat" cmpd="sng" algn="ctr">
+                      <a:solidFill>
+                        <a:srgbClr val="000000"/>
+                      </a:solidFill>
+                      <a:prstDash val="solid"/>
+                      <a:round/>
+                      <a:headEnd type="none" w="med" len="med"/>
+                      <a:tailEnd type="none" w="med" len="med"/>
+                    </a:lnT>
+                    <a:lnB w="6350" cap="flat" cmpd="sng" algn="ctr">
+                      <a:solidFill>
+                        <a:srgbClr val="000000"/>
+                      </a:solidFill>
+                      <a:prstDash val="solid"/>
+                      <a:round/>
+                      <a:headEnd type="none" w="med" len="med"/>
+                      <a:tailEnd type="none" w="med" len="med"/>
+                    </a:lnB>
+                    <a:noFill/>
+                  </a:tcPr>
+                </a:tc>
+                <a:tc>
+                  <a:txBody>
+                    <a:bodyPr/>
+                    <a:lstStyle/>
+                    <a:p>
+                      <a:pPr algn="ctr" fontAlgn="b"/>
+                      <a:r>
+                        <a:rPr lang="en-SG" sz="1400" b="1" i="0" u="none" strike="noStrike" dirty="0">
+                          <a:solidFill>
+                            <a:srgbClr val="000000"/>
+                          </a:solidFill>
+                          <a:effectLst/>
+                          <a:latin typeface="+mn-lt"/>
+                        </a:rPr>
+                        <a:t>Requires Labels</a:t>
+                      </a:r>
+                    </a:p>
+                  </a:txBody>
+                  <a:tcPr marL="5194" marR="5194" marT="5194" marB="0" anchor="ctr" anchorCtr="1">
+                    <a:lnL w="6350" cap="flat" cmpd="sng" algn="ctr">
+                      <a:solidFill>
+                        <a:srgbClr val="000000"/>
+                      </a:solidFill>
+                      <a:prstDash val="solid"/>
+                      <a:round/>
+                      <a:headEnd type="none" w="med" len="med"/>
+                      <a:tailEnd type="none" w="med" len="med"/>
+                    </a:lnL>
+                    <a:lnR w="6350" cap="flat" cmpd="sng" algn="ctr">
+                      <a:solidFill>
+                        <a:srgbClr val="000000"/>
+                      </a:solidFill>
+                      <a:prstDash val="solid"/>
+                      <a:round/>
+                      <a:headEnd type="none" w="med" len="med"/>
+                      <a:tailEnd type="none" w="med" len="med"/>
+                    </a:lnR>
+                    <a:lnT w="6350" cap="flat" cmpd="sng" algn="ctr">
+                      <a:solidFill>
+                        <a:srgbClr val="000000"/>
+                      </a:solidFill>
+                      <a:prstDash val="solid"/>
+                      <a:round/>
+                      <a:headEnd type="none" w="med" len="med"/>
+                      <a:tailEnd type="none" w="med" len="med"/>
+                    </a:lnT>
+                    <a:lnB w="6350" cap="flat" cmpd="sng" algn="ctr">
+                      <a:solidFill>
+                        <a:srgbClr val="000000"/>
+                      </a:solidFill>
+                      <a:prstDash val="solid"/>
+                      <a:round/>
+                      <a:headEnd type="none" w="med" len="med"/>
+                      <a:tailEnd type="none" w="med" len="med"/>
+                    </a:lnB>
+                    <a:noFill/>
+                  </a:tcPr>
+                </a:tc>
+                <a:tc>
+                  <a:txBody>
+                    <a:bodyPr/>
+                    <a:lstStyle/>
+                    <a:p>
+                      <a:pPr algn="ctr" fontAlgn="b"/>
+                      <a:r>
+                        <a:rPr lang="en-SG" sz="1400" b="1" i="0" u="none" strike="noStrike" dirty="0">
+                          <a:solidFill>
+                            <a:srgbClr val="000000"/>
+                          </a:solidFill>
+                          <a:effectLst/>
+                          <a:latin typeface="+mn-lt"/>
+                        </a:rPr>
+                        <a:t>Interpretability</a:t>
+                      </a:r>
+                    </a:p>
+                  </a:txBody>
+                  <a:tcPr marL="5194" marR="5194" marT="5194" marB="0" anchor="ctr" anchorCtr="1">
+                    <a:lnL w="6350" cap="flat" cmpd="sng" algn="ctr">
+                      <a:solidFill>
+                        <a:srgbClr val="000000"/>
+                      </a:solidFill>
+                      <a:prstDash val="solid"/>
+                      <a:round/>
+                      <a:headEnd type="none" w="med" len="med"/>
+                      <a:tailEnd type="none" w="med" len="med"/>
+                    </a:lnL>
+                    <a:lnR w="6350" cap="flat" cmpd="sng" algn="ctr">
+                      <a:solidFill>
+                        <a:srgbClr val="000000"/>
+                      </a:solidFill>
+                      <a:prstDash val="solid"/>
+                      <a:round/>
+                      <a:headEnd type="none" w="med" len="med"/>
+                      <a:tailEnd type="none" w="med" len="med"/>
+                    </a:lnR>
+                    <a:lnT w="6350" cap="flat" cmpd="sng" algn="ctr">
+                      <a:solidFill>
+                        <a:srgbClr val="000000"/>
+                      </a:solidFill>
+                      <a:prstDash val="solid"/>
+                      <a:round/>
+                      <a:headEnd type="none" w="med" len="med"/>
+                      <a:tailEnd type="none" w="med" len="med"/>
+                    </a:lnT>
+                    <a:lnB w="6350" cap="flat" cmpd="sng" algn="ctr">
+                      <a:solidFill>
+                        <a:srgbClr val="000000"/>
+                      </a:solidFill>
+                      <a:prstDash val="solid"/>
+                      <a:round/>
+                      <a:headEnd type="none" w="med" len="med"/>
+                      <a:tailEnd type="none" w="med" len="med"/>
+                    </a:lnB>
+                    <a:noFill/>
+                  </a:tcPr>
+                </a:tc>
+                <a:tc>
+                  <a:txBody>
+                    <a:bodyPr/>
+                    <a:lstStyle/>
+                    <a:p>
+                      <a:pPr algn="ctr" fontAlgn="b"/>
+                      <a:r>
+                        <a:rPr lang="en-SG" sz="1400" b="1" i="0" u="none" strike="noStrike" dirty="0">
+                          <a:solidFill>
+                            <a:srgbClr val="000000"/>
+                          </a:solidFill>
+                          <a:effectLst/>
+                          <a:latin typeface="+mn-lt"/>
+                        </a:rPr>
+                        <a:t>Customizable</a:t>
+                      </a:r>
+                    </a:p>
+                  </a:txBody>
+                  <a:tcPr marL="5194" marR="5194" marT="5194" marB="0" anchor="ctr" anchorCtr="1">
+                    <a:lnL w="6350" cap="flat" cmpd="sng" algn="ctr">
+                      <a:solidFill>
+                        <a:srgbClr val="000000"/>
+                      </a:solidFill>
+                      <a:prstDash val="solid"/>
+                      <a:round/>
+                      <a:headEnd type="none" w="med" len="med"/>
+                      <a:tailEnd type="none" w="med" len="med"/>
+                    </a:lnL>
+                    <a:lnR w="6350" cap="flat" cmpd="sng" algn="ctr">
+                      <a:solidFill>
+                        <a:srgbClr val="000000"/>
+                      </a:solidFill>
+                      <a:prstDash val="solid"/>
+                      <a:round/>
+                      <a:headEnd type="none" w="med" len="med"/>
+                      <a:tailEnd type="none" w="med" len="med"/>
+                    </a:lnR>
+                    <a:lnT w="6350" cap="flat" cmpd="sng" algn="ctr">
+                      <a:solidFill>
+                        <a:srgbClr val="000000"/>
+                      </a:solidFill>
+                      <a:prstDash val="solid"/>
+                      <a:round/>
+                      <a:headEnd type="none" w="med" len="med"/>
+                      <a:tailEnd type="none" w="med" len="med"/>
+                    </a:lnT>
+                    <a:lnB w="6350" cap="flat" cmpd="sng" algn="ctr">
+                      <a:solidFill>
+                        <a:srgbClr val="000000"/>
+                      </a:solidFill>
+                      <a:prstDash val="solid"/>
+                      <a:round/>
+                      <a:headEnd type="none" w="med" len="med"/>
+                      <a:tailEnd type="none" w="med" len="med"/>
+                    </a:lnB>
+                    <a:noFill/>
+                  </a:tcPr>
+                </a:tc>
+                <a:tc>
+                  <a:txBody>
+                    <a:bodyPr/>
+                    <a:lstStyle/>
+                    <a:p>
+                      <a:pPr algn="ctr" fontAlgn="b"/>
+                      <a:r>
+                        <a:rPr lang="en-SG" sz="1400" b="1" i="0" u="none" strike="noStrike" dirty="0">
+                          <a:solidFill>
+                            <a:srgbClr val="000000"/>
+                          </a:solidFill>
+                          <a:effectLst/>
+                          <a:latin typeface="+mn-lt"/>
+                        </a:rPr>
+                        <a:t>Scalability</a:t>
+                      </a:r>
+                    </a:p>
+                  </a:txBody>
+                  <a:tcPr marL="5194" marR="5194" marT="5194" marB="0" anchor="ctr" anchorCtr="1">
+                    <a:lnL w="6350" cap="flat" cmpd="sng" algn="ctr">
+                      <a:solidFill>
+                        <a:srgbClr val="000000"/>
+                      </a:solidFill>
+                      <a:prstDash val="solid"/>
+                      <a:round/>
+                      <a:headEnd type="none" w="med" len="med"/>
+                      <a:tailEnd type="none" w="med" len="med"/>
+                    </a:lnL>
+                    <a:lnR w="6350" cap="flat" cmpd="sng" algn="ctr">
+                      <a:solidFill>
+                        <a:srgbClr val="000000"/>
+                      </a:solidFill>
+                      <a:prstDash val="solid"/>
+                      <a:round/>
+                      <a:headEnd type="none" w="med" len="med"/>
+                      <a:tailEnd type="none" w="med" len="med"/>
+                    </a:lnR>
+                    <a:lnT w="6350" cap="flat" cmpd="sng" algn="ctr">
+                      <a:solidFill>
+                        <a:srgbClr val="000000"/>
+                      </a:solidFill>
+                      <a:prstDash val="solid"/>
+                      <a:round/>
+                      <a:headEnd type="none" w="med" len="med"/>
+                      <a:tailEnd type="none" w="med" len="med"/>
+                    </a:lnT>
+                    <a:lnB w="6350" cap="flat" cmpd="sng" algn="ctr">
+                      <a:solidFill>
+                        <a:srgbClr val="000000"/>
+                      </a:solidFill>
+                      <a:prstDash val="solid"/>
+                      <a:round/>
+                      <a:headEnd type="none" w="med" len="med"/>
+                      <a:tailEnd type="none" w="med" len="med"/>
+                    </a:lnB>
+                    <a:noFill/>
+                  </a:tcPr>
+                </a:tc>
+                <a:tc>
+                  <a:txBody>
+                    <a:bodyPr/>
+                    <a:lstStyle/>
+                    <a:p>
+                      <a:pPr algn="ctr" fontAlgn="b"/>
+                      <a:r>
+                        <a:rPr lang="en-SG" sz="1400" b="1" i="0" u="none" strike="noStrike" dirty="0">
+                          <a:solidFill>
+                            <a:srgbClr val="000000"/>
+                          </a:solidFill>
+                          <a:effectLst/>
+                          <a:latin typeface="+mn-lt"/>
+                        </a:rPr>
+                        <a:t>Confidence Scoring</a:t>
+                      </a:r>
+                    </a:p>
+                  </a:txBody>
+                  <a:tcPr marL="5194" marR="5194" marT="5194" marB="0" anchor="ctr" anchorCtr="1">
+                    <a:lnL w="6350" cap="flat" cmpd="sng" algn="ctr">
+                      <a:solidFill>
+                        <a:srgbClr val="000000"/>
+                      </a:solidFill>
+                      <a:prstDash val="solid"/>
+                      <a:round/>
+                      <a:headEnd type="none" w="med" len="med"/>
+                      <a:tailEnd type="none" w="med" len="med"/>
+                    </a:lnL>
+                    <a:lnR w="6350" cap="flat" cmpd="sng" algn="ctr">
+                      <a:solidFill>
+                        <a:srgbClr val="000000"/>
+                      </a:solidFill>
+                      <a:prstDash val="solid"/>
+                      <a:round/>
+                      <a:headEnd type="none" w="med" len="med"/>
+                      <a:tailEnd type="none" w="med" len="med"/>
+                    </a:lnR>
+                    <a:lnT w="6350" cap="flat" cmpd="sng" algn="ctr">
+                      <a:solidFill>
+                        <a:srgbClr val="000000"/>
+                      </a:solidFill>
+                      <a:prstDash val="solid"/>
+                      <a:round/>
+                      <a:headEnd type="none" w="med" len="med"/>
+                      <a:tailEnd type="none" w="med" len="med"/>
+                    </a:lnT>
+                    <a:lnB w="6350" cap="flat" cmpd="sng" algn="ctr">
+                      <a:solidFill>
+                        <a:srgbClr val="000000"/>
+                      </a:solidFill>
+                      <a:prstDash val="solid"/>
+                      <a:round/>
+                      <a:headEnd type="none" w="med" len="med"/>
+                      <a:tailEnd type="none" w="med" len="med"/>
+                    </a:lnB>
+                    <a:noFill/>
+                  </a:tcPr>
+                </a:tc>
+                <a:tc>
+                  <a:txBody>
+                    <a:bodyPr/>
+                    <a:lstStyle/>
+                    <a:p>
+                      <a:pPr algn="ctr" fontAlgn="b"/>
+                      <a:r>
+                        <a:rPr lang="en-SG" sz="1400" b="1" i="0" u="none" strike="noStrike" dirty="0">
+                          <a:solidFill>
+                            <a:srgbClr val="000000"/>
+                          </a:solidFill>
+                          <a:effectLst/>
+                          <a:latin typeface="+mn-lt"/>
+                        </a:rPr>
+                        <a:t>Use Case Fit</a:t>
+                      </a:r>
+                    </a:p>
+                  </a:txBody>
+                  <a:tcPr marL="5194" marR="5194" marT="5194" marB="0" anchor="ctr" anchorCtr="1">
+                    <a:lnL w="6350" cap="flat" cmpd="sng" algn="ctr">
+                      <a:solidFill>
+                        <a:srgbClr val="000000"/>
+                      </a:solidFill>
+                      <a:prstDash val="solid"/>
+                      <a:round/>
+                      <a:headEnd type="none" w="med" len="med"/>
+                      <a:tailEnd type="none" w="med" len="med"/>
+                    </a:lnL>
+                    <a:lnR w="6350" cap="flat" cmpd="sng" algn="ctr">
+                      <a:solidFill>
+                        <a:srgbClr val="000000"/>
+                      </a:solidFill>
+                      <a:prstDash val="solid"/>
+                      <a:round/>
+                      <a:headEnd type="none" w="med" len="med"/>
+                      <a:tailEnd type="none" w="med" len="med"/>
+                    </a:lnR>
+                    <a:lnT w="6350" cap="flat" cmpd="sng" algn="ctr">
+                      <a:solidFill>
+                        <a:srgbClr val="000000"/>
+                      </a:solidFill>
+                      <a:prstDash val="solid"/>
+                      <a:round/>
+                      <a:headEnd type="none" w="med" len="med"/>
+                      <a:tailEnd type="none" w="med" len="med"/>
+                    </a:lnT>
+                    <a:lnB w="6350" cap="flat" cmpd="sng" algn="ctr">
+                      <a:solidFill>
+                        <a:srgbClr val="000000"/>
+                      </a:solidFill>
+                      <a:prstDash val="solid"/>
+                      <a:round/>
+                      <a:headEnd type="none" w="med" len="med"/>
+                      <a:tailEnd type="none" w="med" len="med"/>
+                    </a:lnB>
+                    <a:noFill/>
+                  </a:tcPr>
+                </a:tc>
+                <a:extLst>
+                  <a:ext uri="{0D108BD9-81ED-4DB2-BD59-A6C34878D82A}">
+                    <a16:rowId xmlns:a16="http://schemas.microsoft.com/office/drawing/2014/main" val="2342985578"/>
+                  </a:ext>
+                </a:extLst>
+              </a:tr>
+              <a:tr h="562914">
+                <a:tc>
+                  <a:txBody>
+                    <a:bodyPr/>
+                    <a:lstStyle/>
+                    <a:p>
+                      <a:pPr algn="ctr" fontAlgn="b"/>
+                      <a:r>
+                        <a:rPr lang="en-SG" sz="1400" b="1" i="0" u="none" strike="noStrike" dirty="0">
+                          <a:solidFill>
+                            <a:srgbClr val="000000"/>
+                          </a:solidFill>
+                          <a:effectLst/>
+                          <a:latin typeface="+mn-lt"/>
+                        </a:rPr>
+                        <a:t>LLM Zero-Shot (Simulated)</a:t>
+                      </a:r>
+                    </a:p>
+                  </a:txBody>
+                  <a:tcPr marL="5194" marR="5194" marT="5194" marB="0" anchor="ctr" anchorCtr="1">
+                    <a:lnL w="6350" cap="flat" cmpd="sng" algn="ctr">
+                      <a:solidFill>
+                        <a:srgbClr val="000000"/>
+                      </a:solidFill>
+                      <a:prstDash val="solid"/>
+                      <a:round/>
+                      <a:headEnd type="none" w="med" len="med"/>
+                      <a:tailEnd type="none" w="med" len="med"/>
+                    </a:lnL>
+                    <a:lnR w="6350" cap="flat" cmpd="sng" algn="ctr">
+                      <a:solidFill>
+                        <a:srgbClr val="000000"/>
+                      </a:solidFill>
+                      <a:prstDash val="solid"/>
+                      <a:round/>
+                      <a:headEnd type="none" w="med" len="med"/>
+                      <a:tailEnd type="none" w="med" len="med"/>
+                    </a:lnR>
+                    <a:lnT w="6350" cap="flat" cmpd="sng" algn="ctr">
+                      <a:solidFill>
+                        <a:srgbClr val="000000"/>
+                      </a:solidFill>
+                      <a:prstDash val="solid"/>
+                      <a:round/>
+                      <a:headEnd type="none" w="med" len="med"/>
+                      <a:tailEnd type="none" w="med" len="med"/>
+                    </a:lnT>
+                    <a:lnB w="6350" cap="flat" cmpd="sng" algn="ctr">
+                      <a:solidFill>
+                        <a:srgbClr val="000000"/>
+                      </a:solidFill>
+                      <a:prstDash val="solid"/>
+                      <a:round/>
+                      <a:headEnd type="none" w="med" len="med"/>
+                      <a:tailEnd type="none" w="med" len="med"/>
+                    </a:lnB>
+                    <a:noFill/>
+                  </a:tcPr>
+                </a:tc>
+                <a:tc>
+                  <a:txBody>
+                    <a:bodyPr/>
+                    <a:lstStyle/>
+                    <a:p>
+                      <a:pPr algn="ctr" fontAlgn="b"/>
+                      <a:r>
+                        <a:rPr lang="en-SG" sz="1400" b="1" i="0" u="none" strike="noStrike" dirty="0">
+                          <a:solidFill>
+                            <a:srgbClr val="000000"/>
+                          </a:solidFill>
+                          <a:effectLst/>
+                          <a:latin typeface="+mn-lt"/>
+                        </a:rPr>
+                        <a:t>No</a:t>
+                      </a:r>
+                    </a:p>
+                  </a:txBody>
+                  <a:tcPr marL="5194" marR="5194" marT="5194" marB="0" anchor="ctr" anchorCtr="1">
+                    <a:lnL w="6350" cap="flat" cmpd="sng" algn="ctr">
+                      <a:solidFill>
+                        <a:srgbClr val="000000"/>
+                      </a:solidFill>
+                      <a:prstDash val="solid"/>
+                      <a:round/>
+                      <a:headEnd type="none" w="med" len="med"/>
+                      <a:tailEnd type="none" w="med" len="med"/>
+                    </a:lnL>
+                    <a:lnR w="6350" cap="flat" cmpd="sng" algn="ctr">
+                      <a:solidFill>
+                        <a:srgbClr val="000000"/>
+                      </a:solidFill>
+                      <a:prstDash val="solid"/>
+                      <a:round/>
+                      <a:headEnd type="none" w="med" len="med"/>
+                      <a:tailEnd type="none" w="med" len="med"/>
+                    </a:lnR>
+                    <a:lnT w="6350" cap="flat" cmpd="sng" algn="ctr">
+                      <a:solidFill>
+                        <a:srgbClr val="000000"/>
+                      </a:solidFill>
+                      <a:prstDash val="solid"/>
+                      <a:round/>
+                      <a:headEnd type="none" w="med" len="med"/>
+                      <a:tailEnd type="none" w="med" len="med"/>
+                    </a:lnT>
+                    <a:lnB w="6350" cap="flat" cmpd="sng" algn="ctr">
+                      <a:solidFill>
+                        <a:srgbClr val="000000"/>
+                      </a:solidFill>
+                      <a:prstDash val="solid"/>
+                      <a:round/>
+                      <a:headEnd type="none" w="med" len="med"/>
+                      <a:tailEnd type="none" w="med" len="med"/>
+                    </a:lnB>
+                    <a:noFill/>
+                  </a:tcPr>
+                </a:tc>
+                <a:tc>
+                  <a:txBody>
+                    <a:bodyPr/>
+                    <a:lstStyle/>
+                    <a:p>
+                      <a:pPr algn="ctr" fontAlgn="b"/>
+                      <a:r>
+                        <a:rPr lang="en-SG" sz="1400" b="1" i="0" u="none" strike="noStrike" dirty="0">
+                          <a:solidFill>
+                            <a:srgbClr val="000000"/>
+                          </a:solidFill>
+                          <a:effectLst/>
+                          <a:latin typeface="+mn-lt"/>
+                        </a:rPr>
+                        <a:t>High</a:t>
+                      </a:r>
+                    </a:p>
+                  </a:txBody>
+                  <a:tcPr marL="5194" marR="5194" marT="5194" marB="0" anchor="ctr" anchorCtr="1">
+                    <a:lnL w="6350" cap="flat" cmpd="sng" algn="ctr">
+                      <a:solidFill>
+                        <a:srgbClr val="000000"/>
+                      </a:solidFill>
+                      <a:prstDash val="solid"/>
+                      <a:round/>
+                      <a:headEnd type="none" w="med" len="med"/>
+                      <a:tailEnd type="none" w="med" len="med"/>
+                    </a:lnL>
+                    <a:lnR w="6350" cap="flat" cmpd="sng" algn="ctr">
+                      <a:solidFill>
+                        <a:srgbClr val="000000"/>
+                      </a:solidFill>
+                      <a:prstDash val="solid"/>
+                      <a:round/>
+                      <a:headEnd type="none" w="med" len="med"/>
+                      <a:tailEnd type="none" w="med" len="med"/>
+                    </a:lnR>
+                    <a:lnT w="6350" cap="flat" cmpd="sng" algn="ctr">
+                      <a:solidFill>
+                        <a:srgbClr val="000000"/>
+                      </a:solidFill>
+                      <a:prstDash val="solid"/>
+                      <a:round/>
+                      <a:headEnd type="none" w="med" len="med"/>
+                      <a:tailEnd type="none" w="med" len="med"/>
+                    </a:lnT>
+                    <a:lnB w="6350" cap="flat" cmpd="sng" algn="ctr">
+                      <a:solidFill>
+                        <a:srgbClr val="000000"/>
+                      </a:solidFill>
+                      <a:prstDash val="solid"/>
+                      <a:round/>
+                      <a:headEnd type="none" w="med" len="med"/>
+                      <a:tailEnd type="none" w="med" len="med"/>
+                    </a:lnB>
+                    <a:noFill/>
+                  </a:tcPr>
+                </a:tc>
+                <a:tc>
+                  <a:txBody>
+                    <a:bodyPr/>
+                    <a:lstStyle/>
+                    <a:p>
+                      <a:pPr algn="ctr" fontAlgn="b"/>
+                      <a:r>
+                        <a:rPr lang="en-SG" sz="1400" b="1" i="0" u="none" strike="noStrike" dirty="0">
+                          <a:solidFill>
+                            <a:srgbClr val="000000"/>
+                          </a:solidFill>
+                          <a:effectLst/>
+                          <a:latin typeface="+mn-lt"/>
+                        </a:rPr>
+                        <a:t>High</a:t>
+                      </a:r>
+                    </a:p>
+                  </a:txBody>
+                  <a:tcPr marL="5194" marR="5194" marT="5194" marB="0" anchor="ctr" anchorCtr="1">
+                    <a:lnL w="6350" cap="flat" cmpd="sng" algn="ctr">
+                      <a:solidFill>
+                        <a:srgbClr val="000000"/>
+                      </a:solidFill>
+                      <a:prstDash val="solid"/>
+                      <a:round/>
+                      <a:headEnd type="none" w="med" len="med"/>
+                      <a:tailEnd type="none" w="med" len="med"/>
+                    </a:lnL>
+                    <a:lnR w="6350" cap="flat" cmpd="sng" algn="ctr">
+                      <a:solidFill>
+                        <a:srgbClr val="000000"/>
+                      </a:solidFill>
+                      <a:prstDash val="solid"/>
+                      <a:round/>
+                      <a:headEnd type="none" w="med" len="med"/>
+                      <a:tailEnd type="none" w="med" len="med"/>
+                    </a:lnR>
+                    <a:lnT w="6350" cap="flat" cmpd="sng" algn="ctr">
+                      <a:solidFill>
+                        <a:srgbClr val="000000"/>
+                      </a:solidFill>
+                      <a:prstDash val="solid"/>
+                      <a:round/>
+                      <a:headEnd type="none" w="med" len="med"/>
+                      <a:tailEnd type="none" w="med" len="med"/>
+                    </a:lnT>
+                    <a:lnB w="6350" cap="flat" cmpd="sng" algn="ctr">
+                      <a:solidFill>
+                        <a:srgbClr val="000000"/>
+                      </a:solidFill>
+                      <a:prstDash val="solid"/>
+                      <a:round/>
+                      <a:headEnd type="none" w="med" len="med"/>
+                      <a:tailEnd type="none" w="med" len="med"/>
+                    </a:lnB>
+                    <a:noFill/>
+                  </a:tcPr>
+                </a:tc>
+                <a:tc>
+                  <a:txBody>
+                    <a:bodyPr/>
+                    <a:lstStyle/>
+                    <a:p>
+                      <a:pPr algn="ctr" fontAlgn="b"/>
+                      <a:r>
+                        <a:rPr lang="en-SG" sz="1400" b="1" i="0" u="none" strike="noStrike" dirty="0">
+                          <a:solidFill>
+                            <a:srgbClr val="000000"/>
+                          </a:solidFill>
+                          <a:effectLst/>
+                          <a:latin typeface="+mn-lt"/>
+                        </a:rPr>
+                        <a:t>Medium</a:t>
+                      </a:r>
+                    </a:p>
+                  </a:txBody>
+                  <a:tcPr marL="5194" marR="5194" marT="5194" marB="0" anchor="ctr" anchorCtr="1">
+                    <a:lnL w="6350" cap="flat" cmpd="sng" algn="ctr">
+                      <a:solidFill>
+                        <a:srgbClr val="000000"/>
+                      </a:solidFill>
+                      <a:prstDash val="solid"/>
+                      <a:round/>
+                      <a:headEnd type="none" w="med" len="med"/>
+                      <a:tailEnd type="none" w="med" len="med"/>
+                    </a:lnL>
+                    <a:lnR w="6350" cap="flat" cmpd="sng" algn="ctr">
+                      <a:solidFill>
+                        <a:srgbClr val="000000"/>
+                      </a:solidFill>
+                      <a:prstDash val="solid"/>
+                      <a:round/>
+                      <a:headEnd type="none" w="med" len="med"/>
+                      <a:tailEnd type="none" w="med" len="med"/>
+                    </a:lnR>
+                    <a:lnT w="6350" cap="flat" cmpd="sng" algn="ctr">
+                      <a:solidFill>
+                        <a:srgbClr val="000000"/>
+                      </a:solidFill>
+                      <a:prstDash val="solid"/>
+                      <a:round/>
+                      <a:headEnd type="none" w="med" len="med"/>
+                      <a:tailEnd type="none" w="med" len="med"/>
+                    </a:lnT>
+                    <a:lnB w="6350" cap="flat" cmpd="sng" algn="ctr">
+                      <a:solidFill>
+                        <a:srgbClr val="000000"/>
+                      </a:solidFill>
+                      <a:prstDash val="solid"/>
+                      <a:round/>
+                      <a:headEnd type="none" w="med" len="med"/>
+                      <a:tailEnd type="none" w="med" len="med"/>
+                    </a:lnB>
+                    <a:noFill/>
+                  </a:tcPr>
+                </a:tc>
+                <a:tc>
+                  <a:txBody>
+                    <a:bodyPr/>
+                    <a:lstStyle/>
+                    <a:p>
+                      <a:pPr algn="ctr" fontAlgn="b"/>
+                      <a:r>
+                        <a:rPr lang="en-SG" sz="1400" b="1" i="0" u="none" strike="noStrike">
+                          <a:solidFill>
+                            <a:srgbClr val="000000"/>
+                          </a:solidFill>
+                          <a:effectLst/>
+                          <a:latin typeface="+mn-lt"/>
+                        </a:rPr>
+                        <a:t>Keyword Match Count</a:t>
+                      </a:r>
+                    </a:p>
+                  </a:txBody>
+                  <a:tcPr marL="5194" marR="5194" marT="5194" marB="0" anchor="ctr" anchorCtr="1">
+                    <a:lnL w="6350" cap="flat" cmpd="sng" algn="ctr">
+                      <a:solidFill>
+                        <a:srgbClr val="000000"/>
+                      </a:solidFill>
+                      <a:prstDash val="solid"/>
+                      <a:round/>
+                      <a:headEnd type="none" w="med" len="med"/>
+                      <a:tailEnd type="none" w="med" len="med"/>
+                    </a:lnL>
+                    <a:lnR w="6350" cap="flat" cmpd="sng" algn="ctr">
+                      <a:solidFill>
+                        <a:srgbClr val="000000"/>
+                      </a:solidFill>
+                      <a:prstDash val="solid"/>
+                      <a:round/>
+                      <a:headEnd type="none" w="med" len="med"/>
+                      <a:tailEnd type="none" w="med" len="med"/>
+                    </a:lnR>
+                    <a:lnT w="6350" cap="flat" cmpd="sng" algn="ctr">
+                      <a:solidFill>
+                        <a:srgbClr val="000000"/>
+                      </a:solidFill>
+                      <a:prstDash val="solid"/>
+                      <a:round/>
+                      <a:headEnd type="none" w="med" len="med"/>
+                      <a:tailEnd type="none" w="med" len="med"/>
+                    </a:lnT>
+                    <a:lnB w="6350" cap="flat" cmpd="sng" algn="ctr">
+                      <a:solidFill>
+                        <a:srgbClr val="000000"/>
+                      </a:solidFill>
+                      <a:prstDash val="solid"/>
+                      <a:round/>
+                      <a:headEnd type="none" w="med" len="med"/>
+                      <a:tailEnd type="none" w="med" len="med"/>
+                    </a:lnB>
+                    <a:noFill/>
+                  </a:tcPr>
+                </a:tc>
+                <a:tc>
+                  <a:txBody>
+                    <a:bodyPr/>
+                    <a:lstStyle/>
+                    <a:p>
+                      <a:pPr algn="ctr" fontAlgn="b"/>
+                      <a:r>
+                        <a:rPr lang="en-SG" sz="1400" b="1" i="0" u="none" strike="noStrike">
+                          <a:solidFill>
+                            <a:srgbClr val="000000"/>
+                          </a:solidFill>
+                          <a:effectLst/>
+                          <a:latin typeface="+mn-lt"/>
+                        </a:rPr>
+                        <a:t>Quick insights, no training</a:t>
+                      </a:r>
+                    </a:p>
+                  </a:txBody>
+                  <a:tcPr marL="5194" marR="5194" marT="5194" marB="0" anchor="ctr" anchorCtr="1">
+                    <a:lnL w="6350" cap="flat" cmpd="sng" algn="ctr">
+                      <a:solidFill>
+                        <a:srgbClr val="000000"/>
+                      </a:solidFill>
+                      <a:prstDash val="solid"/>
+                      <a:round/>
+                      <a:headEnd type="none" w="med" len="med"/>
+                      <a:tailEnd type="none" w="med" len="med"/>
+                    </a:lnL>
+                    <a:lnR w="6350" cap="flat" cmpd="sng" algn="ctr">
+                      <a:solidFill>
+                        <a:srgbClr val="000000"/>
+                      </a:solidFill>
+                      <a:prstDash val="solid"/>
+                      <a:round/>
+                      <a:headEnd type="none" w="med" len="med"/>
+                      <a:tailEnd type="none" w="med" len="med"/>
+                    </a:lnR>
+                    <a:lnT w="6350" cap="flat" cmpd="sng" algn="ctr">
+                      <a:solidFill>
+                        <a:srgbClr val="000000"/>
+                      </a:solidFill>
+                      <a:prstDash val="solid"/>
+                      <a:round/>
+                      <a:headEnd type="none" w="med" len="med"/>
+                      <a:tailEnd type="none" w="med" len="med"/>
+                    </a:lnT>
+                    <a:lnB w="6350" cap="flat" cmpd="sng" algn="ctr">
+                      <a:solidFill>
+                        <a:srgbClr val="000000"/>
+                      </a:solidFill>
+                      <a:prstDash val="solid"/>
+                      <a:round/>
+                      <a:headEnd type="none" w="med" len="med"/>
+                      <a:tailEnd type="none" w="med" len="med"/>
+                    </a:lnB>
+                    <a:noFill/>
+                  </a:tcPr>
+                </a:tc>
+                <a:extLst>
+                  <a:ext uri="{0D108BD9-81ED-4DB2-BD59-A6C34878D82A}">
+                    <a16:rowId xmlns:a16="http://schemas.microsoft.com/office/drawing/2014/main" val="1455764699"/>
+                  </a:ext>
+                </a:extLst>
+              </a:tr>
+              <a:tr h="562914">
+                <a:tc>
+                  <a:txBody>
+                    <a:bodyPr/>
+                    <a:lstStyle/>
+                    <a:p>
+                      <a:pPr algn="ctr" fontAlgn="b"/>
+                      <a:r>
+                        <a:rPr lang="en-SG" sz="1400" b="1" i="0" u="none" strike="noStrike">
+                          <a:solidFill>
+                            <a:srgbClr val="000000"/>
+                          </a:solidFill>
+                          <a:effectLst/>
+                          <a:latin typeface="+mn-lt"/>
+                        </a:rPr>
+                        <a:t>BERTopic (Unsupervised)</a:t>
+                      </a:r>
+                    </a:p>
+                  </a:txBody>
+                  <a:tcPr marL="5194" marR="5194" marT="5194" marB="0" anchor="ctr" anchorCtr="1">
+                    <a:lnL w="6350" cap="flat" cmpd="sng" algn="ctr">
+                      <a:solidFill>
+                        <a:srgbClr val="000000"/>
+                      </a:solidFill>
+                      <a:prstDash val="solid"/>
+                      <a:round/>
+                      <a:headEnd type="none" w="med" len="med"/>
+                      <a:tailEnd type="none" w="med" len="med"/>
+                    </a:lnL>
+                    <a:lnR w="6350" cap="flat" cmpd="sng" algn="ctr">
+                      <a:solidFill>
+                        <a:srgbClr val="000000"/>
+                      </a:solidFill>
+                      <a:prstDash val="solid"/>
+                      <a:round/>
+                      <a:headEnd type="none" w="med" len="med"/>
+                      <a:tailEnd type="none" w="med" len="med"/>
+                    </a:lnR>
+                    <a:lnT w="6350" cap="flat" cmpd="sng" algn="ctr">
+                      <a:solidFill>
+                        <a:srgbClr val="000000"/>
+                      </a:solidFill>
+                      <a:prstDash val="solid"/>
+                      <a:round/>
+                      <a:headEnd type="none" w="med" len="med"/>
+                      <a:tailEnd type="none" w="med" len="med"/>
+                    </a:lnT>
+                    <a:lnB w="6350" cap="flat" cmpd="sng" algn="ctr">
+                      <a:solidFill>
+                        <a:srgbClr val="000000"/>
+                      </a:solidFill>
+                      <a:prstDash val="solid"/>
+                      <a:round/>
+                      <a:headEnd type="none" w="med" len="med"/>
+                      <a:tailEnd type="none" w="med" len="med"/>
+                    </a:lnB>
+                    <a:noFill/>
+                  </a:tcPr>
+                </a:tc>
+                <a:tc>
+                  <a:txBody>
+                    <a:bodyPr/>
+                    <a:lstStyle/>
+                    <a:p>
+                      <a:pPr algn="ctr" fontAlgn="b"/>
+                      <a:r>
+                        <a:rPr lang="en-SG" sz="1400" b="1" i="0" u="none" strike="noStrike" dirty="0">
+                          <a:solidFill>
+                            <a:srgbClr val="000000"/>
+                          </a:solidFill>
+                          <a:effectLst/>
+                          <a:latin typeface="+mn-lt"/>
+                        </a:rPr>
+                        <a:t>No</a:t>
+                      </a:r>
+                    </a:p>
+                  </a:txBody>
+                  <a:tcPr marL="5194" marR="5194" marT="5194" marB="0" anchor="ctr" anchorCtr="1">
+                    <a:lnL w="6350" cap="flat" cmpd="sng" algn="ctr">
+                      <a:solidFill>
+                        <a:srgbClr val="000000"/>
+                      </a:solidFill>
+                      <a:prstDash val="solid"/>
+                      <a:round/>
+                      <a:headEnd type="none" w="med" len="med"/>
+                      <a:tailEnd type="none" w="med" len="med"/>
+                    </a:lnL>
+                    <a:lnR w="6350" cap="flat" cmpd="sng" algn="ctr">
+                      <a:solidFill>
+                        <a:srgbClr val="000000"/>
+                      </a:solidFill>
+                      <a:prstDash val="solid"/>
+                      <a:round/>
+                      <a:headEnd type="none" w="med" len="med"/>
+                      <a:tailEnd type="none" w="med" len="med"/>
+                    </a:lnR>
+                    <a:lnT w="6350" cap="flat" cmpd="sng" algn="ctr">
+                      <a:solidFill>
+                        <a:srgbClr val="000000"/>
+                      </a:solidFill>
+                      <a:prstDash val="solid"/>
+                      <a:round/>
+                      <a:headEnd type="none" w="med" len="med"/>
+                      <a:tailEnd type="none" w="med" len="med"/>
+                    </a:lnT>
+                    <a:lnB w="6350" cap="flat" cmpd="sng" algn="ctr">
+                      <a:solidFill>
+                        <a:srgbClr val="000000"/>
+                      </a:solidFill>
+                      <a:prstDash val="solid"/>
+                      <a:round/>
+                      <a:headEnd type="none" w="med" len="med"/>
+                      <a:tailEnd type="none" w="med" len="med"/>
+                    </a:lnB>
+                    <a:noFill/>
+                  </a:tcPr>
+                </a:tc>
+                <a:tc>
+                  <a:txBody>
+                    <a:bodyPr/>
+                    <a:lstStyle/>
+                    <a:p>
+                      <a:pPr algn="ctr" fontAlgn="b"/>
+                      <a:r>
+                        <a:rPr lang="en-SG" sz="1400" b="1" i="0" u="none" strike="noStrike" dirty="0">
+                          <a:solidFill>
+                            <a:srgbClr val="000000"/>
+                          </a:solidFill>
+                          <a:effectLst/>
+                          <a:latin typeface="+mn-lt"/>
+                        </a:rPr>
+                        <a:t>Medium</a:t>
+                      </a:r>
+                    </a:p>
+                  </a:txBody>
+                  <a:tcPr marL="5194" marR="5194" marT="5194" marB="0" anchor="ctr" anchorCtr="1">
+                    <a:lnL w="6350" cap="flat" cmpd="sng" algn="ctr">
+                      <a:solidFill>
+                        <a:srgbClr val="000000"/>
+                      </a:solidFill>
+                      <a:prstDash val="solid"/>
+                      <a:round/>
+                      <a:headEnd type="none" w="med" len="med"/>
+                      <a:tailEnd type="none" w="med" len="med"/>
+                    </a:lnL>
+                    <a:lnR w="6350" cap="flat" cmpd="sng" algn="ctr">
+                      <a:solidFill>
+                        <a:srgbClr val="000000"/>
+                      </a:solidFill>
+                      <a:prstDash val="solid"/>
+                      <a:round/>
+                      <a:headEnd type="none" w="med" len="med"/>
+                      <a:tailEnd type="none" w="med" len="med"/>
+                    </a:lnR>
+                    <a:lnT w="6350" cap="flat" cmpd="sng" algn="ctr">
+                      <a:solidFill>
+                        <a:srgbClr val="000000"/>
+                      </a:solidFill>
+                      <a:prstDash val="solid"/>
+                      <a:round/>
+                      <a:headEnd type="none" w="med" len="med"/>
+                      <a:tailEnd type="none" w="med" len="med"/>
+                    </a:lnT>
+                    <a:lnB w="6350" cap="flat" cmpd="sng" algn="ctr">
+                      <a:solidFill>
+                        <a:srgbClr val="000000"/>
+                      </a:solidFill>
+                      <a:prstDash val="solid"/>
+                      <a:round/>
+                      <a:headEnd type="none" w="med" len="med"/>
+                      <a:tailEnd type="none" w="med" len="med"/>
+                    </a:lnB>
+                    <a:noFill/>
+                  </a:tcPr>
+                </a:tc>
+                <a:tc>
+                  <a:txBody>
+                    <a:bodyPr/>
+                    <a:lstStyle/>
+                    <a:p>
+                      <a:pPr algn="ctr" fontAlgn="b"/>
+                      <a:r>
+                        <a:rPr lang="en-SG" sz="1400" b="1" i="0" u="none" strike="noStrike" dirty="0">
+                          <a:solidFill>
+                            <a:srgbClr val="000000"/>
+                          </a:solidFill>
+                          <a:effectLst/>
+                          <a:latin typeface="+mn-lt"/>
+                        </a:rPr>
+                        <a:t>Medium</a:t>
+                      </a:r>
+                    </a:p>
+                  </a:txBody>
+                  <a:tcPr marL="5194" marR="5194" marT="5194" marB="0" anchor="ctr" anchorCtr="1">
+                    <a:lnL w="6350" cap="flat" cmpd="sng" algn="ctr">
+                      <a:solidFill>
+                        <a:srgbClr val="000000"/>
+                      </a:solidFill>
+                      <a:prstDash val="solid"/>
+                      <a:round/>
+                      <a:headEnd type="none" w="med" len="med"/>
+                      <a:tailEnd type="none" w="med" len="med"/>
+                    </a:lnL>
+                    <a:lnR w="6350" cap="flat" cmpd="sng" algn="ctr">
+                      <a:solidFill>
+                        <a:srgbClr val="000000"/>
+                      </a:solidFill>
+                      <a:prstDash val="solid"/>
+                      <a:round/>
+                      <a:headEnd type="none" w="med" len="med"/>
+                      <a:tailEnd type="none" w="med" len="med"/>
+                    </a:lnR>
+                    <a:lnT w="6350" cap="flat" cmpd="sng" algn="ctr">
+                      <a:solidFill>
+                        <a:srgbClr val="000000"/>
+                      </a:solidFill>
+                      <a:prstDash val="solid"/>
+                      <a:round/>
+                      <a:headEnd type="none" w="med" len="med"/>
+                      <a:tailEnd type="none" w="med" len="med"/>
+                    </a:lnT>
+                    <a:lnB w="6350" cap="flat" cmpd="sng" algn="ctr">
+                      <a:solidFill>
+                        <a:srgbClr val="000000"/>
+                      </a:solidFill>
+                      <a:prstDash val="solid"/>
+                      <a:round/>
+                      <a:headEnd type="none" w="med" len="med"/>
+                      <a:tailEnd type="none" w="med" len="med"/>
+                    </a:lnB>
+                    <a:noFill/>
+                  </a:tcPr>
+                </a:tc>
+                <a:tc>
+                  <a:txBody>
+                    <a:bodyPr/>
+                    <a:lstStyle/>
+                    <a:p>
+                      <a:pPr algn="ctr" fontAlgn="b"/>
+                      <a:r>
+                        <a:rPr lang="en-SG" sz="1400" b="1" i="0" u="none" strike="noStrike">
+                          <a:solidFill>
+                            <a:srgbClr val="000000"/>
+                          </a:solidFill>
+                          <a:effectLst/>
+                          <a:latin typeface="+mn-lt"/>
+                        </a:rPr>
+                        <a:t>High</a:t>
+                      </a:r>
+                    </a:p>
+                  </a:txBody>
+                  <a:tcPr marL="5194" marR="5194" marT="5194" marB="0" anchor="ctr" anchorCtr="1">
+                    <a:lnL w="6350" cap="flat" cmpd="sng" algn="ctr">
+                      <a:solidFill>
+                        <a:srgbClr val="000000"/>
+                      </a:solidFill>
+                      <a:prstDash val="solid"/>
+                      <a:round/>
+                      <a:headEnd type="none" w="med" len="med"/>
+                      <a:tailEnd type="none" w="med" len="med"/>
+                    </a:lnL>
+                    <a:lnR w="6350" cap="flat" cmpd="sng" algn="ctr">
+                      <a:solidFill>
+                        <a:srgbClr val="000000"/>
+                      </a:solidFill>
+                      <a:prstDash val="solid"/>
+                      <a:round/>
+                      <a:headEnd type="none" w="med" len="med"/>
+                      <a:tailEnd type="none" w="med" len="med"/>
+                    </a:lnR>
+                    <a:lnT w="6350" cap="flat" cmpd="sng" algn="ctr">
+                      <a:solidFill>
+                        <a:srgbClr val="000000"/>
+                      </a:solidFill>
+                      <a:prstDash val="solid"/>
+                      <a:round/>
+                      <a:headEnd type="none" w="med" len="med"/>
+                      <a:tailEnd type="none" w="med" len="med"/>
+                    </a:lnT>
+                    <a:lnB w="6350" cap="flat" cmpd="sng" algn="ctr">
+                      <a:solidFill>
+                        <a:srgbClr val="000000"/>
+                      </a:solidFill>
+                      <a:prstDash val="solid"/>
+                      <a:round/>
+                      <a:headEnd type="none" w="med" len="med"/>
+                      <a:tailEnd type="none" w="med" len="med"/>
+                    </a:lnB>
+                    <a:noFill/>
+                  </a:tcPr>
+                </a:tc>
+                <a:tc>
+                  <a:txBody>
+                    <a:bodyPr/>
+                    <a:lstStyle/>
+                    <a:p>
+                      <a:pPr algn="ctr" fontAlgn="b"/>
+                      <a:r>
+                        <a:rPr lang="en-SG" sz="1400" b="1" i="0" u="none" strike="noStrike" dirty="0">
+                          <a:solidFill>
+                            <a:srgbClr val="000000"/>
+                          </a:solidFill>
+                          <a:effectLst/>
+                          <a:latin typeface="+mn-lt"/>
+                        </a:rPr>
+                        <a:t>Topic Probabilities</a:t>
+                      </a:r>
+                    </a:p>
+                  </a:txBody>
+                  <a:tcPr marL="5194" marR="5194" marT="5194" marB="0" anchor="ctr" anchorCtr="1">
+                    <a:lnL w="6350" cap="flat" cmpd="sng" algn="ctr">
+                      <a:solidFill>
+                        <a:srgbClr val="000000"/>
+                      </a:solidFill>
+                      <a:prstDash val="solid"/>
+                      <a:round/>
+                      <a:headEnd type="none" w="med" len="med"/>
+                      <a:tailEnd type="none" w="med" len="med"/>
+                    </a:lnL>
+                    <a:lnR w="6350" cap="flat" cmpd="sng" algn="ctr">
+                      <a:solidFill>
+                        <a:srgbClr val="000000"/>
+                      </a:solidFill>
+                      <a:prstDash val="solid"/>
+                      <a:round/>
+                      <a:headEnd type="none" w="med" len="med"/>
+                      <a:tailEnd type="none" w="med" len="med"/>
+                    </a:lnR>
+                    <a:lnT w="6350" cap="flat" cmpd="sng" algn="ctr">
+                      <a:solidFill>
+                        <a:srgbClr val="000000"/>
+                      </a:solidFill>
+                      <a:prstDash val="solid"/>
+                      <a:round/>
+                      <a:headEnd type="none" w="med" len="med"/>
+                      <a:tailEnd type="none" w="med" len="med"/>
+                    </a:lnT>
+                    <a:lnB w="6350" cap="flat" cmpd="sng" algn="ctr">
+                      <a:solidFill>
+                        <a:srgbClr val="000000"/>
+                      </a:solidFill>
+                      <a:prstDash val="solid"/>
+                      <a:round/>
+                      <a:headEnd type="none" w="med" len="med"/>
+                      <a:tailEnd type="none" w="med" len="med"/>
+                    </a:lnB>
+                    <a:noFill/>
+                  </a:tcPr>
+                </a:tc>
+                <a:tc>
+                  <a:txBody>
+                    <a:bodyPr/>
+                    <a:lstStyle/>
+                    <a:p>
+                      <a:pPr algn="ctr" fontAlgn="b"/>
+                      <a:r>
+                        <a:rPr lang="en-SG" sz="1400" b="1" i="0" u="none" strike="noStrike">
+                          <a:solidFill>
+                            <a:srgbClr val="000000"/>
+                          </a:solidFill>
+                          <a:effectLst/>
+                          <a:latin typeface="+mn-lt"/>
+                        </a:rPr>
+                        <a:t>Exploring themes and patterns</a:t>
+                      </a:r>
+                    </a:p>
+                  </a:txBody>
+                  <a:tcPr marL="5194" marR="5194" marT="5194" marB="0" anchor="ctr" anchorCtr="1">
+                    <a:lnL w="6350" cap="flat" cmpd="sng" algn="ctr">
+                      <a:solidFill>
+                        <a:srgbClr val="000000"/>
+                      </a:solidFill>
+                      <a:prstDash val="solid"/>
+                      <a:round/>
+                      <a:headEnd type="none" w="med" len="med"/>
+                      <a:tailEnd type="none" w="med" len="med"/>
+                    </a:lnL>
+                    <a:lnR w="6350" cap="flat" cmpd="sng" algn="ctr">
+                      <a:solidFill>
+                        <a:srgbClr val="000000"/>
+                      </a:solidFill>
+                      <a:prstDash val="solid"/>
+                      <a:round/>
+                      <a:headEnd type="none" w="med" len="med"/>
+                      <a:tailEnd type="none" w="med" len="med"/>
+                    </a:lnR>
+                    <a:lnT w="6350" cap="flat" cmpd="sng" algn="ctr">
+                      <a:solidFill>
+                        <a:srgbClr val="000000"/>
+                      </a:solidFill>
+                      <a:prstDash val="solid"/>
+                      <a:round/>
+                      <a:headEnd type="none" w="med" len="med"/>
+                      <a:tailEnd type="none" w="med" len="med"/>
+                    </a:lnT>
+                    <a:lnB w="6350" cap="flat" cmpd="sng" algn="ctr">
+                      <a:solidFill>
+                        <a:srgbClr val="000000"/>
+                      </a:solidFill>
+                      <a:prstDash val="solid"/>
+                      <a:round/>
+                      <a:headEnd type="none" w="med" len="med"/>
+                      <a:tailEnd type="none" w="med" len="med"/>
+                    </a:lnB>
+                    <a:noFill/>
+                  </a:tcPr>
+                </a:tc>
+                <a:extLst>
+                  <a:ext uri="{0D108BD9-81ED-4DB2-BD59-A6C34878D82A}">
+                    <a16:rowId xmlns:a16="http://schemas.microsoft.com/office/drawing/2014/main" val="1650583769"/>
+                  </a:ext>
+                </a:extLst>
+              </a:tr>
+              <a:tr h="562914">
+                <a:tc>
+                  <a:txBody>
+                    <a:bodyPr/>
+                    <a:lstStyle/>
+                    <a:p>
+                      <a:pPr algn="ctr" fontAlgn="b"/>
+                      <a:r>
+                        <a:rPr lang="en-SG" sz="1400" b="1" i="0" u="none" strike="noStrike">
+                          <a:solidFill>
+                            <a:srgbClr val="000000"/>
+                          </a:solidFill>
+                          <a:effectLst/>
+                          <a:latin typeface="+mn-lt"/>
+                        </a:rPr>
+                        <a:t>Rule-Based + ML</a:t>
+                      </a:r>
+                    </a:p>
+                  </a:txBody>
+                  <a:tcPr marL="5194" marR="5194" marT="5194" marB="0" anchor="ctr" anchorCtr="1">
+                    <a:lnL w="6350" cap="flat" cmpd="sng" algn="ctr">
+                      <a:solidFill>
+                        <a:srgbClr val="000000"/>
+                      </a:solidFill>
+                      <a:prstDash val="solid"/>
+                      <a:round/>
+                      <a:headEnd type="none" w="med" len="med"/>
+                      <a:tailEnd type="none" w="med" len="med"/>
+                    </a:lnL>
+                    <a:lnR w="6350" cap="flat" cmpd="sng" algn="ctr">
+                      <a:solidFill>
+                        <a:srgbClr val="000000"/>
+                      </a:solidFill>
+                      <a:prstDash val="solid"/>
+                      <a:round/>
+                      <a:headEnd type="none" w="med" len="med"/>
+                      <a:tailEnd type="none" w="med" len="med"/>
+                    </a:lnR>
+                    <a:lnT w="6350" cap="flat" cmpd="sng" algn="ctr">
+                      <a:solidFill>
+                        <a:srgbClr val="000000"/>
+                      </a:solidFill>
+                      <a:prstDash val="solid"/>
+                      <a:round/>
+                      <a:headEnd type="none" w="med" len="med"/>
+                      <a:tailEnd type="none" w="med" len="med"/>
+                    </a:lnT>
+                    <a:lnB w="6350" cap="flat" cmpd="sng" algn="ctr">
+                      <a:solidFill>
+                        <a:srgbClr val="000000"/>
+                      </a:solidFill>
+                      <a:prstDash val="solid"/>
+                      <a:round/>
+                      <a:headEnd type="none" w="med" len="med"/>
+                      <a:tailEnd type="none" w="med" len="med"/>
+                    </a:lnB>
+                    <a:noFill/>
+                  </a:tcPr>
+                </a:tc>
+                <a:tc>
+                  <a:txBody>
+                    <a:bodyPr/>
+                    <a:lstStyle/>
+                    <a:p>
+                      <a:pPr algn="ctr" fontAlgn="b"/>
+                      <a:r>
+                        <a:rPr lang="en-SG" sz="1400" b="1" i="0" u="none" strike="noStrike" dirty="0">
+                          <a:solidFill>
+                            <a:srgbClr val="000000"/>
+                          </a:solidFill>
+                          <a:effectLst/>
+                          <a:latin typeface="+mn-lt"/>
+                        </a:rPr>
+                        <a:t>Weak Labels</a:t>
+                      </a:r>
+                    </a:p>
+                  </a:txBody>
+                  <a:tcPr marL="5194" marR="5194" marT="5194" marB="0" anchor="ctr" anchorCtr="1">
+                    <a:lnL w="6350" cap="flat" cmpd="sng" algn="ctr">
+                      <a:solidFill>
+                        <a:srgbClr val="000000"/>
+                      </a:solidFill>
+                      <a:prstDash val="solid"/>
+                      <a:round/>
+                      <a:headEnd type="none" w="med" len="med"/>
+                      <a:tailEnd type="none" w="med" len="med"/>
+                    </a:lnL>
+                    <a:lnR w="6350" cap="flat" cmpd="sng" algn="ctr">
+                      <a:solidFill>
+                        <a:srgbClr val="000000"/>
+                      </a:solidFill>
+                      <a:prstDash val="solid"/>
+                      <a:round/>
+                      <a:headEnd type="none" w="med" len="med"/>
+                      <a:tailEnd type="none" w="med" len="med"/>
+                    </a:lnR>
+                    <a:lnT w="6350" cap="flat" cmpd="sng" algn="ctr">
+                      <a:solidFill>
+                        <a:srgbClr val="000000"/>
+                      </a:solidFill>
+                      <a:prstDash val="solid"/>
+                      <a:round/>
+                      <a:headEnd type="none" w="med" len="med"/>
+                      <a:tailEnd type="none" w="med" len="med"/>
+                    </a:lnT>
+                    <a:lnB w="6350" cap="flat" cmpd="sng" algn="ctr">
+                      <a:solidFill>
+                        <a:srgbClr val="000000"/>
+                      </a:solidFill>
+                      <a:prstDash val="solid"/>
+                      <a:round/>
+                      <a:headEnd type="none" w="med" len="med"/>
+                      <a:tailEnd type="none" w="med" len="med"/>
+                    </a:lnB>
+                    <a:noFill/>
+                  </a:tcPr>
+                </a:tc>
+                <a:tc>
+                  <a:txBody>
+                    <a:bodyPr/>
+                    <a:lstStyle/>
+                    <a:p>
+                      <a:pPr algn="ctr" fontAlgn="b"/>
+                      <a:r>
+                        <a:rPr lang="en-SG" sz="1400" b="1" i="0" u="none" strike="noStrike">
+                          <a:solidFill>
+                            <a:srgbClr val="000000"/>
+                          </a:solidFill>
+                          <a:effectLst/>
+                          <a:latin typeface="+mn-lt"/>
+                        </a:rPr>
+                        <a:t>High</a:t>
+                      </a:r>
+                    </a:p>
+                  </a:txBody>
+                  <a:tcPr marL="5194" marR="5194" marT="5194" marB="0" anchor="ctr" anchorCtr="1">
+                    <a:lnL w="6350" cap="flat" cmpd="sng" algn="ctr">
+                      <a:solidFill>
+                        <a:srgbClr val="000000"/>
+                      </a:solidFill>
+                      <a:prstDash val="solid"/>
+                      <a:round/>
+                      <a:headEnd type="none" w="med" len="med"/>
+                      <a:tailEnd type="none" w="med" len="med"/>
+                    </a:lnL>
+                    <a:lnR w="6350" cap="flat" cmpd="sng" algn="ctr">
+                      <a:solidFill>
+                        <a:srgbClr val="000000"/>
+                      </a:solidFill>
+                      <a:prstDash val="solid"/>
+                      <a:round/>
+                      <a:headEnd type="none" w="med" len="med"/>
+                      <a:tailEnd type="none" w="med" len="med"/>
+                    </a:lnR>
+                    <a:lnT w="6350" cap="flat" cmpd="sng" algn="ctr">
+                      <a:solidFill>
+                        <a:srgbClr val="000000"/>
+                      </a:solidFill>
+                      <a:prstDash val="solid"/>
+                      <a:round/>
+                      <a:headEnd type="none" w="med" len="med"/>
+                      <a:tailEnd type="none" w="med" len="med"/>
+                    </a:lnT>
+                    <a:lnB w="6350" cap="flat" cmpd="sng" algn="ctr">
+                      <a:solidFill>
+                        <a:srgbClr val="000000"/>
+                      </a:solidFill>
+                      <a:prstDash val="solid"/>
+                      <a:round/>
+                      <a:headEnd type="none" w="med" len="med"/>
+                      <a:tailEnd type="none" w="med" len="med"/>
+                    </a:lnB>
+                    <a:noFill/>
+                  </a:tcPr>
+                </a:tc>
+                <a:tc>
+                  <a:txBody>
+                    <a:bodyPr/>
+                    <a:lstStyle/>
+                    <a:p>
+                      <a:pPr algn="ctr" fontAlgn="b"/>
+                      <a:r>
+                        <a:rPr lang="en-SG" sz="1400" b="1" i="0" u="none" strike="noStrike">
+                          <a:solidFill>
+                            <a:srgbClr val="000000"/>
+                          </a:solidFill>
+                          <a:effectLst/>
+                          <a:latin typeface="+mn-lt"/>
+                        </a:rPr>
+                        <a:t>High</a:t>
+                      </a:r>
+                    </a:p>
+                  </a:txBody>
+                  <a:tcPr marL="5194" marR="5194" marT="5194" marB="0" anchor="ctr" anchorCtr="1">
+                    <a:lnL w="6350" cap="flat" cmpd="sng" algn="ctr">
+                      <a:solidFill>
+                        <a:srgbClr val="000000"/>
+                      </a:solidFill>
+                      <a:prstDash val="solid"/>
+                      <a:round/>
+                      <a:headEnd type="none" w="med" len="med"/>
+                      <a:tailEnd type="none" w="med" len="med"/>
+                    </a:lnL>
+                    <a:lnR w="6350" cap="flat" cmpd="sng" algn="ctr">
+                      <a:solidFill>
+                        <a:srgbClr val="000000"/>
+                      </a:solidFill>
+                      <a:prstDash val="solid"/>
+                      <a:round/>
+                      <a:headEnd type="none" w="med" len="med"/>
+                      <a:tailEnd type="none" w="med" len="med"/>
+                    </a:lnR>
+                    <a:lnT w="6350" cap="flat" cmpd="sng" algn="ctr">
+                      <a:solidFill>
+                        <a:srgbClr val="000000"/>
+                      </a:solidFill>
+                      <a:prstDash val="solid"/>
+                      <a:round/>
+                      <a:headEnd type="none" w="med" len="med"/>
+                      <a:tailEnd type="none" w="med" len="med"/>
+                    </a:lnT>
+                    <a:lnB w="6350" cap="flat" cmpd="sng" algn="ctr">
+                      <a:solidFill>
+                        <a:srgbClr val="000000"/>
+                      </a:solidFill>
+                      <a:prstDash val="solid"/>
+                      <a:round/>
+                      <a:headEnd type="none" w="med" len="med"/>
+                      <a:tailEnd type="none" w="med" len="med"/>
+                    </a:lnB>
+                    <a:noFill/>
+                  </a:tcPr>
+                </a:tc>
+                <a:tc>
+                  <a:txBody>
+                    <a:bodyPr/>
+                    <a:lstStyle/>
+                    <a:p>
+                      <a:pPr algn="ctr" fontAlgn="b"/>
+                      <a:r>
+                        <a:rPr lang="en-SG" sz="1400" b="1" i="0" u="none" strike="noStrike" dirty="0">
+                          <a:solidFill>
+                            <a:srgbClr val="000000"/>
+                          </a:solidFill>
+                          <a:effectLst/>
+                          <a:latin typeface="+mn-lt"/>
+                        </a:rPr>
+                        <a:t>High</a:t>
+                      </a:r>
+                    </a:p>
+                  </a:txBody>
+                  <a:tcPr marL="5194" marR="5194" marT="5194" marB="0" anchor="ctr" anchorCtr="1">
+                    <a:lnL w="6350" cap="flat" cmpd="sng" algn="ctr">
+                      <a:solidFill>
+                        <a:srgbClr val="000000"/>
+                      </a:solidFill>
+                      <a:prstDash val="solid"/>
+                      <a:round/>
+                      <a:headEnd type="none" w="med" len="med"/>
+                      <a:tailEnd type="none" w="med" len="med"/>
+                    </a:lnL>
+                    <a:lnR w="6350" cap="flat" cmpd="sng" algn="ctr">
+                      <a:solidFill>
+                        <a:srgbClr val="000000"/>
+                      </a:solidFill>
+                      <a:prstDash val="solid"/>
+                      <a:round/>
+                      <a:headEnd type="none" w="med" len="med"/>
+                      <a:tailEnd type="none" w="med" len="med"/>
+                    </a:lnR>
+                    <a:lnT w="6350" cap="flat" cmpd="sng" algn="ctr">
+                      <a:solidFill>
+                        <a:srgbClr val="000000"/>
+                      </a:solidFill>
+                      <a:prstDash val="solid"/>
+                      <a:round/>
+                      <a:headEnd type="none" w="med" len="med"/>
+                      <a:tailEnd type="none" w="med" len="med"/>
+                    </a:lnT>
+                    <a:lnB w="6350" cap="flat" cmpd="sng" algn="ctr">
+                      <a:solidFill>
+                        <a:srgbClr val="000000"/>
+                      </a:solidFill>
+                      <a:prstDash val="solid"/>
+                      <a:round/>
+                      <a:headEnd type="none" w="med" len="med"/>
+                      <a:tailEnd type="none" w="med" len="med"/>
+                    </a:lnB>
+                    <a:noFill/>
+                  </a:tcPr>
+                </a:tc>
+                <a:tc>
+                  <a:txBody>
+                    <a:bodyPr/>
+                    <a:lstStyle/>
+                    <a:p>
+                      <a:pPr algn="ctr" fontAlgn="b"/>
+                      <a:r>
+                        <a:rPr lang="en-SG" sz="1400" b="1" i="0" u="none" strike="noStrike" dirty="0">
+                          <a:solidFill>
+                            <a:srgbClr val="000000"/>
+                          </a:solidFill>
+                          <a:effectLst/>
+                          <a:latin typeface="+mn-lt"/>
+                        </a:rPr>
+                        <a:t>Prediction Probabilities</a:t>
+                      </a:r>
+                    </a:p>
+                  </a:txBody>
+                  <a:tcPr marL="5194" marR="5194" marT="5194" marB="0" anchor="ctr" anchorCtr="1">
+                    <a:lnL w="6350" cap="flat" cmpd="sng" algn="ctr">
+                      <a:solidFill>
+                        <a:srgbClr val="000000"/>
+                      </a:solidFill>
+                      <a:prstDash val="solid"/>
+                      <a:round/>
+                      <a:headEnd type="none" w="med" len="med"/>
+                      <a:tailEnd type="none" w="med" len="med"/>
+                    </a:lnL>
+                    <a:lnR w="6350" cap="flat" cmpd="sng" algn="ctr">
+                      <a:solidFill>
+                        <a:srgbClr val="000000"/>
+                      </a:solidFill>
+                      <a:prstDash val="solid"/>
+                      <a:round/>
+                      <a:headEnd type="none" w="med" len="med"/>
+                      <a:tailEnd type="none" w="med" len="med"/>
+                    </a:lnR>
+                    <a:lnT w="6350" cap="flat" cmpd="sng" algn="ctr">
+                      <a:solidFill>
+                        <a:srgbClr val="000000"/>
+                      </a:solidFill>
+                      <a:prstDash val="solid"/>
+                      <a:round/>
+                      <a:headEnd type="none" w="med" len="med"/>
+                      <a:tailEnd type="none" w="med" len="med"/>
+                    </a:lnT>
+                    <a:lnB w="6350" cap="flat" cmpd="sng" algn="ctr">
+                      <a:solidFill>
+                        <a:srgbClr val="000000"/>
+                      </a:solidFill>
+                      <a:prstDash val="solid"/>
+                      <a:round/>
+                      <a:headEnd type="none" w="med" len="med"/>
+                      <a:tailEnd type="none" w="med" len="med"/>
+                    </a:lnB>
+                    <a:noFill/>
+                  </a:tcPr>
+                </a:tc>
+                <a:tc>
+                  <a:txBody>
+                    <a:bodyPr/>
+                    <a:lstStyle/>
+                    <a:p>
+                      <a:pPr algn="ctr" fontAlgn="b"/>
+                      <a:r>
+                        <a:rPr lang="en-SG" sz="1400" b="1" i="0" u="none" strike="noStrike" dirty="0">
+                          <a:solidFill>
+                            <a:srgbClr val="000000"/>
+                          </a:solidFill>
+                          <a:effectLst/>
+                          <a:latin typeface="+mn-lt"/>
+                        </a:rPr>
+                        <a:t>Scalable and semi-automated</a:t>
+                      </a:r>
+                    </a:p>
+                  </a:txBody>
+                  <a:tcPr marL="5194" marR="5194" marT="5194" marB="0" anchor="ctr" anchorCtr="1">
+                    <a:lnL w="6350" cap="flat" cmpd="sng" algn="ctr">
+                      <a:solidFill>
+                        <a:srgbClr val="000000"/>
+                      </a:solidFill>
+                      <a:prstDash val="solid"/>
+                      <a:round/>
+                      <a:headEnd type="none" w="med" len="med"/>
+                      <a:tailEnd type="none" w="med" len="med"/>
+                    </a:lnL>
+                    <a:lnR w="6350" cap="flat" cmpd="sng" algn="ctr">
+                      <a:solidFill>
+                        <a:srgbClr val="000000"/>
+                      </a:solidFill>
+                      <a:prstDash val="solid"/>
+                      <a:round/>
+                      <a:headEnd type="none" w="med" len="med"/>
+                      <a:tailEnd type="none" w="med" len="med"/>
+                    </a:lnR>
+                    <a:lnT w="6350" cap="flat" cmpd="sng" algn="ctr">
+                      <a:solidFill>
+                        <a:srgbClr val="000000"/>
+                      </a:solidFill>
+                      <a:prstDash val="solid"/>
+                      <a:round/>
+                      <a:headEnd type="none" w="med" len="med"/>
+                      <a:tailEnd type="none" w="med" len="med"/>
+                    </a:lnT>
+                    <a:lnB w="6350" cap="flat" cmpd="sng" algn="ctr">
+                      <a:solidFill>
+                        <a:srgbClr val="000000"/>
+                      </a:solidFill>
+                      <a:prstDash val="solid"/>
+                      <a:round/>
+                      <a:headEnd type="none" w="med" len="med"/>
+                      <a:tailEnd type="none" w="med" len="med"/>
+                    </a:lnB>
+                    <a:noFill/>
+                  </a:tcPr>
+                </a:tc>
+                <a:extLst>
+                  <a:ext uri="{0D108BD9-81ED-4DB2-BD59-A6C34878D82A}">
+                    <a16:rowId xmlns:a16="http://schemas.microsoft.com/office/drawing/2014/main" val="289620004"/>
+                  </a:ext>
+                </a:extLst>
+              </a:tr>
+              <a:tr h="562914">
+                <a:tc>
+                  <a:txBody>
+                    <a:bodyPr/>
+                    <a:lstStyle/>
+                    <a:p>
+                      <a:pPr algn="ctr" fontAlgn="b"/>
+                      <a:r>
+                        <a:rPr lang="en-SG" sz="1400" b="1" i="0" u="none" strike="noStrike">
+                          <a:solidFill>
+                            <a:srgbClr val="000000"/>
+                          </a:solidFill>
+                          <a:effectLst/>
+                          <a:latin typeface="+mn-lt"/>
+                        </a:rPr>
+                        <a:t>Embedding + Clustering</a:t>
+                      </a:r>
+                    </a:p>
+                  </a:txBody>
+                  <a:tcPr marL="5194" marR="5194" marT="5194" marB="0" anchor="ctr" anchorCtr="1">
+                    <a:lnL w="6350" cap="flat" cmpd="sng" algn="ctr">
+                      <a:solidFill>
+                        <a:srgbClr val="000000"/>
+                      </a:solidFill>
+                      <a:prstDash val="solid"/>
+                      <a:round/>
+                      <a:headEnd type="none" w="med" len="med"/>
+                      <a:tailEnd type="none" w="med" len="med"/>
+                    </a:lnL>
+                    <a:lnR w="6350" cap="flat" cmpd="sng" algn="ctr">
+                      <a:solidFill>
+                        <a:srgbClr val="000000"/>
+                      </a:solidFill>
+                      <a:prstDash val="solid"/>
+                      <a:round/>
+                      <a:headEnd type="none" w="med" len="med"/>
+                      <a:tailEnd type="none" w="med" len="med"/>
+                    </a:lnR>
+                    <a:lnT w="6350" cap="flat" cmpd="sng" algn="ctr">
+                      <a:solidFill>
+                        <a:srgbClr val="000000"/>
+                      </a:solidFill>
+                      <a:prstDash val="solid"/>
+                      <a:round/>
+                      <a:headEnd type="none" w="med" len="med"/>
+                      <a:tailEnd type="none" w="med" len="med"/>
+                    </a:lnT>
+                    <a:lnB w="6350" cap="flat" cmpd="sng" algn="ctr">
+                      <a:solidFill>
+                        <a:srgbClr val="000000"/>
+                      </a:solidFill>
+                      <a:prstDash val="solid"/>
+                      <a:round/>
+                      <a:headEnd type="none" w="med" len="med"/>
+                      <a:tailEnd type="none" w="med" len="med"/>
+                    </a:lnB>
+                    <a:noFill/>
+                  </a:tcPr>
+                </a:tc>
+                <a:tc>
+                  <a:txBody>
+                    <a:bodyPr/>
+                    <a:lstStyle/>
+                    <a:p>
+                      <a:pPr algn="ctr" fontAlgn="b"/>
+                      <a:r>
+                        <a:rPr lang="en-SG" sz="1400" b="1" i="0" u="none" strike="noStrike">
+                          <a:solidFill>
+                            <a:srgbClr val="000000"/>
+                          </a:solidFill>
+                          <a:effectLst/>
+                          <a:latin typeface="+mn-lt"/>
+                        </a:rPr>
+                        <a:t>No</a:t>
+                      </a:r>
+                    </a:p>
+                  </a:txBody>
+                  <a:tcPr marL="5194" marR="5194" marT="5194" marB="0" anchor="ctr" anchorCtr="1">
+                    <a:lnL w="6350" cap="flat" cmpd="sng" algn="ctr">
+                      <a:solidFill>
+                        <a:srgbClr val="000000"/>
+                      </a:solidFill>
+                      <a:prstDash val="solid"/>
+                      <a:round/>
+                      <a:headEnd type="none" w="med" len="med"/>
+                      <a:tailEnd type="none" w="med" len="med"/>
+                    </a:lnL>
+                    <a:lnR w="6350" cap="flat" cmpd="sng" algn="ctr">
+                      <a:solidFill>
+                        <a:srgbClr val="000000"/>
+                      </a:solidFill>
+                      <a:prstDash val="solid"/>
+                      <a:round/>
+                      <a:headEnd type="none" w="med" len="med"/>
+                      <a:tailEnd type="none" w="med" len="med"/>
+                    </a:lnR>
+                    <a:lnT w="6350" cap="flat" cmpd="sng" algn="ctr">
+                      <a:solidFill>
+                        <a:srgbClr val="000000"/>
+                      </a:solidFill>
+                      <a:prstDash val="solid"/>
+                      <a:round/>
+                      <a:headEnd type="none" w="med" len="med"/>
+                      <a:tailEnd type="none" w="med" len="med"/>
+                    </a:lnT>
+                    <a:lnB w="6350" cap="flat" cmpd="sng" algn="ctr">
+                      <a:solidFill>
+                        <a:srgbClr val="000000"/>
+                      </a:solidFill>
+                      <a:prstDash val="solid"/>
+                      <a:round/>
+                      <a:headEnd type="none" w="med" len="med"/>
+                      <a:tailEnd type="none" w="med" len="med"/>
+                    </a:lnB>
+                    <a:noFill/>
+                  </a:tcPr>
+                </a:tc>
+                <a:tc>
+                  <a:txBody>
+                    <a:bodyPr/>
+                    <a:lstStyle/>
+                    <a:p>
+                      <a:pPr algn="ctr" fontAlgn="b"/>
+                      <a:r>
+                        <a:rPr lang="en-SG" sz="1400" b="1" i="0" u="none" strike="noStrike">
+                          <a:solidFill>
+                            <a:srgbClr val="000000"/>
+                          </a:solidFill>
+                          <a:effectLst/>
+                          <a:latin typeface="+mn-lt"/>
+                        </a:rPr>
+                        <a:t>Low</a:t>
+                      </a:r>
+                    </a:p>
+                  </a:txBody>
+                  <a:tcPr marL="5194" marR="5194" marT="5194" marB="0" anchor="ctr" anchorCtr="1">
+                    <a:lnL w="6350" cap="flat" cmpd="sng" algn="ctr">
+                      <a:solidFill>
+                        <a:srgbClr val="000000"/>
+                      </a:solidFill>
+                      <a:prstDash val="solid"/>
+                      <a:round/>
+                      <a:headEnd type="none" w="med" len="med"/>
+                      <a:tailEnd type="none" w="med" len="med"/>
+                    </a:lnL>
+                    <a:lnR w="6350" cap="flat" cmpd="sng" algn="ctr">
+                      <a:solidFill>
+                        <a:srgbClr val="000000"/>
+                      </a:solidFill>
+                      <a:prstDash val="solid"/>
+                      <a:round/>
+                      <a:headEnd type="none" w="med" len="med"/>
+                      <a:tailEnd type="none" w="med" len="med"/>
+                    </a:lnR>
+                    <a:lnT w="6350" cap="flat" cmpd="sng" algn="ctr">
+                      <a:solidFill>
+                        <a:srgbClr val="000000"/>
+                      </a:solidFill>
+                      <a:prstDash val="solid"/>
+                      <a:round/>
+                      <a:headEnd type="none" w="med" len="med"/>
+                      <a:tailEnd type="none" w="med" len="med"/>
+                    </a:lnT>
+                    <a:lnB w="6350" cap="flat" cmpd="sng" algn="ctr">
+                      <a:solidFill>
+                        <a:srgbClr val="000000"/>
+                      </a:solidFill>
+                      <a:prstDash val="solid"/>
+                      <a:round/>
+                      <a:headEnd type="none" w="med" len="med"/>
+                      <a:tailEnd type="none" w="med" len="med"/>
+                    </a:lnB>
+                    <a:noFill/>
+                  </a:tcPr>
+                </a:tc>
+                <a:tc>
+                  <a:txBody>
+                    <a:bodyPr/>
+                    <a:lstStyle/>
+                    <a:p>
+                      <a:pPr algn="ctr" fontAlgn="b"/>
+                      <a:r>
+                        <a:rPr lang="en-SG" sz="1400" b="1" i="0" u="none" strike="noStrike">
+                          <a:solidFill>
+                            <a:srgbClr val="000000"/>
+                          </a:solidFill>
+                          <a:effectLst/>
+                          <a:latin typeface="+mn-lt"/>
+                        </a:rPr>
+                        <a:t>Medium</a:t>
+                      </a:r>
+                    </a:p>
+                  </a:txBody>
+                  <a:tcPr marL="5194" marR="5194" marT="5194" marB="0" anchor="ctr" anchorCtr="1">
+                    <a:lnL w="6350" cap="flat" cmpd="sng" algn="ctr">
+                      <a:solidFill>
+                        <a:srgbClr val="000000"/>
+                      </a:solidFill>
+                      <a:prstDash val="solid"/>
+                      <a:round/>
+                      <a:headEnd type="none" w="med" len="med"/>
+                      <a:tailEnd type="none" w="med" len="med"/>
+                    </a:lnL>
+                    <a:lnR w="6350" cap="flat" cmpd="sng" algn="ctr">
+                      <a:solidFill>
+                        <a:srgbClr val="000000"/>
+                      </a:solidFill>
+                      <a:prstDash val="solid"/>
+                      <a:round/>
+                      <a:headEnd type="none" w="med" len="med"/>
+                      <a:tailEnd type="none" w="med" len="med"/>
+                    </a:lnR>
+                    <a:lnT w="6350" cap="flat" cmpd="sng" algn="ctr">
+                      <a:solidFill>
+                        <a:srgbClr val="000000"/>
+                      </a:solidFill>
+                      <a:prstDash val="solid"/>
+                      <a:round/>
+                      <a:headEnd type="none" w="med" len="med"/>
+                      <a:tailEnd type="none" w="med" len="med"/>
+                    </a:lnT>
+                    <a:lnB w="6350" cap="flat" cmpd="sng" algn="ctr">
+                      <a:solidFill>
+                        <a:srgbClr val="000000"/>
+                      </a:solidFill>
+                      <a:prstDash val="solid"/>
+                      <a:round/>
+                      <a:headEnd type="none" w="med" len="med"/>
+                      <a:tailEnd type="none" w="med" len="med"/>
+                    </a:lnB>
+                    <a:noFill/>
+                  </a:tcPr>
+                </a:tc>
+                <a:tc>
+                  <a:txBody>
+                    <a:bodyPr/>
+                    <a:lstStyle/>
+                    <a:p>
+                      <a:pPr algn="ctr" fontAlgn="b"/>
+                      <a:r>
+                        <a:rPr lang="en-SG" sz="1400" b="1" i="0" u="none" strike="noStrike">
+                          <a:solidFill>
+                            <a:srgbClr val="000000"/>
+                          </a:solidFill>
+                          <a:effectLst/>
+                          <a:latin typeface="+mn-lt"/>
+                        </a:rPr>
+                        <a:t>High</a:t>
+                      </a:r>
+                    </a:p>
+                  </a:txBody>
+                  <a:tcPr marL="5194" marR="5194" marT="5194" marB="0" anchor="ctr" anchorCtr="1">
+                    <a:lnL w="6350" cap="flat" cmpd="sng" algn="ctr">
+                      <a:solidFill>
+                        <a:srgbClr val="000000"/>
+                      </a:solidFill>
+                      <a:prstDash val="solid"/>
+                      <a:round/>
+                      <a:headEnd type="none" w="med" len="med"/>
+                      <a:tailEnd type="none" w="med" len="med"/>
+                    </a:lnL>
+                    <a:lnR w="6350" cap="flat" cmpd="sng" algn="ctr">
+                      <a:solidFill>
+                        <a:srgbClr val="000000"/>
+                      </a:solidFill>
+                      <a:prstDash val="solid"/>
+                      <a:round/>
+                      <a:headEnd type="none" w="med" len="med"/>
+                      <a:tailEnd type="none" w="med" len="med"/>
+                    </a:lnR>
+                    <a:lnT w="6350" cap="flat" cmpd="sng" algn="ctr">
+                      <a:solidFill>
+                        <a:srgbClr val="000000"/>
+                      </a:solidFill>
+                      <a:prstDash val="solid"/>
+                      <a:round/>
+                      <a:headEnd type="none" w="med" len="med"/>
+                      <a:tailEnd type="none" w="med" len="med"/>
+                    </a:lnT>
+                    <a:lnB w="6350" cap="flat" cmpd="sng" algn="ctr">
+                      <a:solidFill>
+                        <a:srgbClr val="000000"/>
+                      </a:solidFill>
+                      <a:prstDash val="solid"/>
+                      <a:round/>
+                      <a:headEnd type="none" w="med" len="med"/>
+                      <a:tailEnd type="none" w="med" len="med"/>
+                    </a:lnB>
+                    <a:noFill/>
+                  </a:tcPr>
+                </a:tc>
+                <a:tc>
+                  <a:txBody>
+                    <a:bodyPr/>
+                    <a:lstStyle/>
+                    <a:p>
+                      <a:pPr algn="ctr" fontAlgn="b"/>
+                      <a:r>
+                        <a:rPr lang="en-SG" sz="1400" b="1" i="0" u="none" strike="noStrike" dirty="0">
+                          <a:solidFill>
+                            <a:srgbClr val="000000"/>
+                          </a:solidFill>
+                          <a:effectLst/>
+                          <a:latin typeface="+mn-lt"/>
+                        </a:rPr>
+                        <a:t>Similarity to Centroid</a:t>
+                      </a:r>
+                    </a:p>
+                  </a:txBody>
+                  <a:tcPr marL="5194" marR="5194" marT="5194" marB="0" anchor="ctr" anchorCtr="1">
+                    <a:lnL w="6350" cap="flat" cmpd="sng" algn="ctr">
+                      <a:solidFill>
+                        <a:srgbClr val="000000"/>
+                      </a:solidFill>
+                      <a:prstDash val="solid"/>
+                      <a:round/>
+                      <a:headEnd type="none" w="med" len="med"/>
+                      <a:tailEnd type="none" w="med" len="med"/>
+                    </a:lnL>
+                    <a:lnR w="6350" cap="flat" cmpd="sng" algn="ctr">
+                      <a:solidFill>
+                        <a:srgbClr val="000000"/>
+                      </a:solidFill>
+                      <a:prstDash val="solid"/>
+                      <a:round/>
+                      <a:headEnd type="none" w="med" len="med"/>
+                      <a:tailEnd type="none" w="med" len="med"/>
+                    </a:lnR>
+                    <a:lnT w="6350" cap="flat" cmpd="sng" algn="ctr">
+                      <a:solidFill>
+                        <a:srgbClr val="000000"/>
+                      </a:solidFill>
+                      <a:prstDash val="solid"/>
+                      <a:round/>
+                      <a:headEnd type="none" w="med" len="med"/>
+                      <a:tailEnd type="none" w="med" len="med"/>
+                    </a:lnT>
+                    <a:lnB w="6350" cap="flat" cmpd="sng" algn="ctr">
+                      <a:solidFill>
+                        <a:srgbClr val="000000"/>
+                      </a:solidFill>
+                      <a:prstDash val="solid"/>
+                      <a:round/>
+                      <a:headEnd type="none" w="med" len="med"/>
+                      <a:tailEnd type="none" w="med" len="med"/>
+                    </a:lnB>
+                    <a:noFill/>
+                  </a:tcPr>
+                </a:tc>
+                <a:tc>
+                  <a:txBody>
+                    <a:bodyPr/>
+                    <a:lstStyle/>
+                    <a:p>
+                      <a:pPr algn="ctr" fontAlgn="b"/>
+                      <a:r>
+                        <a:rPr lang="en-SG" sz="1400" b="1" i="0" u="none" strike="noStrike" dirty="0">
+                          <a:solidFill>
+                            <a:srgbClr val="000000"/>
+                          </a:solidFill>
+                          <a:effectLst/>
+                          <a:latin typeface="+mn-lt"/>
+                        </a:rPr>
+                        <a:t>Uncovering semantic clusters</a:t>
+                      </a:r>
+                    </a:p>
+                  </a:txBody>
+                  <a:tcPr marL="5194" marR="5194" marT="5194" marB="0" anchor="ctr" anchorCtr="1">
+                    <a:lnL w="6350" cap="flat" cmpd="sng" algn="ctr">
+                      <a:solidFill>
+                        <a:srgbClr val="000000"/>
+                      </a:solidFill>
+                      <a:prstDash val="solid"/>
+                      <a:round/>
+                      <a:headEnd type="none" w="med" len="med"/>
+                      <a:tailEnd type="none" w="med" len="med"/>
+                    </a:lnL>
+                    <a:lnR w="6350" cap="flat" cmpd="sng" algn="ctr">
+                      <a:solidFill>
+                        <a:srgbClr val="000000"/>
+                      </a:solidFill>
+                      <a:prstDash val="solid"/>
+                      <a:round/>
+                      <a:headEnd type="none" w="med" len="med"/>
+                      <a:tailEnd type="none" w="med" len="med"/>
+                    </a:lnR>
+                    <a:lnT w="6350" cap="flat" cmpd="sng" algn="ctr">
+                      <a:solidFill>
+                        <a:srgbClr val="000000"/>
+                      </a:solidFill>
+                      <a:prstDash val="solid"/>
+                      <a:round/>
+                      <a:headEnd type="none" w="med" len="med"/>
+                      <a:tailEnd type="none" w="med" len="med"/>
+                    </a:lnT>
+                    <a:lnB w="6350" cap="flat" cmpd="sng" algn="ctr">
+                      <a:solidFill>
+                        <a:srgbClr val="000000"/>
+                      </a:solidFill>
+                      <a:prstDash val="solid"/>
+                      <a:round/>
+                      <a:headEnd type="none" w="med" len="med"/>
+                      <a:tailEnd type="none" w="med" len="med"/>
+                    </a:lnB>
+                    <a:noFill/>
+                  </a:tcPr>
+                </a:tc>
+                <a:extLst>
+                  <a:ext uri="{0D108BD9-81ED-4DB2-BD59-A6C34878D82A}">
+                    <a16:rowId xmlns:a16="http://schemas.microsoft.com/office/drawing/2014/main" val="647938928"/>
+                  </a:ext>
+                </a:extLst>
+              </a:tr>
+            </a:tbl>
+          </a:graphicData>
+        </a:graphic>
+      </p:graphicFrame>
+    </p:spTree>
+  </p:cSld>
+  <p:clrMapOvr>
+    <a:masterClrMapping/>
+  </p:clrMapOvr>
+</p:sld>
+</file>
+
+<file path=ppt/slides/slide13.xml><?xml version="1.0" encoding="utf-8"?>
+<p:sld xmlns:a="http://schemas.openxmlformats.org/drawingml/2006/main" xmlns:r="http://schemas.openxmlformats.org/officeDocument/2006/relationships" xmlns:p="http://schemas.openxmlformats.org/presentationml/2006/main">
+  <p:cSld>
+    <p:spTree>
+      <p:nvGrpSpPr>
+        <p:cNvPr id="1" name=""/>
+        <p:cNvGrpSpPr/>
+        <p:nvPr/>
+      </p:nvGrpSpPr>
+      <p:grpSpPr>
+        <a:xfrm>
+          <a:off x="0" y="0"/>
+          <a:ext cx="0" cy="0"/>
+          <a:chOff x="0" y="0"/>
+          <a:chExt cx="0" cy="0"/>
+        </a:xfrm>
+      </p:grpSpPr>
+      <p:sp>
+        <p:nvSpPr>
+          <p:cNvPr id="2" name="Title 1"/>
+          <p:cNvSpPr>
+            <a:spLocks noGrp="1"/>
+          </p:cNvSpPr>
+          <p:nvPr>
+            <p:ph type="title"/>
+          </p:nvPr>
+        </p:nvSpPr>
+        <p:spPr/>
+        <p:txBody>
+          <a:bodyPr/>
+          <a:lstStyle/>
+          <a:p>
+            <a:r>
               <a:t>Recommendation</a:t>
             </a:r>
           </a:p>
@@ -14017,6 +19703,744 @@
           </a:p>
         </p:txBody>
       </p:sp>
+    </p:spTree>
+  </p:cSld>
+  <p:clrMapOvr>
+    <a:masterClrMapping/>
+  </p:clrMapOvr>
+</p:sld>
+</file>
+
+<file path=ppt/slides/slide14.xml><?xml version="1.0" encoding="utf-8"?>
+<p:sld xmlns:a="http://schemas.openxmlformats.org/drawingml/2006/main" xmlns:r="http://schemas.openxmlformats.org/officeDocument/2006/relationships" xmlns:p="http://schemas.openxmlformats.org/presentationml/2006/main">
+  <p:cSld>
+    <p:spTree>
+      <p:nvGrpSpPr>
+        <p:cNvPr id="1" name=""/>
+        <p:cNvGrpSpPr/>
+        <p:nvPr/>
+      </p:nvGrpSpPr>
+      <p:grpSpPr>
+        <a:xfrm>
+          <a:off x="0" y="0"/>
+          <a:ext cx="0" cy="0"/>
+          <a:chOff x="0" y="0"/>
+          <a:chExt cx="0" cy="0"/>
+        </a:xfrm>
+      </p:grpSpPr>
+      <p:sp>
+        <p:nvSpPr>
+          <p:cNvPr id="2" name="Title 1">
+            <a:extLst>
+              <a:ext uri="{FF2B5EF4-FFF2-40B4-BE49-F238E27FC236}">
+                <a16:creationId xmlns:a16="http://schemas.microsoft.com/office/drawing/2014/main" id="{5A74BB16-804D-FF1B-6064-B1C1C5709786}"/>
+              </a:ext>
+            </a:extLst>
+          </p:cNvPr>
+          <p:cNvSpPr>
+            <a:spLocks noGrp="1"/>
+          </p:cNvSpPr>
+          <p:nvPr>
+            <p:ph type="title"/>
+          </p:nvPr>
+        </p:nvSpPr>
+        <p:spPr/>
+        <p:txBody>
+          <a:bodyPr/>
+          <a:lstStyle/>
+          <a:p>
+            <a:r>
+              <a:rPr lang="en-SG" dirty="0"/>
+              <a:t>System Overview</a:t>
+            </a:r>
+          </a:p>
+        </p:txBody>
+      </p:sp>
+      <p:sp>
+        <p:nvSpPr>
+          <p:cNvPr id="4" name="Content Placeholder 2">
+            <a:extLst>
+              <a:ext uri="{FF2B5EF4-FFF2-40B4-BE49-F238E27FC236}">
+                <a16:creationId xmlns:a16="http://schemas.microsoft.com/office/drawing/2014/main" id="{700C5BA6-D7F4-625C-96BC-D2FD011D1F0C}"/>
+              </a:ext>
+            </a:extLst>
+          </p:cNvPr>
+          <p:cNvSpPr>
+            <a:spLocks noGrp="1"/>
+          </p:cNvSpPr>
+          <p:nvPr>
+            <p:ph idx="1"/>
+          </p:nvPr>
+        </p:nvSpPr>
+        <p:spPr>
+          <a:xfrm>
+            <a:off x="533078" y="2107969"/>
+            <a:ext cx="3813635" cy="4087422"/>
+          </a:xfrm>
+        </p:spPr>
+        <p:txBody>
+          <a:bodyPr>
+            <a:normAutofit/>
+          </a:bodyPr>
+          <a:lstStyle/>
+          <a:p>
+            <a:r>
+              <a:rPr dirty="0"/>
+              <a:t>Ingest and classify financial crime-related news</a:t>
+            </a:r>
+          </a:p>
+          <a:p>
+            <a:r>
+              <a:rPr dirty="0"/>
+              <a:t>Extract named entities (ORG, PERSON, etc.)</a:t>
+            </a:r>
+          </a:p>
+          <a:p>
+            <a:r>
+              <a:rPr dirty="0"/>
+              <a:t>Store results in a structured database</a:t>
+            </a:r>
+          </a:p>
+          <a:p>
+            <a:r>
+              <a:rPr dirty="0"/>
+              <a:t>Present articles with category and confidence score</a:t>
+            </a:r>
+          </a:p>
+          <a:p>
+            <a:r>
+              <a:rPr dirty="0"/>
+              <a:t>Visualize trends and key entities over time</a:t>
+            </a:r>
+          </a:p>
+        </p:txBody>
+      </p:sp>
+      <p:sp>
+        <p:nvSpPr>
+          <p:cNvPr id="5" name="Title 1">
+            <a:extLst>
+              <a:ext uri="{FF2B5EF4-FFF2-40B4-BE49-F238E27FC236}">
+                <a16:creationId xmlns:a16="http://schemas.microsoft.com/office/drawing/2014/main" id="{6424E24D-7B13-BE68-DBF9-5B8337C60BFB}"/>
+              </a:ext>
+            </a:extLst>
+          </p:cNvPr>
+          <p:cNvSpPr txBox="1">
+            <a:spLocks/>
+          </p:cNvSpPr>
+          <p:nvPr/>
+        </p:nvSpPr>
+        <p:spPr bwMode="gray">
+          <a:xfrm>
+            <a:off x="4762110" y="927098"/>
+            <a:ext cx="4010830" cy="709865"/>
+          </a:xfrm>
+          <a:prstGeom prst="rect">
+            <a:avLst/>
+          </a:prstGeom>
+        </p:spPr>
+        <p:txBody>
+          <a:bodyPr vert="horz" lIns="91440" tIns="45720" rIns="91440" bIns="45720" rtlCol="0" anchor="ctr">
+            <a:noAutofit/>
+          </a:bodyPr>
+          <a:lstStyle>
+            <a:lvl1pPr algn="l" defTabSz="457200" rtl="0" eaLnBrk="1" latinLnBrk="0" hangingPunct="1">
+              <a:spcBef>
+                <a:spcPct val="0"/>
+              </a:spcBef>
+              <a:buNone/>
+              <a:defRPr sz="3200" b="0" i="0" kern="1200">
+                <a:solidFill>
+                  <a:schemeClr val="bg1"/>
+                </a:solidFill>
+                <a:latin typeface="+mj-lt"/>
+                <a:ea typeface="+mj-ea"/>
+                <a:cs typeface="+mj-cs"/>
+              </a:defRPr>
+            </a:lvl1pPr>
+            <a:lvl2pPr eaLnBrk="1" hangingPunct="1">
+              <a:defRPr>
+                <a:solidFill>
+                  <a:schemeClr val="tx2"/>
+                </a:solidFill>
+              </a:defRPr>
+            </a:lvl2pPr>
+            <a:lvl3pPr eaLnBrk="1" hangingPunct="1">
+              <a:defRPr>
+                <a:solidFill>
+                  <a:schemeClr val="tx2"/>
+                </a:solidFill>
+              </a:defRPr>
+            </a:lvl3pPr>
+            <a:lvl4pPr eaLnBrk="1" hangingPunct="1">
+              <a:defRPr>
+                <a:solidFill>
+                  <a:schemeClr val="tx2"/>
+                </a:solidFill>
+              </a:defRPr>
+            </a:lvl4pPr>
+            <a:lvl5pPr eaLnBrk="1" hangingPunct="1">
+              <a:defRPr>
+                <a:solidFill>
+                  <a:schemeClr val="tx2"/>
+                </a:solidFill>
+              </a:defRPr>
+            </a:lvl5pPr>
+            <a:lvl6pPr eaLnBrk="1" hangingPunct="1">
+              <a:defRPr>
+                <a:solidFill>
+                  <a:schemeClr val="tx2"/>
+                </a:solidFill>
+              </a:defRPr>
+            </a:lvl6pPr>
+            <a:lvl7pPr eaLnBrk="1" hangingPunct="1">
+              <a:defRPr>
+                <a:solidFill>
+                  <a:schemeClr val="tx2"/>
+                </a:solidFill>
+              </a:defRPr>
+            </a:lvl7pPr>
+            <a:lvl8pPr eaLnBrk="1" hangingPunct="1">
+              <a:defRPr>
+                <a:solidFill>
+                  <a:schemeClr val="tx2"/>
+                </a:solidFill>
+              </a:defRPr>
+            </a:lvl8pPr>
+            <a:lvl9pPr eaLnBrk="1" hangingPunct="1">
+              <a:defRPr>
+                <a:solidFill>
+                  <a:schemeClr val="tx2"/>
+                </a:solidFill>
+              </a:defRPr>
+            </a:lvl9pPr>
+          </a:lstStyle>
+          <a:p>
+            <a:r>
+              <a:rPr lang="en-SG" dirty="0"/>
+              <a:t>System Architecture Components</a:t>
+            </a:r>
+          </a:p>
+        </p:txBody>
+      </p:sp>
+      <p:sp>
+        <p:nvSpPr>
+          <p:cNvPr id="6" name="Content Placeholder 2">
+            <a:extLst>
+              <a:ext uri="{FF2B5EF4-FFF2-40B4-BE49-F238E27FC236}">
+                <a16:creationId xmlns:a16="http://schemas.microsoft.com/office/drawing/2014/main" id="{C299EAE4-DB48-5765-36E6-E705D01E3313}"/>
+              </a:ext>
+            </a:extLst>
+          </p:cNvPr>
+          <p:cNvSpPr txBox="1">
+            <a:spLocks/>
+          </p:cNvSpPr>
+          <p:nvPr/>
+        </p:nvSpPr>
+        <p:spPr>
+          <a:xfrm>
+            <a:off x="4480820" y="2107969"/>
+            <a:ext cx="4130101" cy="3530600"/>
+          </a:xfrm>
+          <a:prstGeom prst="rect">
+            <a:avLst/>
+          </a:prstGeom>
+        </p:spPr>
+        <p:txBody>
+          <a:bodyPr vert="horz" lIns="91440" tIns="45720" rIns="91440" bIns="45720" rtlCol="0">
+            <a:normAutofit/>
+          </a:bodyPr>
+          <a:lstStyle>
+            <a:lvl1pPr marL="342900" indent="-342900" algn="l" defTabSz="457200" rtl="0" eaLnBrk="1" latinLnBrk="0" hangingPunct="1">
+              <a:spcBef>
+                <a:spcPts val="1000"/>
+              </a:spcBef>
+              <a:spcAft>
+                <a:spcPts val="0"/>
+              </a:spcAft>
+              <a:buClr>
+                <a:schemeClr val="accent1"/>
+              </a:buClr>
+              <a:buSzPct val="80000"/>
+              <a:buFont typeface="Wingdings 3" charset="2"/>
+              <a:buChar char=""/>
+              <a:defRPr sz="1800" b="0" i="0" kern="1200">
+                <a:solidFill>
+                  <a:schemeClr val="tx1">
+                    <a:lumMod val="75000"/>
+                    <a:lumOff val="25000"/>
+                  </a:schemeClr>
+                </a:solidFill>
+                <a:latin typeface="+mn-lt"/>
+                <a:ea typeface="+mn-ea"/>
+                <a:cs typeface="+mn-cs"/>
+              </a:defRPr>
+            </a:lvl1pPr>
+            <a:lvl2pPr marL="685800" indent="-283464" algn="l" defTabSz="457200" rtl="0" eaLnBrk="1" latinLnBrk="0" hangingPunct="1">
+              <a:spcBef>
+                <a:spcPts val="1000"/>
+              </a:spcBef>
+              <a:spcAft>
+                <a:spcPts val="0"/>
+              </a:spcAft>
+              <a:buClr>
+                <a:schemeClr val="accent1"/>
+              </a:buClr>
+              <a:buSzPct val="80000"/>
+              <a:buFont typeface="Wingdings 3" charset="2"/>
+              <a:buChar char=""/>
+              <a:defRPr sz="1600" b="0" i="0" kern="1200">
+                <a:solidFill>
+                  <a:schemeClr val="tx1">
+                    <a:lumMod val="75000"/>
+                    <a:lumOff val="25000"/>
+                  </a:schemeClr>
+                </a:solidFill>
+                <a:latin typeface="+mn-lt"/>
+                <a:ea typeface="+mn-ea"/>
+                <a:cs typeface="+mn-cs"/>
+              </a:defRPr>
+            </a:lvl2pPr>
+            <a:lvl3pPr marL="960120" indent="-228600" algn="l" defTabSz="457200" rtl="0" eaLnBrk="1" latinLnBrk="0" hangingPunct="1">
+              <a:spcBef>
+                <a:spcPts val="1000"/>
+              </a:spcBef>
+              <a:spcAft>
+                <a:spcPts val="0"/>
+              </a:spcAft>
+              <a:buClr>
+                <a:schemeClr val="accent1"/>
+              </a:buClr>
+              <a:buSzPct val="80000"/>
+              <a:buFont typeface="Wingdings 3" charset="2"/>
+              <a:buChar char=""/>
+              <a:defRPr sz="1400" b="0" i="0" kern="1200">
+                <a:solidFill>
+                  <a:schemeClr val="tx1">
+                    <a:lumMod val="75000"/>
+                    <a:lumOff val="25000"/>
+                  </a:schemeClr>
+                </a:solidFill>
+                <a:latin typeface="+mn-lt"/>
+                <a:ea typeface="+mn-ea"/>
+                <a:cs typeface="+mn-cs"/>
+              </a:defRPr>
+            </a:lvl3pPr>
+            <a:lvl4pPr marL="1234440" indent="-228600" algn="l" defTabSz="457200" rtl="0" eaLnBrk="1" latinLnBrk="0" hangingPunct="1">
+              <a:spcBef>
+                <a:spcPts val="1000"/>
+              </a:spcBef>
+              <a:spcAft>
+                <a:spcPts val="0"/>
+              </a:spcAft>
+              <a:buClr>
+                <a:schemeClr val="accent1"/>
+              </a:buClr>
+              <a:buSzPct val="80000"/>
+              <a:buFont typeface="Wingdings 3" charset="2"/>
+              <a:buChar char=""/>
+              <a:defRPr sz="1200" b="0" i="0" kern="1200">
+                <a:solidFill>
+                  <a:schemeClr val="tx1">
+                    <a:lumMod val="75000"/>
+                    <a:lumOff val="25000"/>
+                  </a:schemeClr>
+                </a:solidFill>
+                <a:latin typeface="+mn-lt"/>
+                <a:ea typeface="+mn-ea"/>
+                <a:cs typeface="+mn-cs"/>
+              </a:defRPr>
+            </a:lvl4pPr>
+            <a:lvl5pPr marL="1508760" indent="-228600" algn="l" defTabSz="457200" rtl="0" eaLnBrk="1" latinLnBrk="0" hangingPunct="1">
+              <a:spcBef>
+                <a:spcPts val="1000"/>
+              </a:spcBef>
+              <a:spcAft>
+                <a:spcPts val="0"/>
+              </a:spcAft>
+              <a:buClr>
+                <a:schemeClr val="accent1"/>
+              </a:buClr>
+              <a:buSzPct val="80000"/>
+              <a:buFont typeface="Wingdings 3" charset="2"/>
+              <a:buChar char=""/>
+              <a:defRPr sz="1200" b="0" i="0" kern="1200">
+                <a:solidFill>
+                  <a:schemeClr val="tx1">
+                    <a:lumMod val="75000"/>
+                    <a:lumOff val="25000"/>
+                  </a:schemeClr>
+                </a:solidFill>
+                <a:latin typeface="+mn-lt"/>
+                <a:ea typeface="+mn-ea"/>
+                <a:cs typeface="+mn-cs"/>
+              </a:defRPr>
+            </a:lvl5pPr>
+            <a:lvl6pPr marL="1814600" indent="-228600" algn="l" defTabSz="457200" rtl="0" eaLnBrk="1" latinLnBrk="0" hangingPunct="1">
+              <a:spcBef>
+                <a:spcPts val="1000"/>
+              </a:spcBef>
+              <a:spcAft>
+                <a:spcPts val="0"/>
+              </a:spcAft>
+              <a:buClr>
+                <a:schemeClr val="accent1"/>
+              </a:buClr>
+              <a:buSzPct val="80000"/>
+              <a:buFont typeface="Wingdings 3" charset="2"/>
+              <a:buChar char=""/>
+              <a:defRPr sz="1200" b="0" i="0" kern="1200">
+                <a:solidFill>
+                  <a:schemeClr val="tx1">
+                    <a:lumMod val="75000"/>
+                    <a:lumOff val="25000"/>
+                  </a:schemeClr>
+                </a:solidFill>
+                <a:latin typeface="+mn-lt"/>
+                <a:ea typeface="+mn-ea"/>
+                <a:cs typeface="+mn-cs"/>
+              </a:defRPr>
+            </a:lvl6pPr>
+            <a:lvl7pPr marL="2071800" indent="-228600" algn="l" defTabSz="457200" rtl="0" eaLnBrk="1" latinLnBrk="0" hangingPunct="1">
+              <a:spcBef>
+                <a:spcPts val="1000"/>
+              </a:spcBef>
+              <a:spcAft>
+                <a:spcPts val="0"/>
+              </a:spcAft>
+              <a:buClr>
+                <a:schemeClr val="accent1"/>
+              </a:buClr>
+              <a:buSzPct val="80000"/>
+              <a:buFont typeface="Wingdings 3" charset="2"/>
+              <a:buChar char=""/>
+              <a:defRPr sz="1200" b="0" i="0" kern="1200">
+                <a:solidFill>
+                  <a:schemeClr val="tx1">
+                    <a:lumMod val="75000"/>
+                    <a:lumOff val="25000"/>
+                  </a:schemeClr>
+                </a:solidFill>
+                <a:latin typeface="+mn-lt"/>
+                <a:ea typeface="+mn-ea"/>
+                <a:cs typeface="+mn-cs"/>
+              </a:defRPr>
+            </a:lvl7pPr>
+            <a:lvl8pPr marL="2259000" indent="-228600" algn="l" defTabSz="457200" rtl="0" eaLnBrk="1" latinLnBrk="0" hangingPunct="1">
+              <a:spcBef>
+                <a:spcPts val="1000"/>
+              </a:spcBef>
+              <a:spcAft>
+                <a:spcPts val="0"/>
+              </a:spcAft>
+              <a:buClr>
+                <a:schemeClr val="accent1"/>
+              </a:buClr>
+              <a:buSzPct val="80000"/>
+              <a:buFont typeface="Wingdings 3" charset="2"/>
+              <a:buChar char=""/>
+              <a:defRPr sz="1200" b="0" i="0" kern="1200">
+                <a:solidFill>
+                  <a:schemeClr val="tx1">
+                    <a:lumMod val="75000"/>
+                    <a:lumOff val="25000"/>
+                  </a:schemeClr>
+                </a:solidFill>
+                <a:latin typeface="+mn-lt"/>
+                <a:ea typeface="+mn-ea"/>
+                <a:cs typeface="+mn-cs"/>
+              </a:defRPr>
+            </a:lvl8pPr>
+            <a:lvl9pPr marL="2486200" indent="-228600" algn="l" defTabSz="457200" rtl="0" eaLnBrk="1" latinLnBrk="0" hangingPunct="1">
+              <a:spcBef>
+                <a:spcPts val="1000"/>
+              </a:spcBef>
+              <a:spcAft>
+                <a:spcPts val="0"/>
+              </a:spcAft>
+              <a:buClr>
+                <a:schemeClr val="accent1"/>
+              </a:buClr>
+              <a:buSzPct val="80000"/>
+              <a:buFont typeface="Wingdings 3" charset="2"/>
+              <a:buChar char=""/>
+              <a:defRPr sz="1200" b="0" i="0" kern="1200">
+                <a:solidFill>
+                  <a:schemeClr val="tx1">
+                    <a:lumMod val="75000"/>
+                    <a:lumOff val="25000"/>
+                  </a:schemeClr>
+                </a:solidFill>
+                <a:latin typeface="+mn-lt"/>
+                <a:ea typeface="+mn-ea"/>
+                <a:cs typeface="+mn-cs"/>
+              </a:defRPr>
+            </a:lvl9pPr>
+          </a:lstStyle>
+          <a:p>
+            <a:r>
+              <a:rPr lang="en-SG" dirty="0"/>
+              <a:t>Storage: PostgreSQL / MongoDB</a:t>
+            </a:r>
+          </a:p>
+          <a:p>
+            <a:r>
+              <a:rPr lang="en-SG" dirty="0"/>
+              <a:t>Backend API: Flask / </a:t>
+            </a:r>
+            <a:r>
+              <a:rPr lang="en-SG" dirty="0" err="1"/>
+              <a:t>FastAPI</a:t>
+            </a:r>
+            <a:endParaRPr lang="en-SG" dirty="0"/>
+          </a:p>
+          <a:p>
+            <a:r>
+              <a:rPr lang="en-SG" dirty="0"/>
+              <a:t>Classification: ML/LLM pipeline (Zero-shot, </a:t>
+            </a:r>
+            <a:r>
+              <a:rPr lang="en-SG" dirty="0" err="1"/>
+              <a:t>BERTopic</a:t>
+            </a:r>
+            <a:r>
+              <a:rPr lang="en-SG" dirty="0"/>
+              <a:t>, etc.)</a:t>
+            </a:r>
+          </a:p>
+          <a:p>
+            <a:r>
+              <a:rPr lang="en-SG" dirty="0"/>
+              <a:t>NER: </a:t>
+            </a:r>
+            <a:r>
+              <a:rPr lang="en-SG" dirty="0" err="1"/>
+              <a:t>spaCy</a:t>
+            </a:r>
+            <a:r>
+              <a:rPr lang="en-SG" dirty="0"/>
+              <a:t> or transformer-based entity extractors</a:t>
+            </a:r>
+          </a:p>
+          <a:p>
+            <a:r>
+              <a:rPr lang="en-SG" dirty="0"/>
+              <a:t>Frontend: </a:t>
+            </a:r>
+            <a:r>
+              <a:rPr lang="en-SG" dirty="0" err="1"/>
+              <a:t>Streamlit</a:t>
+            </a:r>
+            <a:r>
+              <a:rPr lang="en-SG" dirty="0"/>
+              <a:t> / Dash / React</a:t>
+            </a:r>
+          </a:p>
+          <a:p>
+            <a:r>
+              <a:rPr lang="en-SG" dirty="0"/>
+              <a:t>Scheduler: Cron or Apache Airflow</a:t>
+            </a:r>
+          </a:p>
+        </p:txBody>
+      </p:sp>
+    </p:spTree>
+    <p:extLst>
+      <p:ext uri="{BB962C8B-B14F-4D97-AF65-F5344CB8AC3E}">
+        <p14:creationId xmlns:p14="http://schemas.microsoft.com/office/powerpoint/2010/main" val="2509618454"/>
+      </p:ext>
+    </p:extLst>
+  </p:cSld>
+  <p:clrMapOvr>
+    <a:masterClrMapping/>
+  </p:clrMapOvr>
+</p:sld>
+</file>
+
+<file path=ppt/slides/slide15.xml><?xml version="1.0" encoding="utf-8"?>
+<p:sld xmlns:a="http://schemas.openxmlformats.org/drawingml/2006/main" xmlns:r="http://schemas.openxmlformats.org/officeDocument/2006/relationships" xmlns:p="http://schemas.openxmlformats.org/presentationml/2006/main">
+  <p:cSld>
+    <p:spTree>
+      <p:nvGrpSpPr>
+        <p:cNvPr id="1" name=""/>
+        <p:cNvGrpSpPr/>
+        <p:nvPr/>
+      </p:nvGrpSpPr>
+      <p:grpSpPr>
+        <a:xfrm>
+          <a:off x="0" y="0"/>
+          <a:ext cx="0" cy="0"/>
+          <a:chOff x="0" y="0"/>
+          <a:chExt cx="0" cy="0"/>
+        </a:xfrm>
+      </p:grpSpPr>
+      <p:sp>
+        <p:nvSpPr>
+          <p:cNvPr id="2" name="Title 1"/>
+          <p:cNvSpPr>
+            <a:spLocks noGrp="1"/>
+          </p:cNvSpPr>
+          <p:nvPr>
+            <p:ph type="title"/>
+          </p:nvPr>
+        </p:nvSpPr>
+        <p:spPr/>
+        <p:txBody>
+          <a:bodyPr/>
+          <a:lstStyle/>
+          <a:p>
+            <a:r>
+              <a:t>Database Schema</a:t>
+            </a:r>
+          </a:p>
+        </p:txBody>
+      </p:sp>
+      <p:sp>
+        <p:nvSpPr>
+          <p:cNvPr id="3" name="Content Placeholder 2"/>
+          <p:cNvSpPr>
+            <a:spLocks noGrp="1"/>
+          </p:cNvSpPr>
+          <p:nvPr>
+            <p:ph idx="1"/>
+          </p:nvPr>
+        </p:nvSpPr>
+        <p:spPr/>
+        <p:txBody>
+          <a:bodyPr>
+            <a:normAutofit/>
+          </a:bodyPr>
+          <a:lstStyle/>
+          <a:p>
+            <a:r>
+              <a:t>• id (INT/UUID): Unique identifier</a:t>
+            </a:r>
+          </a:p>
+          <a:p>
+            <a:r>
+              <a:t>• title (TEXT): News headline</a:t>
+            </a:r>
+          </a:p>
+          <a:p>
+            <a:r>
+              <a:t>• content (TEXT): Full body of news</a:t>
+            </a:r>
+          </a:p>
+          <a:p>
+            <a:r>
+              <a:t>• published_date (DATETIME): Article publish time</a:t>
+            </a:r>
+          </a:p>
+          <a:p>
+            <a:r>
+              <a:t>• source_url (TEXT): Original source link</a:t>
+            </a:r>
+          </a:p>
+          <a:p>
+            <a:r>
+              <a:t>• entities (TEXT/JSON): Extracted named entities</a:t>
+            </a:r>
+          </a:p>
+          <a:p>
+            <a:r>
+              <a:t>• category (TEXT): Classified type of financial crime</a:t>
+            </a:r>
+          </a:p>
+          <a:p>
+            <a:r>
+              <a:t>• confidence_score (FLOAT): Relevance score</a:t>
+            </a:r>
+          </a:p>
+        </p:txBody>
+      </p:sp>
+    </p:spTree>
+  </p:cSld>
+  <p:clrMapOvr>
+    <a:masterClrMapping/>
+  </p:clrMapOvr>
+</p:sld>
+</file>
+
+<file path=ppt/slides/slide16.xml><?xml version="1.0" encoding="utf-8"?>
+<p:sld xmlns:a="http://schemas.openxmlformats.org/drawingml/2006/main" xmlns:r="http://schemas.openxmlformats.org/officeDocument/2006/relationships" xmlns:p="http://schemas.openxmlformats.org/presentationml/2006/main">
+  <p:cSld>
+    <p:spTree>
+      <p:nvGrpSpPr>
+        <p:cNvPr id="1" name=""/>
+        <p:cNvGrpSpPr/>
+        <p:nvPr/>
+      </p:nvGrpSpPr>
+      <p:grpSpPr>
+        <a:xfrm>
+          <a:off x="0" y="0"/>
+          <a:ext cx="0" cy="0"/>
+          <a:chOff x="0" y="0"/>
+          <a:chExt cx="0" cy="0"/>
+        </a:xfrm>
+      </p:grpSpPr>
+      <p:sp>
+        <p:nvSpPr>
+          <p:cNvPr id="2" name="Title 1"/>
+          <p:cNvSpPr>
+            <a:spLocks noGrp="1"/>
+          </p:cNvSpPr>
+          <p:nvPr>
+            <p:ph type="title"/>
+          </p:nvPr>
+        </p:nvSpPr>
+        <p:spPr>
+          <a:xfrm>
+            <a:off x="866216" y="808038"/>
+            <a:ext cx="6005036" cy="722611"/>
+          </a:xfrm>
+        </p:spPr>
+        <p:txBody>
+          <a:bodyPr>
+            <a:normAutofit/>
+          </a:bodyPr>
+          <a:lstStyle/>
+          <a:p>
+            <a:r>
+              <a:rPr lang="en-SG" sz="2700" dirty="0">
+                <a:solidFill>
+                  <a:srgbClr val="EBEBEB"/>
+                </a:solidFill>
+              </a:rPr>
+              <a:t>Visualization Objectives</a:t>
+            </a:r>
+          </a:p>
+        </p:txBody>
+      </p:sp>
+      <p:graphicFrame>
+        <p:nvGraphicFramePr>
+          <p:cNvPr id="5" name="Content Placeholder 2">
+            <a:extLst>
+              <a:ext uri="{FF2B5EF4-FFF2-40B4-BE49-F238E27FC236}">
+                <a16:creationId xmlns:a16="http://schemas.microsoft.com/office/drawing/2014/main" id="{4D04BBEA-EAC1-7D9C-F973-1C1D02777627}"/>
+              </a:ext>
+            </a:extLst>
+          </p:cNvPr>
+          <p:cNvGraphicFramePr>
+            <a:graphicFrameLocks noGrp="1"/>
+          </p:cNvGraphicFramePr>
+          <p:nvPr>
+            <p:ph idx="1"/>
+            <p:extLst>
+              <p:ext uri="{D42A27DB-BD31-4B8C-83A1-F6EECF244321}">
+                <p14:modId xmlns:p14="http://schemas.microsoft.com/office/powerpoint/2010/main" val="1237096019"/>
+              </p:ext>
+            </p:extLst>
+          </p:nvPr>
+        </p:nvGraphicFramePr>
+        <p:xfrm>
+          <a:off x="1371187" y="1868211"/>
+          <a:ext cx="6255440" cy="5367475"/>
+        </p:xfrm>
+        <a:graphic>
+          <a:graphicData uri="http://schemas.openxmlformats.org/drawingml/2006/diagram">
+            <dgm:relIds xmlns:dgm="http://schemas.openxmlformats.org/drawingml/2006/diagram" xmlns:r="http://schemas.openxmlformats.org/officeDocument/2006/relationships" r:dm="rId2" r:lo="rId3" r:qs="rId4" r:cs="rId5"/>
+          </a:graphicData>
+        </a:graphic>
+      </p:graphicFrame>
     </p:spTree>
   </p:cSld>
   <p:clrMapOvr>

--- a/DBS_Assessment_Final.pptx
+++ b/DBS_Assessment_Final.pptx
@@ -3133,7 +3133,7 @@
             </a:ln>
             <a:extLst>
               <a:ext uri="{91240B29-F687-4f45-9708-019B960494DF}">
-                <a14:hiddenLine xmlns="" xmlns:a14="http://schemas.microsoft.com/office/drawing/2010/main" w="9525">
+                <a14:hiddenLine xmlns:a14="http://schemas.microsoft.com/office/drawing/2010/main" xmlns="" w="9525">
                   <a:solidFill>
                     <a:srgbClr val="000000"/>
                   </a:solidFill>
@@ -3330,7 +3330,7 @@
           <a:p>
             <a:fld id="{5BCAD085-E8A6-8845-BD4E-CB4CCA059FC4}" type="datetimeFigureOut">
               <a:rPr lang="en-US" smtClean="0"/>
-              <a:t>4/9/2025</a:t>
+              <a:t>4/10/2025</a:t>
             </a:fld>
             <a:endParaRPr lang="en-US"/>
           </a:p>
@@ -4214,7 +4214,7 @@
             </a:ln>
             <a:extLst>
               <a:ext uri="{91240B29-F687-4f45-9708-019B960494DF}">
-                <a14:hiddenLine xmlns="" xmlns:a14="http://schemas.microsoft.com/office/drawing/2010/main" w="9525">
+                <a14:hiddenLine xmlns:a14="http://schemas.microsoft.com/office/drawing/2010/main" xmlns="" w="9525">
                   <a:solidFill>
                     <a:srgbClr val="000000"/>
                   </a:solidFill>
@@ -4431,7 +4431,7 @@
           <a:p>
             <a:fld id="{5BCAD085-E8A6-8845-BD4E-CB4CCA059FC4}" type="datetimeFigureOut">
               <a:rPr lang="en-US" smtClean="0"/>
-              <a:t>4/9/2025</a:t>
+              <a:t>4/10/2025</a:t>
             </a:fld>
             <a:endParaRPr lang="en-US"/>
           </a:p>
@@ -5300,7 +5300,7 @@
             </a:ln>
             <a:extLst>
               <a:ext uri="{91240B29-F687-4f45-9708-019B960494DF}">
-                <a14:hiddenLine xmlns="" xmlns:a14="http://schemas.microsoft.com/office/drawing/2010/main" w="9525">
+                <a14:hiddenLine xmlns:a14="http://schemas.microsoft.com/office/drawing/2010/main" xmlns="" w="9525">
                   <a:solidFill>
                     <a:srgbClr val="000000"/>
                   </a:solidFill>
@@ -5429,7 +5429,7 @@
           <a:p>
             <a:fld id="{5BCAD085-E8A6-8845-BD4E-CB4CCA059FC4}" type="datetimeFigureOut">
               <a:rPr lang="en-US" smtClean="0"/>
-              <a:t>4/9/2025</a:t>
+              <a:t>4/10/2025</a:t>
             </a:fld>
             <a:endParaRPr lang="en-US"/>
           </a:p>
@@ -6261,7 +6261,7 @@
             </a:ln>
             <a:extLst>
               <a:ext uri="{91240B29-F687-4f45-9708-019B960494DF}">
-                <a14:hiddenLine xmlns="" xmlns:a14="http://schemas.microsoft.com/office/drawing/2010/main" w="9525">
+                <a14:hiddenLine xmlns:a14="http://schemas.microsoft.com/office/drawing/2010/main" xmlns="" w="9525">
                   <a:solidFill>
                     <a:srgbClr val="000000"/>
                   </a:solidFill>
@@ -6544,7 +6544,7 @@
           <a:p>
             <a:fld id="{5BCAD085-E8A6-8845-BD4E-CB4CCA059FC4}" type="datetimeFigureOut">
               <a:rPr lang="en-US" smtClean="0"/>
-              <a:t>4/9/2025</a:t>
+              <a:t>4/10/2025</a:t>
             </a:fld>
             <a:endParaRPr lang="en-US"/>
           </a:p>
@@ -7376,7 +7376,7 @@
             </a:ln>
             <a:extLst>
               <a:ext uri="{91240B29-F687-4f45-9708-019B960494DF}">
-                <a14:hiddenLine xmlns="" xmlns:a14="http://schemas.microsoft.com/office/drawing/2010/main" w="9525">
+                <a14:hiddenLine xmlns:a14="http://schemas.microsoft.com/office/drawing/2010/main" xmlns="" w="9525">
                   <a:solidFill>
                     <a:srgbClr val="000000"/>
                   </a:solidFill>
@@ -7558,7 +7558,7 @@
           <a:p>
             <a:fld id="{5BCAD085-E8A6-8845-BD4E-CB4CCA059FC4}" type="datetimeFigureOut">
               <a:rPr lang="en-US" smtClean="0"/>
-              <a:t>4/9/2025</a:t>
+              <a:t>4/10/2025</a:t>
             </a:fld>
             <a:endParaRPr lang="en-US"/>
           </a:p>
@@ -8230,7 +8230,7 @@
           <a:p>
             <a:fld id="{5BCAD085-E8A6-8845-BD4E-CB4CCA059FC4}" type="datetimeFigureOut">
               <a:rPr lang="en-US" smtClean="0"/>
-              <a:t>4/9/2025</a:t>
+              <a:t>4/10/2025</a:t>
             </a:fld>
             <a:endParaRPr lang="en-US"/>
           </a:p>
@@ -9103,7 +9103,7 @@
           <a:p>
             <a:fld id="{5BCAD085-E8A6-8845-BD4E-CB4CCA059FC4}" type="datetimeFigureOut">
               <a:rPr lang="en-US" smtClean="0"/>
-              <a:t>4/9/2025</a:t>
+              <a:t>4/10/2025</a:t>
             </a:fld>
             <a:endParaRPr lang="en-US"/>
           </a:p>
@@ -9290,7 +9290,7 @@
           <a:p>
             <a:fld id="{5BCAD085-E8A6-8845-BD4E-CB4CCA059FC4}" type="datetimeFigureOut">
               <a:rPr lang="en-US" smtClean="0"/>
-              <a:t>4/9/2025</a:t>
+              <a:t>4/10/2025</a:t>
             </a:fld>
             <a:endParaRPr lang="en-US"/>
           </a:p>
@@ -10125,7 +10125,7 @@
           </a:ln>
           <a:extLst>
             <a:ext uri="{91240B29-F687-4f45-9708-019B960494DF}">
-              <a14:hiddenLine xmlns="" xmlns:a14="http://schemas.microsoft.com/office/drawing/2010/main" w="9525">
+              <a14:hiddenLine xmlns:a14="http://schemas.microsoft.com/office/drawing/2010/main" xmlns="" w="9525">
                 <a:solidFill>
                   <a:srgbClr val="000000"/>
                 </a:solidFill>
@@ -10239,7 +10239,7 @@
           <a:p>
             <a:fld id="{5BCAD085-E8A6-8845-BD4E-CB4CCA059FC4}" type="datetimeFigureOut">
               <a:rPr lang="en-US" smtClean="0"/>
-              <a:t>4/9/2025</a:t>
+              <a:t>4/10/2025</a:t>
             </a:fld>
             <a:endParaRPr lang="en-US"/>
           </a:p>
@@ -10471,7 +10471,7 @@
           <a:p>
             <a:fld id="{5BCAD085-E8A6-8845-BD4E-CB4CCA059FC4}" type="datetimeFigureOut">
               <a:rPr lang="en-US" smtClean="0"/>
-              <a:t>4/9/2025</a:t>
+              <a:t>4/10/2025</a:t>
             </a:fld>
             <a:endParaRPr lang="en-US"/>
           </a:p>
@@ -11300,7 +11300,7 @@
             </a:ln>
             <a:extLst>
               <a:ext uri="{91240B29-F687-4f45-9708-019B960494DF}">
-                <a14:hiddenLine xmlns="" xmlns:a14="http://schemas.microsoft.com/office/drawing/2010/main" w="9525">
+                <a14:hiddenLine xmlns:a14="http://schemas.microsoft.com/office/drawing/2010/main" xmlns="" w="9525">
                   <a:solidFill>
                     <a:srgbClr val="000000"/>
                   </a:solidFill>
@@ -11482,7 +11482,7 @@
           <a:p>
             <a:fld id="{5BCAD085-E8A6-8845-BD4E-CB4CCA059FC4}" type="datetimeFigureOut">
               <a:rPr lang="en-US" smtClean="0"/>
-              <a:t>4/9/2025</a:t>
+              <a:t>4/10/2025</a:t>
             </a:fld>
             <a:endParaRPr lang="en-US"/>
           </a:p>
@@ -11766,7 +11766,7 @@
           <a:p>
             <a:fld id="{5BCAD085-E8A6-8845-BD4E-CB4CCA059FC4}" type="datetimeFigureOut">
               <a:rPr lang="en-US" smtClean="0"/>
-              <a:t>4/9/2025</a:t>
+              <a:t>4/10/2025</a:t>
             </a:fld>
             <a:endParaRPr lang="en-US"/>
           </a:p>
@@ -12166,7 +12166,7 @@
           <a:p>
             <a:fld id="{5BCAD085-E8A6-8845-BD4E-CB4CCA059FC4}" type="datetimeFigureOut">
               <a:rPr lang="en-US" smtClean="0"/>
-              <a:t>4/9/2025</a:t>
+              <a:t>4/10/2025</a:t>
             </a:fld>
             <a:endParaRPr lang="en-US"/>
           </a:p>
@@ -12296,7 +12296,7 @@
           <a:p>
             <a:fld id="{5BCAD085-E8A6-8845-BD4E-CB4CCA059FC4}" type="datetimeFigureOut">
               <a:rPr lang="en-US" smtClean="0"/>
-              <a:t>4/9/2025</a:t>
+              <a:t>4/10/2025</a:t>
             </a:fld>
             <a:endParaRPr lang="en-US"/>
           </a:p>
@@ -12439,7 +12439,7 @@
           <a:p>
             <a:fld id="{5BCAD085-E8A6-8845-BD4E-CB4CCA059FC4}" type="datetimeFigureOut">
               <a:rPr lang="en-US" smtClean="0"/>
-              <a:t>4/9/2025</a:t>
+              <a:t>4/10/2025</a:t>
             </a:fld>
             <a:endParaRPr lang="en-US"/>
           </a:p>
@@ -13268,7 +13268,7 @@
             </a:ln>
             <a:extLst>
               <a:ext uri="{91240B29-F687-4f45-9708-019B960494DF}">
-                <a14:hiddenLine xmlns="" xmlns:a14="http://schemas.microsoft.com/office/drawing/2010/main" w="9525">
+                <a14:hiddenLine xmlns:a14="http://schemas.microsoft.com/office/drawing/2010/main" xmlns="" w="9525">
                   <a:solidFill>
                     <a:srgbClr val="000000"/>
                   </a:solidFill>
@@ -13461,7 +13461,7 @@
           <a:p>
             <a:fld id="{5BCAD085-E8A6-8845-BD4E-CB4CCA059FC4}" type="datetimeFigureOut">
               <a:rPr lang="en-US" smtClean="0"/>
-              <a:t>4/9/2025</a:t>
+              <a:t>4/10/2025</a:t>
             </a:fld>
             <a:endParaRPr lang="en-US"/>
           </a:p>
@@ -14326,7 +14326,7 @@
             </a:ln>
             <a:extLst>
               <a:ext uri="{91240B29-F687-4f45-9708-019B960494DF}">
-                <a14:hiddenLine xmlns="" xmlns:a14="http://schemas.microsoft.com/office/drawing/2010/main" w="9525">
+                <a14:hiddenLine xmlns:a14="http://schemas.microsoft.com/office/drawing/2010/main" xmlns="" w="9525">
                   <a:solidFill>
                     <a:srgbClr val="000000"/>
                   </a:solidFill>
@@ -14543,7 +14543,7 @@
           <a:p>
             <a:fld id="{5BCAD085-E8A6-8845-BD4E-CB4CCA059FC4}" type="datetimeFigureOut">
               <a:rPr lang="en-US" smtClean="0"/>
-              <a:t>4/9/2025</a:t>
+              <a:t>4/10/2025</a:t>
             </a:fld>
             <a:endParaRPr lang="en-US"/>
           </a:p>
@@ -15376,7 +15376,7 @@
             </a:ln>
             <a:extLst>
               <a:ext uri="{91240B29-F687-4f45-9708-019B960494DF}">
-                <a14:hiddenLine xmlns="" xmlns:a14="http://schemas.microsoft.com/office/drawing/2010/main" w="9525">
+                <a14:hiddenLine xmlns:a14="http://schemas.microsoft.com/office/drawing/2010/main" xmlns="" w="9525">
                   <a:solidFill>
                     <a:srgbClr val="000000"/>
                   </a:solidFill>
@@ -15517,7 +15517,7 @@
           <a:p>
             <a:fld id="{5BCAD085-E8A6-8845-BD4E-CB4CCA059FC4}" type="datetimeFigureOut">
               <a:rPr lang="en-US" smtClean="0"/>
-              <a:t>4/9/2025</a:t>
+              <a:t>4/10/2025</a:t>
             </a:fld>
             <a:endParaRPr lang="en-US"/>
           </a:p>
@@ -21263,7 +21263,7 @@
         </p:nvSpPr>
         <p:spPr>
           <a:xfrm>
-            <a:off x="480069" y="2520122"/>
+            <a:off x="731861" y="3567044"/>
             <a:ext cx="6345260" cy="3530600"/>
           </a:xfrm>
         </p:spPr>
@@ -21327,8 +21327,8 @@
         </p:nvSpPr>
         <p:spPr>
           <a:xfrm>
-            <a:off x="5873703" y="2822714"/>
-            <a:ext cx="3270297" cy="2213113"/>
+            <a:off x="731860" y="1842053"/>
+            <a:ext cx="7835669" cy="2213113"/>
           </a:xfrm>
           <a:prstGeom prst="rect">
             <a:avLst/>
@@ -21336,7 +21336,7 @@
         </p:spPr>
         <p:txBody>
           <a:bodyPr vert="horz" lIns="91440" tIns="45720" rIns="91440" bIns="45720" rtlCol="0">
-            <a:normAutofit fontScale="62500" lnSpcReduction="20000"/>
+            <a:normAutofit/>
           </a:bodyPr>
           <a:lstStyle>
             <a:lvl1pPr marL="342900" indent="-342900" algn="l" defTabSz="457200" rtl="0" eaLnBrk="1" latinLnBrk="0" hangingPunct="1">
@@ -21570,41 +21570,45 @@
           </a:p>
           <a:p>
             <a:r>
-              <a:rPr lang="en-US" sz="2600" dirty="0"/>
+              <a:rPr lang="en-US" sz="1900" dirty="0"/>
               <a:t>Identifies pronouns or alternate mentions referring to the same entity</a:t>
             </a:r>
           </a:p>
           <a:p>
             <a:r>
-              <a:rPr lang="en-US" sz="2600" dirty="0"/>
+              <a:rPr lang="en-US" sz="1900" dirty="0"/>
               <a:t>Models: </a:t>
             </a:r>
             <a:r>
-              <a:rPr lang="en-US" sz="2600" dirty="0" err="1"/>
+              <a:rPr lang="en-US" sz="1900" dirty="0" err="1"/>
               <a:t>AllenNLP</a:t>
             </a:r>
             <a:r>
-              <a:rPr lang="en-US" sz="2600" dirty="0"/>
+              <a:rPr lang="en-US" sz="1900" dirty="0"/>
               <a:t>, </a:t>
             </a:r>
             <a:r>
-              <a:rPr lang="en-US" sz="2600" dirty="0" err="1"/>
+              <a:rPr lang="en-US" sz="1900" dirty="0" err="1"/>
               <a:t>SpanBERT</a:t>
             </a:r>
             <a:r>
-              <a:rPr lang="en-US" sz="2600" dirty="0"/>
+              <a:rPr lang="en-US" sz="1900" dirty="0"/>
               <a:t>, </a:t>
             </a:r>
             <a:r>
-              <a:rPr lang="en-US" sz="2600" dirty="0" err="1"/>
+              <a:rPr lang="en-US" sz="1900" dirty="0" err="1"/>
               <a:t>neuralcoref</a:t>
             </a:r>
-            <a:endParaRPr lang="en-US" sz="2600" dirty="0"/>
+            <a:endParaRPr lang="en-US" sz="1900" dirty="0"/>
           </a:p>
           <a:p>
             <a:r>
-              <a:rPr lang="en-US" sz="2600" dirty="0"/>
-              <a:t>Useful for grouping references like 'President Biden' and 'he'</a:t>
+              <a:rPr lang="en-US" sz="1900" dirty="0"/>
+              <a:t>Useful for grouping references like 'President </a:t>
+            </a:r>
+            <a:r>
+              <a:rPr lang="en-US" dirty="0"/>
+              <a:t>Biden' and 'he'</a:t>
             </a:r>
           </a:p>
         </p:txBody>
@@ -21665,40 +21669,51 @@
             <p:ph idx="1"/>
           </p:nvPr>
         </p:nvSpPr>
-        <p:spPr/>
+        <p:spPr>
+          <a:xfrm>
+            <a:off x="745113" y="3648765"/>
+            <a:ext cx="6345260" cy="3530600"/>
+          </a:xfrm>
+        </p:spPr>
         <p:txBody>
           <a:bodyPr/>
           <a:lstStyle/>
           <a:p>
-            <a:endParaRPr/>
+            <a:endParaRPr dirty="0"/>
           </a:p>
           <a:p>
             <a:r>
+              <a:rPr dirty="0"/>
               <a:t>✅ Pros:</a:t>
             </a:r>
           </a:p>
           <a:p>
             <a:r>
+              <a:rPr dirty="0"/>
               <a:t>- High precision for known entities</a:t>
             </a:r>
           </a:p>
           <a:p>
             <a:r>
+              <a:rPr dirty="0"/>
               <a:t>- Can integrate knowledge bases</a:t>
             </a:r>
           </a:p>
           <a:p>
             <a:r>
+              <a:rPr dirty="0"/>
               <a:t>❌ Cons:</a:t>
             </a:r>
           </a:p>
           <a:p>
             <a:r>
+              <a:rPr dirty="0"/>
               <a:t>- Requires entity KB or external API</a:t>
             </a:r>
           </a:p>
           <a:p>
             <a:r>
+              <a:rPr dirty="0"/>
               <a:t>- More complex implementation</a:t>
             </a:r>
           </a:p>
@@ -21720,8 +21735,8 @@
         </p:nvSpPr>
         <p:spPr>
           <a:xfrm>
-            <a:off x="5490172" y="2895048"/>
-            <a:ext cx="3438939" cy="2400852"/>
+            <a:off x="745113" y="2064739"/>
+            <a:ext cx="7252574" cy="2400852"/>
           </a:xfrm>
           <a:prstGeom prst="rect">
             <a:avLst/>
@@ -21729,7 +21744,7 @@
         </p:spPr>
         <p:txBody>
           <a:bodyPr vert="horz" lIns="91440" tIns="45720" rIns="91440" bIns="45720" rtlCol="0">
-            <a:normAutofit fontScale="92500" lnSpcReduction="10000"/>
+            <a:normAutofit/>
           </a:bodyPr>
           <a:lstStyle>
             <a:lvl1pPr marL="342900" indent="-342900" algn="l" defTabSz="457200" rtl="0" eaLnBrk="1" latinLnBrk="0" hangingPunct="1">

--- a/DBS_Assessment_Final.pptx
+++ b/DBS_Assessment_Final.pptx
@@ -21,6 +21,8 @@
     <p:sldId id="270" r:id="rId15"/>
     <p:sldId id="272" r:id="rId16"/>
     <p:sldId id="271" r:id="rId17"/>
+    <p:sldId id="273" r:id="rId18"/>
+    <p:sldId id="274" r:id="rId19"/>
   </p:sldIdLst>
   <p:sldSz cx="9144000" cy="6858000" type="screen4x3"/>
   <p:notesSz cx="6858000" cy="9144000"/>
@@ -144,6 +146,8 @@
             <p14:sldId id="270"/>
             <p14:sldId id="272"/>
             <p14:sldId id="271"/>
+            <p14:sldId id="273"/>
+            <p14:sldId id="274"/>
           </p14:sldIdLst>
         </p14:section>
       </p14:sectionLst>
@@ -3133,7 +3137,7 @@
             </a:ln>
             <a:extLst>
               <a:ext uri="{91240B29-F687-4f45-9708-019B960494DF}">
-                <a14:hiddenLine xmlns:a14="http://schemas.microsoft.com/office/drawing/2010/main" xmlns="" w="9525">
+                <a14:hiddenLine xmlns="" xmlns:a14="http://schemas.microsoft.com/office/drawing/2010/main" w="9525">
                   <a:solidFill>
                     <a:srgbClr val="000000"/>
                   </a:solidFill>
@@ -4214,7 +4218,7 @@
             </a:ln>
             <a:extLst>
               <a:ext uri="{91240B29-F687-4f45-9708-019B960494DF}">
-                <a14:hiddenLine xmlns:a14="http://schemas.microsoft.com/office/drawing/2010/main" xmlns="" w="9525">
+                <a14:hiddenLine xmlns="" xmlns:a14="http://schemas.microsoft.com/office/drawing/2010/main" w="9525">
                   <a:solidFill>
                     <a:srgbClr val="000000"/>
                   </a:solidFill>
@@ -5300,7 +5304,7 @@
             </a:ln>
             <a:extLst>
               <a:ext uri="{91240B29-F687-4f45-9708-019B960494DF}">
-                <a14:hiddenLine xmlns:a14="http://schemas.microsoft.com/office/drawing/2010/main" xmlns="" w="9525">
+                <a14:hiddenLine xmlns="" xmlns:a14="http://schemas.microsoft.com/office/drawing/2010/main" w="9525">
                   <a:solidFill>
                     <a:srgbClr val="000000"/>
                   </a:solidFill>
@@ -6261,7 +6265,7 @@
             </a:ln>
             <a:extLst>
               <a:ext uri="{91240B29-F687-4f45-9708-019B960494DF}">
-                <a14:hiddenLine xmlns:a14="http://schemas.microsoft.com/office/drawing/2010/main" xmlns="" w="9525">
+                <a14:hiddenLine xmlns="" xmlns:a14="http://schemas.microsoft.com/office/drawing/2010/main" w="9525">
                   <a:solidFill>
                     <a:srgbClr val="000000"/>
                   </a:solidFill>
@@ -7376,7 +7380,7 @@
             </a:ln>
             <a:extLst>
               <a:ext uri="{91240B29-F687-4f45-9708-019B960494DF}">
-                <a14:hiddenLine xmlns:a14="http://schemas.microsoft.com/office/drawing/2010/main" xmlns="" w="9525">
+                <a14:hiddenLine xmlns="" xmlns:a14="http://schemas.microsoft.com/office/drawing/2010/main" w="9525">
                   <a:solidFill>
                     <a:srgbClr val="000000"/>
                   </a:solidFill>
@@ -10125,7 +10129,7 @@
           </a:ln>
           <a:extLst>
             <a:ext uri="{91240B29-F687-4f45-9708-019B960494DF}">
-              <a14:hiddenLine xmlns:a14="http://schemas.microsoft.com/office/drawing/2010/main" xmlns="" w="9525">
+              <a14:hiddenLine xmlns="" xmlns:a14="http://schemas.microsoft.com/office/drawing/2010/main" w="9525">
                 <a:solidFill>
                   <a:srgbClr val="000000"/>
                 </a:solidFill>
@@ -11300,7 +11304,7 @@
             </a:ln>
             <a:extLst>
               <a:ext uri="{91240B29-F687-4f45-9708-019B960494DF}">
-                <a14:hiddenLine xmlns:a14="http://schemas.microsoft.com/office/drawing/2010/main" xmlns="" w="9525">
+                <a14:hiddenLine xmlns="" xmlns:a14="http://schemas.microsoft.com/office/drawing/2010/main" w="9525">
                   <a:solidFill>
                     <a:srgbClr val="000000"/>
                   </a:solidFill>
@@ -13268,7 +13272,7 @@
             </a:ln>
             <a:extLst>
               <a:ext uri="{91240B29-F687-4f45-9708-019B960494DF}">
-                <a14:hiddenLine xmlns:a14="http://schemas.microsoft.com/office/drawing/2010/main" xmlns="" w="9525">
+                <a14:hiddenLine xmlns="" xmlns:a14="http://schemas.microsoft.com/office/drawing/2010/main" w="9525">
                   <a:solidFill>
                     <a:srgbClr val="000000"/>
                   </a:solidFill>
@@ -14326,7 +14330,7 @@
             </a:ln>
             <a:extLst>
               <a:ext uri="{91240B29-F687-4f45-9708-019B960494DF}">
-                <a14:hiddenLine xmlns:a14="http://schemas.microsoft.com/office/drawing/2010/main" xmlns="" w="9525">
+                <a14:hiddenLine xmlns="" xmlns:a14="http://schemas.microsoft.com/office/drawing/2010/main" w="9525">
                   <a:solidFill>
                     <a:srgbClr val="000000"/>
                   </a:solidFill>
@@ -15376,7 +15380,7 @@
             </a:ln>
             <a:extLst>
               <a:ext uri="{91240B29-F687-4f45-9708-019B960494DF}">
-                <a14:hiddenLine xmlns:a14="http://schemas.microsoft.com/office/drawing/2010/main" xmlns="" w="9525">
+                <a14:hiddenLine xmlns="" xmlns:a14="http://schemas.microsoft.com/office/drawing/2010/main" w="9525">
                   <a:solidFill>
                     <a:srgbClr val="000000"/>
                   </a:solidFill>
@@ -20312,42 +20316,74 @@
           <a:lstStyle/>
           <a:p>
             <a:r>
+              <a:rPr dirty="0"/>
               <a:t>• id (INT/UUID): Unique identifier</a:t>
             </a:r>
           </a:p>
           <a:p>
             <a:r>
+              <a:rPr dirty="0"/>
               <a:t>• title (TEXT): News headline</a:t>
             </a:r>
           </a:p>
           <a:p>
             <a:r>
+              <a:rPr dirty="0"/>
               <a:t>• content (TEXT): Full body of news</a:t>
             </a:r>
           </a:p>
           <a:p>
             <a:r>
-              <a:t>• published_date (DATETIME): Article publish time</a:t>
-            </a:r>
-          </a:p>
-          <a:p>
-            <a:r>
-              <a:t>• source_url (TEXT): Original source link</a:t>
-            </a:r>
-          </a:p>
-          <a:p>
-            <a:r>
+              <a:rPr dirty="0"/>
+              <a:t>• </a:t>
+            </a:r>
+            <a:r>
+              <a:rPr dirty="0" err="1"/>
+              <a:t>published_date</a:t>
+            </a:r>
+            <a:r>
+              <a:rPr dirty="0"/>
+              <a:t> (DATETIME): Article publish time</a:t>
+            </a:r>
+          </a:p>
+          <a:p>
+            <a:r>
+              <a:rPr dirty="0"/>
+              <a:t>• </a:t>
+            </a:r>
+            <a:r>
+              <a:rPr dirty="0" err="1"/>
+              <a:t>source_url</a:t>
+            </a:r>
+            <a:r>
+              <a:rPr dirty="0"/>
+              <a:t> (TEXT): Original source link</a:t>
+            </a:r>
+          </a:p>
+          <a:p>
+            <a:r>
+              <a:rPr dirty="0"/>
               <a:t>• entities (TEXT/JSON): Extracted named entities</a:t>
             </a:r>
           </a:p>
           <a:p>
             <a:r>
+              <a:rPr dirty="0"/>
               <a:t>• category (TEXT): Classified type of financial crime</a:t>
             </a:r>
           </a:p>
           <a:p>
             <a:r>
-              <a:t>• confidence_score (FLOAT): Relevance score</a:t>
+              <a:rPr dirty="0"/>
+              <a:t>• </a:t>
+            </a:r>
+            <a:r>
+              <a:rPr dirty="0" err="1"/>
+              <a:t>confidence_score</a:t>
+            </a:r>
+            <a:r>
+              <a:rPr dirty="0"/>
+              <a:t> (FLOAT): Relevance score</a:t>
             </a:r>
           </a:p>
         </p:txBody>
@@ -20442,6 +20478,398 @@
         </a:graphic>
       </p:graphicFrame>
     </p:spTree>
+  </p:cSld>
+  <p:clrMapOvr>
+    <a:masterClrMapping/>
+  </p:clrMapOvr>
+</p:sld>
+</file>
+
+<file path=ppt/slides/slide17.xml><?xml version="1.0" encoding="utf-8"?>
+<p:sld xmlns:a="http://schemas.openxmlformats.org/drawingml/2006/main" xmlns:r="http://schemas.openxmlformats.org/officeDocument/2006/relationships" xmlns:p="http://schemas.openxmlformats.org/presentationml/2006/main">
+  <p:cSld>
+    <p:spTree>
+      <p:nvGrpSpPr>
+        <p:cNvPr id="1" name=""/>
+        <p:cNvGrpSpPr/>
+        <p:nvPr/>
+      </p:nvGrpSpPr>
+      <p:grpSpPr>
+        <a:xfrm>
+          <a:off x="0" y="0"/>
+          <a:ext cx="0" cy="0"/>
+          <a:chOff x="0" y="0"/>
+          <a:chExt cx="0" cy="0"/>
+        </a:xfrm>
+      </p:grpSpPr>
+      <p:sp>
+        <p:nvSpPr>
+          <p:cNvPr id="2" name="Title 1">
+            <a:extLst>
+              <a:ext uri="{FF2B5EF4-FFF2-40B4-BE49-F238E27FC236}">
+                <a16:creationId xmlns:a16="http://schemas.microsoft.com/office/drawing/2014/main" id="{F06006B5-154D-8B22-12EC-FF901511FAD0}"/>
+              </a:ext>
+            </a:extLst>
+          </p:cNvPr>
+          <p:cNvSpPr>
+            <a:spLocks noGrp="1"/>
+          </p:cNvSpPr>
+          <p:nvPr>
+            <p:ph type="title"/>
+          </p:nvPr>
+        </p:nvSpPr>
+        <p:spPr/>
+        <p:txBody>
+          <a:bodyPr/>
+          <a:lstStyle/>
+          <a:p>
+            <a:r>
+              <a:rPr lang="en-US" dirty="0"/>
+              <a:t>Business Value of the Adverse News Classification System</a:t>
+            </a:r>
+            <a:endParaRPr lang="en-SG" dirty="0"/>
+          </a:p>
+        </p:txBody>
+      </p:sp>
+      <p:sp>
+        <p:nvSpPr>
+          <p:cNvPr id="4" name="TextBox 3">
+            <a:extLst>
+              <a:ext uri="{FF2B5EF4-FFF2-40B4-BE49-F238E27FC236}">
+                <a16:creationId xmlns:a16="http://schemas.microsoft.com/office/drawing/2014/main" id="{65F912EC-DA10-D6FB-2CD0-42E9D9C3780E}"/>
+              </a:ext>
+            </a:extLst>
+          </p:cNvPr>
+          <p:cNvSpPr txBox="1"/>
+          <p:nvPr/>
+        </p:nvSpPr>
+        <p:spPr>
+          <a:xfrm>
+            <a:off x="457200" y="2113722"/>
+            <a:ext cx="8229600" cy="4708981"/>
+          </a:xfrm>
+          <a:prstGeom prst="rect">
+            <a:avLst/>
+          </a:prstGeom>
+          <a:noFill/>
+        </p:spPr>
+        <p:txBody>
+          <a:bodyPr wrap="square" rtlCol="0">
+            <a:spAutoFit/>
+          </a:bodyPr>
+          <a:lstStyle/>
+          <a:p>
+            <a:pPr>
+              <a:buNone/>
+            </a:pPr>
+            <a:r>
+              <a:rPr lang="en-US" sz="1200" b="1" dirty="0"/>
+              <a:t>1. </a:t>
+            </a:r>
+            <a:r>
+              <a:rPr lang="en-US" sz="1200" dirty="0"/>
+              <a:t>Enhanced Financial Crime Surveillance</a:t>
+            </a:r>
+          </a:p>
+          <a:p>
+            <a:r>
+              <a:rPr lang="en-US" sz="1200" dirty="0"/>
+              <a:t>Proactively detects news about entities involved in fraud, money laundering, bribery, sanctions, etc.</a:t>
+            </a:r>
+          </a:p>
+          <a:p>
+            <a:r>
+              <a:rPr lang="en-US" sz="1200" dirty="0"/>
+              <a:t>Surfaces early warning signals before formal regulatory actions or criminal cases are initiated.</a:t>
+            </a:r>
+          </a:p>
+          <a:p>
+            <a:r>
+              <a:rPr lang="en-US" sz="1200" dirty="0"/>
+              <a:t>Augments traditional data sources (e.g., internal transactions, SARs, PEPs).</a:t>
+            </a:r>
+          </a:p>
+          <a:p>
+            <a:endParaRPr lang="en-US" sz="1200" dirty="0"/>
+          </a:p>
+          <a:p>
+            <a:pPr>
+              <a:buNone/>
+            </a:pPr>
+            <a:r>
+              <a:rPr lang="en-US" sz="1200" dirty="0"/>
+              <a:t>2. Relevance Scoring + Categorization for Prioritization</a:t>
+            </a:r>
+          </a:p>
+          <a:p>
+            <a:r>
+              <a:rPr lang="en-US" sz="1200" dirty="0"/>
+              <a:t>Confidence scores help prioritize investigation based on severity and risk exposure.</a:t>
+            </a:r>
+          </a:p>
+          <a:p>
+            <a:r>
+              <a:rPr lang="en-US" sz="1200" dirty="0"/>
+              <a:t>Categorized articles (e.g., “Insider Trading” vs “Sanctions”) streamline case routing to the right compliance teams.</a:t>
+            </a:r>
+          </a:p>
+          <a:p>
+            <a:endParaRPr lang="en-US" sz="1200" dirty="0"/>
+          </a:p>
+          <a:p>
+            <a:pPr>
+              <a:buNone/>
+            </a:pPr>
+            <a:r>
+              <a:rPr lang="en-US" sz="1200" dirty="0"/>
+              <a:t>3. Augmented Due Diligence (EDD/KYC/KYB)</a:t>
+            </a:r>
+          </a:p>
+          <a:p>
+            <a:r>
+              <a:rPr lang="en-US" sz="1200" dirty="0"/>
+              <a:t>Feed into Know Your Customer (KYC) and Know Your Business (KYB) processes for onboarding and periodic reviews.</a:t>
+            </a:r>
+          </a:p>
+          <a:p>
+            <a:r>
+              <a:rPr lang="en-US" sz="1200" dirty="0"/>
+              <a:t>Detects adverse news for:</a:t>
+            </a:r>
+          </a:p>
+          <a:p>
+            <a:pPr marL="742950" lvl="1" indent="-285750">
+              <a:buFont typeface="Arial" panose="020B0604020202020204" pitchFamily="34" charset="0"/>
+              <a:buChar char="•"/>
+            </a:pPr>
+            <a:r>
+              <a:rPr lang="en-US" sz="1200" dirty="0"/>
+              <a:t>Politically Exposed Persons (PEPs)</a:t>
+            </a:r>
+          </a:p>
+          <a:p>
+            <a:pPr marL="742950" lvl="1" indent="-285750">
+              <a:buFont typeface="Arial" panose="020B0604020202020204" pitchFamily="34" charset="0"/>
+              <a:buChar char="•"/>
+            </a:pPr>
+            <a:r>
+              <a:rPr lang="en-US" sz="1200" dirty="0"/>
+              <a:t>Sanctioned individuals/entities</a:t>
+            </a:r>
+          </a:p>
+          <a:p>
+            <a:pPr marL="742950" lvl="1" indent="-285750">
+              <a:buFont typeface="Arial" panose="020B0604020202020204" pitchFamily="34" charset="0"/>
+              <a:buChar char="•"/>
+            </a:pPr>
+            <a:r>
+              <a:rPr lang="en-US" sz="1200" dirty="0"/>
+              <a:t>Shell companies</a:t>
+            </a:r>
+          </a:p>
+          <a:p>
+            <a:pPr marL="742950" lvl="1" indent="-285750">
+              <a:buFont typeface="Arial" panose="020B0604020202020204" pitchFamily="34" charset="0"/>
+              <a:buChar char="•"/>
+            </a:pPr>
+            <a:endParaRPr lang="en-US" sz="1200" dirty="0"/>
+          </a:p>
+          <a:p>
+            <a:pPr>
+              <a:buNone/>
+            </a:pPr>
+            <a:r>
+              <a:rPr lang="en-US" sz="1200" dirty="0"/>
+              <a:t>4. Regulatory Compliance &amp; Audit Readiness</a:t>
+            </a:r>
+          </a:p>
+          <a:p>
+            <a:pPr>
+              <a:buFont typeface="Arial" panose="020B0604020202020204" pitchFamily="34" charset="0"/>
+              <a:buChar char="•"/>
+            </a:pPr>
+            <a:r>
+              <a:rPr lang="en-US" sz="1200" dirty="0"/>
+              <a:t>Provides an auditable trail of negative news checks as part of Enhanced Due Diligence (EDD).</a:t>
+            </a:r>
+          </a:p>
+          <a:p>
+            <a:pPr>
+              <a:buFont typeface="Arial" panose="020B0604020202020204" pitchFamily="34" charset="0"/>
+              <a:buChar char="•"/>
+            </a:pPr>
+            <a:r>
+              <a:rPr lang="en-US" sz="1200" dirty="0"/>
+              <a:t>Helps demonstrate compliance with FATF, AMLD5/6, FinCEN guidelines, and local anti-fraud/sanction laws.</a:t>
+            </a:r>
+          </a:p>
+          <a:p>
+            <a:pPr>
+              <a:buNone/>
+            </a:pPr>
+            <a:r>
+              <a:rPr lang="en-US" sz="1200" dirty="0"/>
+              <a:t>📉 5. Risk Reduction &amp; Brand Protection</a:t>
+            </a:r>
+          </a:p>
+          <a:p>
+            <a:pPr>
+              <a:buFont typeface="Arial" panose="020B0604020202020204" pitchFamily="34" charset="0"/>
+              <a:buChar char="•"/>
+            </a:pPr>
+            <a:r>
+              <a:rPr lang="en-US" sz="1200" dirty="0"/>
+              <a:t>Early detection = faster escalation, reducing exposure to fines, penalties, and reputational damage.</a:t>
+            </a:r>
+          </a:p>
+          <a:p>
+            <a:pPr>
+              <a:buFont typeface="Arial" panose="020B0604020202020204" pitchFamily="34" charset="0"/>
+              <a:buChar char="•"/>
+            </a:pPr>
+            <a:r>
+              <a:rPr lang="en-US" sz="1200" dirty="0"/>
+              <a:t>Supports third-party risk management by screening vendors, clients, and partners for adverse news.</a:t>
+            </a:r>
+          </a:p>
+          <a:p>
+            <a:endParaRPr lang="en-SG" sz="1200" dirty="0"/>
+          </a:p>
+        </p:txBody>
+      </p:sp>
+    </p:spTree>
+    <p:extLst>
+      <p:ext uri="{BB962C8B-B14F-4D97-AF65-F5344CB8AC3E}">
+        <p14:creationId xmlns:p14="http://schemas.microsoft.com/office/powerpoint/2010/main" val="489895020"/>
+      </p:ext>
+    </p:extLst>
+  </p:cSld>
+  <p:clrMapOvr>
+    <a:masterClrMapping/>
+  </p:clrMapOvr>
+</p:sld>
+</file>
+
+<file path=ppt/slides/slide18.xml><?xml version="1.0" encoding="utf-8"?>
+<p:sld xmlns:a="http://schemas.openxmlformats.org/drawingml/2006/main" xmlns:r="http://schemas.openxmlformats.org/officeDocument/2006/relationships" xmlns:p="http://schemas.openxmlformats.org/presentationml/2006/main">
+  <p:cSld>
+    <p:spTree>
+      <p:nvGrpSpPr>
+        <p:cNvPr id="1" name=""/>
+        <p:cNvGrpSpPr/>
+        <p:nvPr/>
+      </p:nvGrpSpPr>
+      <p:grpSpPr>
+        <a:xfrm>
+          <a:off x="0" y="0"/>
+          <a:ext cx="0" cy="0"/>
+          <a:chOff x="0" y="0"/>
+          <a:chExt cx="0" cy="0"/>
+        </a:xfrm>
+      </p:grpSpPr>
+      <p:sp>
+        <p:nvSpPr>
+          <p:cNvPr id="2" name="Title 1">
+            <a:extLst>
+              <a:ext uri="{FF2B5EF4-FFF2-40B4-BE49-F238E27FC236}">
+                <a16:creationId xmlns:a16="http://schemas.microsoft.com/office/drawing/2014/main" id="{1D0D9BEC-DED9-EB74-32DC-597E03DD53E8}"/>
+              </a:ext>
+            </a:extLst>
+          </p:cNvPr>
+          <p:cNvSpPr>
+            <a:spLocks noGrp="1"/>
+          </p:cNvSpPr>
+          <p:nvPr>
+            <p:ph type="title"/>
+          </p:nvPr>
+        </p:nvSpPr>
+        <p:spPr>
+          <a:xfrm>
+            <a:off x="865970" y="927098"/>
+            <a:ext cx="7482900" cy="709865"/>
+          </a:xfrm>
+        </p:spPr>
+        <p:txBody>
+          <a:bodyPr/>
+          <a:lstStyle/>
+          <a:p>
+            <a:r>
+              <a:rPr lang="en-US" dirty="0"/>
+              <a:t>Integration with a Bank’s Existing Compliance Framework</a:t>
+            </a:r>
+            <a:endParaRPr lang="en-SG" dirty="0"/>
+          </a:p>
+        </p:txBody>
+      </p:sp>
+      <p:graphicFrame>
+        <p:nvGraphicFramePr>
+          <p:cNvPr id="7" name="Object 6">
+            <a:extLst>
+              <a:ext uri="{FF2B5EF4-FFF2-40B4-BE49-F238E27FC236}">
+                <a16:creationId xmlns:a16="http://schemas.microsoft.com/office/drawing/2014/main" id="{A104C03E-F204-BFD0-0347-92BAB3A4CD93}"/>
+              </a:ext>
+            </a:extLst>
+          </p:cNvPr>
+          <p:cNvGraphicFramePr>
+            <a:graphicFrameLocks noChangeAspect="1"/>
+          </p:cNvGraphicFramePr>
+          <p:nvPr>
+            <p:extLst>
+              <p:ext uri="{D42A27DB-BD31-4B8C-83A1-F6EECF244321}">
+                <p14:modId xmlns:p14="http://schemas.microsoft.com/office/powerpoint/2010/main" val="2704057297"/>
+              </p:ext>
+            </p:extLst>
+          </p:nvPr>
+        </p:nvGraphicFramePr>
+        <p:xfrm>
+          <a:off x="289063" y="2776539"/>
+          <a:ext cx="8536885" cy="1668340"/>
+        </p:xfrm>
+        <a:graphic>
+          <a:graphicData uri="http://schemas.openxmlformats.org/presentationml/2006/ole">
+            <mc:AlternateContent xmlns:mc="http://schemas.openxmlformats.org/markup-compatibility/2006">
+              <mc:Choice xmlns:v="urn:schemas-microsoft-com:vml" Requires="v">
+                <p:oleObj name="Worksheet" r:id="rId2" imgW="6629621" imgH="1295282" progId="Excel.Sheet.12">
+                  <p:embed/>
+                </p:oleObj>
+              </mc:Choice>
+              <mc:Fallback>
+                <p:oleObj name="Worksheet" r:id="rId2" imgW="6629621" imgH="1295282" progId="Excel.Sheet.12">
+                  <p:embed/>
+                  <p:pic>
+                    <p:nvPicPr>
+                      <p:cNvPr id="0" name=""/>
+                      <p:cNvPicPr/>
+                      <p:nvPr/>
+                    </p:nvPicPr>
+                    <p:blipFill>
+                      <a:blip r:embed="rId3"/>
+                      <a:stretch>
+                        <a:fillRect/>
+                      </a:stretch>
+                    </p:blipFill>
+                    <p:spPr>
+                      <a:xfrm>
+                        <a:off x="289063" y="2776539"/>
+                        <a:ext cx="8536885" cy="1668340"/>
+                      </a:xfrm>
+                      <a:prstGeom prst="rect">
+                        <a:avLst/>
+                      </a:prstGeom>
+                    </p:spPr>
+                  </p:pic>
+                </p:oleObj>
+              </mc:Fallback>
+            </mc:AlternateContent>
+          </a:graphicData>
+        </a:graphic>
+      </p:graphicFrame>
+    </p:spTree>
+    <p:extLst>
+      <p:ext uri="{BB962C8B-B14F-4D97-AF65-F5344CB8AC3E}">
+        <p14:creationId xmlns:p14="http://schemas.microsoft.com/office/powerpoint/2010/main" val="2085515986"/>
+      </p:ext>
+    </p:extLst>
   </p:cSld>
   <p:clrMapOvr>
     <a:masterClrMapping/>
